--- a/trunk/docs/Presentacion Final/Tempore – Manejá tus tiempos-V3.pptx
+++ b/trunk/docs/Presentacion Final/Tempore – Manejá tus tiempos-V3.pptx
@@ -10,14 +10,15 @@
     <p:sldId id="259" r:id="rId4"/>
     <p:sldId id="261" r:id="rId5"/>
     <p:sldId id="260" r:id="rId6"/>
-    <p:sldId id="262" r:id="rId7"/>
-    <p:sldId id="263" r:id="rId8"/>
-    <p:sldId id="269" r:id="rId9"/>
-    <p:sldId id="270" r:id="rId10"/>
-    <p:sldId id="265" r:id="rId11"/>
-    <p:sldId id="271" r:id="rId12"/>
-    <p:sldId id="266" r:id="rId13"/>
-    <p:sldId id="268" r:id="rId14"/>
+    <p:sldId id="272" r:id="rId7"/>
+    <p:sldId id="262" r:id="rId8"/>
+    <p:sldId id="263" r:id="rId9"/>
+    <p:sldId id="269" r:id="rId10"/>
+    <p:sldId id="270" r:id="rId11"/>
+    <p:sldId id="265" r:id="rId12"/>
+    <p:sldId id="271" r:id="rId13"/>
+    <p:sldId id="266" r:id="rId14"/>
+    <p:sldId id="268" r:id="rId15"/>
   </p:sldIdLst>
   <p:sldSz cx="9144000" cy="6858000" type="screen4x3"/>
   <p:notesSz cx="6858000" cy="9144000"/>
@@ -8087,8 +8088,8 @@
     <dgm:cxn modelId="{8C299630-9803-4B04-8B31-B53A6E7DFD7C}" type="presOf" srcId="{C6E38A37-8CEE-40C5-BC7F-B1DBEE1C85FD}" destId="{13400CF3-71DB-4A20-9E68-DFEB69ADD4EA}" srcOrd="0" destOrd="0" presId="urn:microsoft.com/office/officeart/2005/8/layout/default"/>
     <dgm:cxn modelId="{B03251E3-5CEC-4D1A-96ED-4F46DF5C1A70}" srcId="{C0E539D6-C9F4-4294-9F5A-9E93C16EB42D}" destId="{F2FA911A-9C47-4387-AC49-0D78F1000A48}" srcOrd="0" destOrd="0" parTransId="{A2631342-4EBE-4AB6-9F2A-75E80CFC9CF2}" sibTransId="{8BA47294-4960-4E68-913E-2EE2A9FE8ED5}"/>
     <dgm:cxn modelId="{6CBA2795-B241-45D2-AB12-0090CE7260BA}" srcId="{C0E539D6-C9F4-4294-9F5A-9E93C16EB42D}" destId="{C6E38A37-8CEE-40C5-BC7F-B1DBEE1C85FD}" srcOrd="10" destOrd="0" parTransId="{A556546C-7259-4D6A-A7CA-82AFBB933CD2}" sibTransId="{284CE06A-0FA9-4C88-9067-B848C14035CE}"/>
+    <dgm:cxn modelId="{758F0B89-294A-4856-B917-E2532E274275}" type="presOf" srcId="{855FA694-D0C1-455E-8B8C-1C0C0DDE3A9A}" destId="{D440A548-44C8-4273-82FE-2939C57B244D}" srcOrd="0" destOrd="0" presId="urn:microsoft.com/office/officeart/2005/8/layout/default"/>
     <dgm:cxn modelId="{9BD58D7E-4E13-49DD-9823-8E34E419FE0D}" type="presOf" srcId="{B4019972-F7C0-4F7F-8238-F2F755D89913}" destId="{C8CF808F-D1F5-43A9-ACAB-20AD64113D0C}" srcOrd="0" destOrd="0" presId="urn:microsoft.com/office/officeart/2005/8/layout/default"/>
-    <dgm:cxn modelId="{758F0B89-294A-4856-B917-E2532E274275}" type="presOf" srcId="{855FA694-D0C1-455E-8B8C-1C0C0DDE3A9A}" destId="{D440A548-44C8-4273-82FE-2939C57B244D}" srcOrd="0" destOrd="0" presId="urn:microsoft.com/office/officeart/2005/8/layout/default"/>
     <dgm:cxn modelId="{1AB0B924-F2EE-4710-93E4-4CB54361BC51}" srcId="{C0E539D6-C9F4-4294-9F5A-9E93C16EB42D}" destId="{708357FF-1796-473E-8DF3-421FCBBA07D5}" srcOrd="5" destOrd="0" parTransId="{3B037CD6-76FB-4B65-AB85-263451EBDAC5}" sibTransId="{7B279972-513F-46F2-BE8D-720BC8450B6C}"/>
     <dgm:cxn modelId="{4B1C830E-8CF3-40F6-91BA-2AC573055C85}" srcId="{C0E539D6-C9F4-4294-9F5A-9E93C16EB42D}" destId="{79C676C4-3678-4A48-B17D-B76F0672C838}" srcOrd="2" destOrd="0" parTransId="{6A9F8D4E-1C20-4D2C-A9B7-09E695CF5D0F}" sibTransId="{8B1D6949-CFC0-4239-9B8B-FE43BB82CC9C}"/>
     <dgm:cxn modelId="{37BF08A1-54CB-4378-82D6-516D0FFC3DF9}" srcId="{C0E539D6-C9F4-4294-9F5A-9E93C16EB42D}" destId="{E744F332-83B2-4943-AE0E-C6EAD8136810}" srcOrd="6" destOrd="0" parTransId="{D2B54B4E-8355-429D-9A7B-6620572B3F88}" sibTransId="{C2B2162C-C168-4970-9F74-11455AD3988D}"/>
@@ -8255,6 +8256,13 @@
         </dgm:presLayoutVars>
       </dgm:prSet>
       <dgm:spPr/>
+      <dgm:t>
+        <a:bodyPr/>
+        <a:lstStyle/>
+        <a:p>
+          <a:endParaRPr lang="es-AR"/>
+        </a:p>
+      </dgm:t>
     </dgm:pt>
     <dgm:pt modelId="{0A6A2DDE-E387-4D04-BC29-44D51AD080B8}" type="pres">
       <dgm:prSet presAssocID="{F5BE3DAA-331E-4E68-9E5F-98AD577B3075}" presName="node" presStyleLbl="node1" presStyleIdx="0" presStyleCnt="3" custScaleX="130946" custScaleY="103822">
@@ -8267,6 +8275,13 @@
           <a:avLst/>
         </a:prstGeom>
       </dgm:spPr>
+      <dgm:t>
+        <a:bodyPr/>
+        <a:lstStyle/>
+        <a:p>
+          <a:endParaRPr lang="es-AR"/>
+        </a:p>
+      </dgm:t>
     </dgm:pt>
     <dgm:pt modelId="{2F384B46-5516-41A7-9041-59E2828683C5}" type="pres">
       <dgm:prSet presAssocID="{4D680AA1-BE5F-4FBB-B644-A194CB32A9BE}" presName="sibTrans" presStyleCnt="0"/>
@@ -8283,6 +8298,13 @@
           <a:avLst/>
         </a:prstGeom>
       </dgm:spPr>
+      <dgm:t>
+        <a:bodyPr/>
+        <a:lstStyle/>
+        <a:p>
+          <a:endParaRPr lang="es-AR"/>
+        </a:p>
+      </dgm:t>
     </dgm:pt>
     <dgm:pt modelId="{14F5D219-8A4A-4B5F-9F75-7B7F58CF49F7}" type="pres">
       <dgm:prSet presAssocID="{D7C7E2D6-CBFD-4966-9496-B984FD6812EE}" presName="sibTrans" presStyleCnt="0"/>
@@ -8299,6 +8321,13 @@
           <a:avLst/>
         </a:prstGeom>
       </dgm:spPr>
+      <dgm:t>
+        <a:bodyPr/>
+        <a:lstStyle/>
+        <a:p>
+          <a:endParaRPr lang="es-AR"/>
+        </a:p>
+      </dgm:t>
     </dgm:pt>
   </dgm:ptLst>
   <dgm:cxnLst>
@@ -8993,10 +9022,10 @@
     <dgm:cxn modelId="{F9D6D550-F35A-45F3-8895-5F55D417D1B8}" srcId="{5D3F1B1F-8882-40C2-8A2D-F35C5D2DE244}" destId="{9EA8F649-A822-4005-92B6-E4F626377926}" srcOrd="1" destOrd="0" parTransId="{A19D1006-3E40-46BC-8708-098A042146AC}" sibTransId="{9F6D6AA6-5462-48C4-A8CB-98B534BFC05E}"/>
     <dgm:cxn modelId="{3BB231F2-BA78-4C74-8837-63E8AA3A9961}" srcId="{E04A945A-6049-4891-9E14-7CDB6DAB0BC6}" destId="{A8089130-C6AF-4C59-91BA-D491F90FD224}" srcOrd="2" destOrd="0" parTransId="{40E3F085-901B-4AF5-BE42-4B363A9A389B}" sibTransId="{375E4F1F-9010-4AFB-80F5-7D8253F558B7}"/>
     <dgm:cxn modelId="{B88D1584-42CB-4BFA-897E-2F49A531585A}" type="presOf" srcId="{523707FD-C98E-42E7-A7AE-6024BB02137F}" destId="{9341FA87-653E-4EE1-9D60-62E42E549D70}" srcOrd="0" destOrd="1" presId="urn:microsoft.com/office/officeart/2005/8/layout/bProcess4"/>
-    <dgm:cxn modelId="{C9FCCE48-F01C-42C6-8715-9912EC0FAC71}" type="presOf" srcId="{9C7D0373-CC3E-413C-81C8-B470E8B263C6}" destId="{32C67C01-1733-4DE1-B9F7-F5E3E19EE2A1}" srcOrd="0" destOrd="0" presId="urn:microsoft.com/office/officeart/2005/8/layout/bProcess4"/>
-    <dgm:cxn modelId="{67A29964-05EE-4C7B-ACC3-E682C6E3112D}" type="presOf" srcId="{E04A945A-6049-4891-9E14-7CDB6DAB0BC6}" destId="{C7A55BFA-298B-4CBA-9CBB-C38CE6233F0A}" srcOrd="0" destOrd="0" presId="urn:microsoft.com/office/officeart/2005/8/layout/bProcess4"/>
     <dgm:cxn modelId="{CA20D5AE-B006-40E3-96B1-4270A4F7BCD3}" srcId="{5D3F1B1F-8882-40C2-8A2D-F35C5D2DE244}" destId="{9C7D0373-CC3E-413C-81C8-B470E8B263C6}" srcOrd="2" destOrd="0" parTransId="{29C80087-19E2-4639-9040-BAEEF3E1B19B}" sibTransId="{8812AA20-70EC-4FAC-95B8-BDEB02C25A71}"/>
     <dgm:cxn modelId="{B388C3CB-8155-4402-9BCC-74B971755B23}" type="presOf" srcId="{8CAD46E3-4128-4FB8-A468-D3B9D25DC51C}" destId="{9341FA87-653E-4EE1-9D60-62E42E549D70}" srcOrd="0" destOrd="2" presId="urn:microsoft.com/office/officeart/2005/8/layout/bProcess4"/>
+    <dgm:cxn modelId="{67A29964-05EE-4C7B-ACC3-E682C6E3112D}" type="presOf" srcId="{E04A945A-6049-4891-9E14-7CDB6DAB0BC6}" destId="{C7A55BFA-298B-4CBA-9CBB-C38CE6233F0A}" srcOrd="0" destOrd="0" presId="urn:microsoft.com/office/officeart/2005/8/layout/bProcess4"/>
+    <dgm:cxn modelId="{C9FCCE48-F01C-42C6-8715-9912EC0FAC71}" type="presOf" srcId="{9C7D0373-CC3E-413C-81C8-B470E8B263C6}" destId="{32C67C01-1733-4DE1-B9F7-F5E3E19EE2A1}" srcOrd="0" destOrd="0" presId="urn:microsoft.com/office/officeart/2005/8/layout/bProcess4"/>
     <dgm:cxn modelId="{BE0408AF-66FB-4F81-BA5F-31E9D5181735}" srcId="{E04A945A-6049-4891-9E14-7CDB6DAB0BC6}" destId="{B271351A-9057-4106-A219-F345F75608E9}" srcOrd="3" destOrd="0" parTransId="{BDE80354-1D0A-46D6-94B3-530496A8F090}" sibTransId="{8416442F-43A3-4930-80B3-779D6B35B3AE}"/>
     <dgm:cxn modelId="{B835D342-3EFE-486E-AA93-3B67114FAE95}" srcId="{9EA8F649-A822-4005-92B6-E4F626377926}" destId="{62CFA7F4-8DDA-4B43-A88D-C9B164593647}" srcOrd="2" destOrd="0" parTransId="{675CA5E5-297F-48F4-90BD-F79188D26E6A}" sibTransId="{27D65F72-00EF-4987-820D-7395A34B75B7}"/>
     <dgm:cxn modelId="{A0527347-D325-4CEE-B5AC-88478D170176}" type="presOf" srcId="{231F4CB2-16F1-4D83-A982-AA185703EE8D}" destId="{C7A55BFA-298B-4CBA-9CBB-C38CE6233F0A}" srcOrd="0" destOrd="2" presId="urn:microsoft.com/office/officeart/2005/8/layout/bProcess4"/>
@@ -9009,8 +9038,8 @@
     <dgm:cxn modelId="{551B607C-4431-448D-9A31-973F7E4AE00F}" type="presOf" srcId="{7B2DF067-6CFB-46CD-8FE8-6966F9650109}" destId="{32C67C01-1733-4DE1-B9F7-F5E3E19EE2A1}" srcOrd="0" destOrd="2" presId="urn:microsoft.com/office/officeart/2005/8/layout/bProcess4"/>
     <dgm:cxn modelId="{A7588252-539D-48DE-8F55-B728E7DFD8D0}" srcId="{9C7D0373-CC3E-413C-81C8-B470E8B263C6}" destId="{7B2DF067-6CFB-46CD-8FE8-6966F9650109}" srcOrd="1" destOrd="0" parTransId="{4F7DEAEC-12EE-4C7E-8C51-AEAE1AD8EAC5}" sibTransId="{585E7396-80D2-4ED2-A8C7-CE92550E47FE}"/>
     <dgm:cxn modelId="{34391BEA-9B4C-408E-9774-F355C4652C41}" type="presOf" srcId="{5D3F1B1F-8882-40C2-8A2D-F35C5D2DE244}" destId="{86122185-04DF-4827-BCE4-5B9D15CBD405}" srcOrd="0" destOrd="0" presId="urn:microsoft.com/office/officeart/2005/8/layout/bProcess4"/>
+    <dgm:cxn modelId="{3A63B726-2CA7-461B-9048-DD1E99D2AF94}" srcId="{E04A945A-6049-4891-9E14-7CDB6DAB0BC6}" destId="{AFD36104-1D44-4289-9932-D47F79CFC7EF}" srcOrd="0" destOrd="0" parTransId="{6A5B042A-D458-4E02-826F-BEAE53DEFE29}" sibTransId="{02855DD9-D7E9-49EB-ACDE-AF95AADAABCF}"/>
     <dgm:cxn modelId="{5DBF614C-63FE-40C6-A2FA-AD647E6A6523}" type="presOf" srcId="{B271351A-9057-4106-A219-F345F75608E9}" destId="{C7A55BFA-298B-4CBA-9CBB-C38CE6233F0A}" srcOrd="0" destOrd="4" presId="urn:microsoft.com/office/officeart/2005/8/layout/bProcess4"/>
-    <dgm:cxn modelId="{3A63B726-2CA7-461B-9048-DD1E99D2AF94}" srcId="{E04A945A-6049-4891-9E14-7CDB6DAB0BC6}" destId="{AFD36104-1D44-4289-9932-D47F79CFC7EF}" srcOrd="0" destOrd="0" parTransId="{6A5B042A-D458-4E02-826F-BEAE53DEFE29}" sibTransId="{02855DD9-D7E9-49EB-ACDE-AF95AADAABCF}"/>
     <dgm:cxn modelId="{D62B1A7A-70E9-4F01-BE83-DB17A1A64431}" type="presOf" srcId="{5C6785CB-18E4-4971-AEBB-48A5BB9AB520}" destId="{32C67C01-1733-4DE1-B9F7-F5E3E19EE2A1}" srcOrd="0" destOrd="3" presId="urn:microsoft.com/office/officeart/2005/8/layout/bProcess4"/>
     <dgm:cxn modelId="{2D94902C-5308-4AA9-B029-4D3C338F79FE}" srcId="{5D3F1B1F-8882-40C2-8A2D-F35C5D2DE244}" destId="{E04A945A-6049-4891-9E14-7CDB6DAB0BC6}" srcOrd="0" destOrd="0" parTransId="{9601B9C0-F29E-4B75-8DC4-9CF7B537A66F}" sibTransId="{55AE2466-DEE7-44B2-9DF1-15F3E5B5978A}"/>
     <dgm:cxn modelId="{15D0DC41-FCF1-4B1C-8200-E9A8A7D32A43}" type="presOf" srcId="{AFD36104-1D44-4289-9932-D47F79CFC7EF}" destId="{C7A55BFA-298B-4CBA-9CBB-C38CE6233F0A}" srcOrd="0" destOrd="1" presId="urn:microsoft.com/office/officeart/2005/8/layout/bProcess4"/>
@@ -9103,11 +9132,7 @@
           <a:pPr algn="l"/>
           <a:r>
             <a:rPr lang="es-ES" sz="1800" dirty="0" smtClean="0"/>
-            <a:t>  Correo </a:t>
-          </a:r>
-          <a:r>
-            <a:rPr lang="es-ES" sz="1800" dirty="0" smtClean="0"/>
-            <a:t>electrónico</a:t>
+            <a:t>  Correo electrónico</a:t>
           </a:r>
         </a:p>
       </dgm:t>
@@ -9144,11 +9169,7 @@
           <a:pPr algn="l"/>
           <a:r>
             <a:rPr lang="es-ES" sz="1800" dirty="0" smtClean="0"/>
-            <a:t>  Chat </a:t>
-          </a:r>
-          <a:r>
-            <a:rPr lang="es-ES" sz="1800" dirty="0" smtClean="0"/>
-            <a:t>interactivo</a:t>
+            <a:t>  Chat interactivo</a:t>
           </a:r>
         </a:p>
       </dgm:t>
@@ -13574,11 +13595,7 @@
           </a:pPr>
           <a:r>
             <a:rPr lang="es-ES" sz="1800" kern="1200" dirty="0" smtClean="0"/>
-            <a:t>  Correo </a:t>
-          </a:r>
-          <a:r>
-            <a:rPr lang="es-ES" sz="1800" kern="1200" dirty="0" smtClean="0"/>
-            <a:t>electrónico</a:t>
+            <a:t>  Correo electrónico</a:t>
           </a:r>
         </a:p>
         <a:p>
@@ -13596,11 +13613,7 @@
           </a:pPr>
           <a:r>
             <a:rPr lang="es-ES" sz="1800" kern="1200" dirty="0" smtClean="0"/>
-            <a:t>  Chat </a:t>
-          </a:r>
-          <a:r>
-            <a:rPr lang="es-ES" sz="1800" kern="1200" dirty="0" smtClean="0"/>
-            <a:t>interactivo</a:t>
+            <a:t>  Chat interactivo</a:t>
           </a:r>
         </a:p>
       </dsp:txBody>
@@ -25491,6 +25504,3995 @@
         <p:spPr>
           <a:xfrm>
             <a:off x="702836" y="859659"/>
+            <a:ext cx="2678554" cy="461665"/>
+          </a:xfrm>
+          <a:prstGeom prst="rect">
+            <a:avLst/>
+          </a:prstGeom>
+        </p:spPr>
+        <p:txBody>
+          <a:bodyPr wrap="none">
+            <a:spAutoFit/>
+          </a:bodyPr>
+          <a:lstStyle/>
+          <a:p>
+            <a:r>
+              <a:rPr lang="es-ES" sz="2400" b="1" dirty="0" smtClean="0">
+                <a:solidFill>
+                  <a:schemeClr val="accent1">
+                    <a:lumMod val="75000"/>
+                  </a:schemeClr>
+                </a:solidFill>
+                <a:effectLst>
+                  <a:reflection blurRad="12700" stA="48000" endA="300" endPos="55000" dir="5400000" sy="-90000" algn="bl" rotWithShape="0"/>
+                </a:effectLst>
+                <a:latin typeface="+mj-lt"/>
+                <a:ea typeface="+mj-ea"/>
+                <a:cs typeface="+mj-cs"/>
+              </a:rPr>
+              <a:t>Desafíos Superados</a:t>
+            </a:r>
+            <a:endParaRPr lang="es-ES" sz="2400" b="1" cap="all" dirty="0" smtClean="0">
+              <a:solidFill>
+                <a:schemeClr val="accent1">
+                  <a:lumMod val="75000"/>
+                </a:schemeClr>
+              </a:solidFill>
+              <a:effectLst>
+                <a:reflection blurRad="12700" stA="48000" endA="300" endPos="55000" dir="5400000" sy="-90000" algn="bl" rotWithShape="0"/>
+              </a:effectLst>
+              <a:latin typeface="+mj-lt"/>
+              <a:ea typeface="+mj-ea"/>
+              <a:cs typeface="+mj-cs"/>
+            </a:endParaRPr>
+          </a:p>
+        </p:txBody>
+      </p:sp>
+      <p:pic>
+        <p:nvPicPr>
+          <p:cNvPr id="57" name="56 Imagen" descr="impedimentos.png"/>
+          <p:cNvPicPr>
+            <a:picLocks noChangeAspect="1"/>
+          </p:cNvPicPr>
+          <p:nvPr/>
+        </p:nvPicPr>
+        <p:blipFill>
+          <a:blip r:embed="rId3" cstate="print"/>
+          <a:stretch>
+            <a:fillRect/>
+          </a:stretch>
+        </p:blipFill>
+        <p:spPr>
+          <a:xfrm>
+            <a:off x="83689" y="840720"/>
+            <a:ext cx="615582" cy="509141"/>
+          </a:xfrm>
+          <a:prstGeom prst="rect">
+            <a:avLst/>
+          </a:prstGeom>
+        </p:spPr>
+      </p:pic>
+      <p:sp>
+        <p:nvSpPr>
+          <p:cNvPr id="58" name="57 Cheurón"/>
+          <p:cNvSpPr/>
+          <p:nvPr/>
+        </p:nvSpPr>
+        <p:spPr>
+          <a:xfrm>
+            <a:off x="1145634" y="4859010"/>
+            <a:ext cx="3699310" cy="428628"/>
+          </a:xfrm>
+          <a:prstGeom prst="chevron">
+            <a:avLst/>
+          </a:prstGeom>
+          <a:ln/>
+        </p:spPr>
+        <p:style>
+          <a:lnRef idx="0">
+            <a:schemeClr val="accent2"/>
+          </a:lnRef>
+          <a:fillRef idx="3">
+            <a:schemeClr val="accent2"/>
+          </a:fillRef>
+          <a:effectRef idx="3">
+            <a:schemeClr val="accent2"/>
+          </a:effectRef>
+          <a:fontRef idx="minor">
+            <a:schemeClr val="lt1"/>
+          </a:fontRef>
+        </p:style>
+        <p:txBody>
+          <a:bodyPr rtlCol="0" anchor="ctr"/>
+          <a:lstStyle/>
+          <a:p>
+            <a:pPr algn="ctr"/>
+            <a:r>
+              <a:rPr lang="es-AR" sz="1100" b="1" dirty="0" smtClean="0">
+                <a:solidFill>
+                  <a:schemeClr val="bg1"/>
+                </a:solidFill>
+              </a:rPr>
+              <a:t>Falta de conocimiento de la tecnología elegida</a:t>
+            </a:r>
+            <a:endParaRPr lang="es-ES" sz="1200" b="1" dirty="0">
+              <a:solidFill>
+                <a:schemeClr val="bg1"/>
+              </a:solidFill>
+            </a:endParaRPr>
+          </a:p>
+        </p:txBody>
+      </p:sp>
+      <p:sp>
+        <p:nvSpPr>
+          <p:cNvPr id="60" name="59 Cheurón"/>
+          <p:cNvSpPr/>
+          <p:nvPr/>
+        </p:nvSpPr>
+        <p:spPr>
+          <a:xfrm>
+            <a:off x="4702036" y="4849564"/>
+            <a:ext cx="3699310" cy="428628"/>
+          </a:xfrm>
+          <a:prstGeom prst="chevron">
+            <a:avLst/>
+          </a:prstGeom>
+          <a:ln/>
+        </p:spPr>
+        <p:style>
+          <a:lnRef idx="0">
+            <a:schemeClr val="accent3"/>
+          </a:lnRef>
+          <a:fillRef idx="3">
+            <a:schemeClr val="accent3"/>
+          </a:fillRef>
+          <a:effectRef idx="3">
+            <a:schemeClr val="accent3"/>
+          </a:effectRef>
+          <a:fontRef idx="minor">
+            <a:schemeClr val="lt1"/>
+          </a:fontRef>
+        </p:style>
+        <p:txBody>
+          <a:bodyPr rtlCol="0" anchor="ctr"/>
+          <a:lstStyle/>
+          <a:p>
+            <a:pPr algn="ctr"/>
+            <a:r>
+              <a:rPr lang="es-ES" sz="1100" b="1" dirty="0" smtClean="0">
+                <a:solidFill>
+                  <a:schemeClr val="bg1"/>
+                </a:solidFill>
+              </a:rPr>
+              <a:t>Previo conocimiento de JAVA y deseo de aprender nuevas cosas</a:t>
+            </a:r>
+            <a:endParaRPr lang="es-ES" sz="1050" dirty="0">
+              <a:solidFill>
+                <a:schemeClr val="tx1"/>
+              </a:solidFill>
+            </a:endParaRPr>
+          </a:p>
+        </p:txBody>
+      </p:sp>
+      <p:sp>
+        <p:nvSpPr>
+          <p:cNvPr id="61" name="60 Cheurón"/>
+          <p:cNvSpPr/>
+          <p:nvPr/>
+        </p:nvSpPr>
+        <p:spPr>
+          <a:xfrm>
+            <a:off x="1136188" y="5360843"/>
+            <a:ext cx="3699310" cy="428628"/>
+          </a:xfrm>
+          <a:prstGeom prst="chevron">
+            <a:avLst/>
+          </a:prstGeom>
+          <a:ln/>
+        </p:spPr>
+        <p:style>
+          <a:lnRef idx="0">
+            <a:schemeClr val="accent2"/>
+          </a:lnRef>
+          <a:fillRef idx="3">
+            <a:schemeClr val="accent2"/>
+          </a:fillRef>
+          <a:effectRef idx="3">
+            <a:schemeClr val="accent2"/>
+          </a:effectRef>
+          <a:fontRef idx="minor">
+            <a:schemeClr val="lt1"/>
+          </a:fontRef>
+        </p:style>
+        <p:txBody>
+          <a:bodyPr rtlCol="0" anchor="ctr"/>
+          <a:lstStyle/>
+          <a:p>
+            <a:pPr algn="ctr"/>
+            <a:r>
+              <a:rPr lang="es-AR" sz="1100" b="1" dirty="0" smtClean="0">
+                <a:solidFill>
+                  <a:schemeClr val="bg1"/>
+                </a:solidFill>
+              </a:rPr>
+              <a:t>Aprender nos llevó más de lo esperado</a:t>
+            </a:r>
+            <a:endParaRPr lang="es-ES" sz="1200" b="1" dirty="0">
+              <a:solidFill>
+                <a:schemeClr val="bg1"/>
+              </a:solidFill>
+            </a:endParaRPr>
+          </a:p>
+        </p:txBody>
+      </p:sp>
+      <p:sp>
+        <p:nvSpPr>
+          <p:cNvPr id="64" name="63 Cheurón"/>
+          <p:cNvSpPr/>
+          <p:nvPr/>
+        </p:nvSpPr>
+        <p:spPr>
+          <a:xfrm>
+            <a:off x="1124085" y="5860909"/>
+            <a:ext cx="3699310" cy="428628"/>
+          </a:xfrm>
+          <a:prstGeom prst="chevron">
+            <a:avLst/>
+          </a:prstGeom>
+          <a:ln/>
+        </p:spPr>
+        <p:style>
+          <a:lnRef idx="0">
+            <a:schemeClr val="accent2"/>
+          </a:lnRef>
+          <a:fillRef idx="3">
+            <a:schemeClr val="accent2"/>
+          </a:fillRef>
+          <a:effectRef idx="3">
+            <a:schemeClr val="accent2"/>
+          </a:effectRef>
+          <a:fontRef idx="minor">
+            <a:schemeClr val="lt1"/>
+          </a:fontRef>
+        </p:style>
+        <p:txBody>
+          <a:bodyPr rtlCol="0" anchor="ctr"/>
+          <a:lstStyle/>
+          <a:p>
+            <a:pPr algn="ctr"/>
+            <a:r>
+              <a:rPr lang="es-AR" sz="1100" b="1" dirty="0" smtClean="0">
+                <a:solidFill>
+                  <a:schemeClr val="bg1"/>
+                </a:solidFill>
+              </a:rPr>
+              <a:t>Aprendizaje adicional de componentes </a:t>
+            </a:r>
+            <a:r>
+              <a:rPr lang="es-AR" sz="1100" b="1" dirty="0" err="1" smtClean="0">
+                <a:solidFill>
+                  <a:schemeClr val="bg1"/>
+                </a:solidFill>
+              </a:rPr>
+              <a:t>Smart</a:t>
+            </a:r>
+            <a:r>
+              <a:rPr lang="es-AR" sz="1100" b="1" dirty="0" smtClean="0">
+                <a:solidFill>
+                  <a:schemeClr val="bg1"/>
+                </a:solidFill>
+              </a:rPr>
+              <a:t> GWT</a:t>
+            </a:r>
+            <a:endParaRPr lang="es-ES" sz="1200" b="1" dirty="0">
+              <a:solidFill>
+                <a:schemeClr val="bg1"/>
+              </a:solidFill>
+            </a:endParaRPr>
+          </a:p>
+        </p:txBody>
+      </p:sp>
+      <p:sp>
+        <p:nvSpPr>
+          <p:cNvPr id="68" name="67 Cheurón"/>
+          <p:cNvSpPr/>
+          <p:nvPr/>
+        </p:nvSpPr>
+        <p:spPr>
+          <a:xfrm>
+            <a:off x="4679987" y="5366895"/>
+            <a:ext cx="3764179" cy="942425"/>
+          </a:xfrm>
+          <a:prstGeom prst="chevron">
+            <a:avLst/>
+          </a:prstGeom>
+          <a:ln/>
+        </p:spPr>
+        <p:style>
+          <a:lnRef idx="0">
+            <a:schemeClr val="accent3"/>
+          </a:lnRef>
+          <a:fillRef idx="3">
+            <a:schemeClr val="accent3"/>
+          </a:fillRef>
+          <a:effectRef idx="3">
+            <a:schemeClr val="accent3"/>
+          </a:effectRef>
+          <a:fontRef idx="minor">
+            <a:schemeClr val="lt1"/>
+          </a:fontRef>
+        </p:style>
+        <p:txBody>
+          <a:bodyPr rtlCol="0" anchor="ctr"/>
+          <a:lstStyle/>
+          <a:p>
+            <a:pPr algn="ctr"/>
+            <a:r>
+              <a:rPr lang="es-ES" sz="1100" b="1" dirty="0" smtClean="0">
+                <a:solidFill>
+                  <a:schemeClr val="bg1"/>
+                </a:solidFill>
+              </a:rPr>
+              <a:t>Esfuerzo y dedicación</a:t>
+            </a:r>
+            <a:endParaRPr lang="es-ES" sz="1050" dirty="0">
+              <a:solidFill>
+                <a:schemeClr val="tx1"/>
+              </a:solidFill>
+            </a:endParaRPr>
+          </a:p>
+        </p:txBody>
+      </p:sp>
+      <p:sp>
+        <p:nvSpPr>
+          <p:cNvPr id="70" name="69 CuadroTexto"/>
+          <p:cNvSpPr txBox="1"/>
+          <p:nvPr/>
+        </p:nvSpPr>
+        <p:spPr>
+          <a:xfrm>
+            <a:off x="677300" y="4283704"/>
+            <a:ext cx="2794419" cy="400110"/>
+          </a:xfrm>
+          <a:prstGeom prst="rect">
+            <a:avLst/>
+          </a:prstGeom>
+          <a:noFill/>
+        </p:spPr>
+        <p:txBody>
+          <a:bodyPr wrap="none" rtlCol="0">
+            <a:spAutoFit/>
+          </a:bodyPr>
+          <a:lstStyle/>
+          <a:p>
+            <a:r>
+              <a:rPr lang="es-ES" sz="2000" b="1" dirty="0" smtClean="0">
+                <a:solidFill>
+                  <a:schemeClr val="accent6">
+                    <a:lumMod val="75000"/>
+                  </a:schemeClr>
+                </a:solidFill>
+                <a:effectLst>
+                  <a:reflection blurRad="12700" stA="48000" endA="300" endPos="55000" dir="5400000" sy="-90000" algn="bl" rotWithShape="0"/>
+                </a:effectLst>
+                <a:latin typeface="+mj-lt"/>
+                <a:ea typeface="+mj-ea"/>
+                <a:cs typeface="+mj-cs"/>
+              </a:rPr>
+              <a:t>Elección de la tecnología</a:t>
+            </a:r>
+          </a:p>
+        </p:txBody>
+      </p:sp>
+      <p:sp>
+        <p:nvSpPr>
+          <p:cNvPr id="71" name="70 Cheurón"/>
+          <p:cNvSpPr/>
+          <p:nvPr/>
+        </p:nvSpPr>
+        <p:spPr>
+          <a:xfrm>
+            <a:off x="1152423" y="2004438"/>
+            <a:ext cx="3699310" cy="428628"/>
+          </a:xfrm>
+          <a:prstGeom prst="chevron">
+            <a:avLst/>
+          </a:prstGeom>
+          <a:ln/>
+        </p:spPr>
+        <p:style>
+          <a:lnRef idx="0">
+            <a:schemeClr val="accent2"/>
+          </a:lnRef>
+          <a:fillRef idx="3">
+            <a:schemeClr val="accent2"/>
+          </a:fillRef>
+          <a:effectRef idx="3">
+            <a:schemeClr val="accent2"/>
+          </a:effectRef>
+          <a:fontRef idx="minor">
+            <a:schemeClr val="lt1"/>
+          </a:fontRef>
+        </p:style>
+        <p:txBody>
+          <a:bodyPr rtlCol="0" anchor="ctr"/>
+          <a:lstStyle/>
+          <a:p>
+            <a:pPr algn="ctr"/>
+            <a:r>
+              <a:rPr lang="es-AR" sz="1100" b="1" dirty="0" smtClean="0">
+                <a:solidFill>
+                  <a:schemeClr val="bg1"/>
+                </a:solidFill>
+              </a:rPr>
+              <a:t>Falta de tiempo por compromisos laborales</a:t>
+            </a:r>
+            <a:endParaRPr lang="es-ES" sz="1200" b="1" dirty="0">
+              <a:solidFill>
+                <a:schemeClr val="bg1"/>
+              </a:solidFill>
+            </a:endParaRPr>
+          </a:p>
+        </p:txBody>
+      </p:sp>
+      <p:sp>
+        <p:nvSpPr>
+          <p:cNvPr id="73" name="72 Cheurón"/>
+          <p:cNvSpPr/>
+          <p:nvPr/>
+        </p:nvSpPr>
+        <p:spPr>
+          <a:xfrm>
+            <a:off x="4708825" y="1994992"/>
+            <a:ext cx="3699310" cy="428628"/>
+          </a:xfrm>
+          <a:prstGeom prst="chevron">
+            <a:avLst/>
+          </a:prstGeom>
+          <a:ln/>
+        </p:spPr>
+        <p:style>
+          <a:lnRef idx="0">
+            <a:schemeClr val="accent3"/>
+          </a:lnRef>
+          <a:fillRef idx="3">
+            <a:schemeClr val="accent3"/>
+          </a:fillRef>
+          <a:effectRef idx="3">
+            <a:schemeClr val="accent3"/>
+          </a:effectRef>
+          <a:fontRef idx="minor">
+            <a:schemeClr val="lt1"/>
+          </a:fontRef>
+        </p:style>
+        <p:txBody>
+          <a:bodyPr rtlCol="0" anchor="ctr"/>
+          <a:lstStyle/>
+          <a:p>
+            <a:pPr algn="ctr"/>
+            <a:r>
+              <a:rPr lang="es-ES" sz="1100" b="1" dirty="0" smtClean="0">
+                <a:solidFill>
+                  <a:schemeClr val="bg1"/>
+                </a:solidFill>
+              </a:rPr>
+              <a:t>Menos horas de sueño y vida personal</a:t>
+            </a:r>
+            <a:endParaRPr lang="es-ES" sz="1050" dirty="0">
+              <a:solidFill>
+                <a:schemeClr val="tx1"/>
+              </a:solidFill>
+            </a:endParaRPr>
+          </a:p>
+        </p:txBody>
+      </p:sp>
+      <p:sp>
+        <p:nvSpPr>
+          <p:cNvPr id="74" name="73 Cheurón"/>
+          <p:cNvSpPr/>
+          <p:nvPr/>
+        </p:nvSpPr>
+        <p:spPr>
+          <a:xfrm>
+            <a:off x="1142977" y="2506271"/>
+            <a:ext cx="3699310" cy="428628"/>
+          </a:xfrm>
+          <a:prstGeom prst="chevron">
+            <a:avLst/>
+          </a:prstGeom>
+          <a:ln/>
+        </p:spPr>
+        <p:style>
+          <a:lnRef idx="0">
+            <a:schemeClr val="accent2"/>
+          </a:lnRef>
+          <a:fillRef idx="3">
+            <a:schemeClr val="accent2"/>
+          </a:fillRef>
+          <a:effectRef idx="3">
+            <a:schemeClr val="accent2"/>
+          </a:effectRef>
+          <a:fontRef idx="minor">
+            <a:schemeClr val="lt1"/>
+          </a:fontRef>
+        </p:style>
+        <p:txBody>
+          <a:bodyPr rtlCol="0" anchor="ctr"/>
+          <a:lstStyle/>
+          <a:p>
+            <a:pPr algn="ctr"/>
+            <a:r>
+              <a:rPr lang="es-AR" sz="1100" b="1" dirty="0" smtClean="0">
+                <a:solidFill>
+                  <a:schemeClr val="bg1"/>
+                </a:solidFill>
+              </a:rPr>
+              <a:t>Poca disponibilidad para reuniones de trabajo</a:t>
+            </a:r>
+            <a:endParaRPr lang="es-ES" sz="1200" b="1" dirty="0">
+              <a:solidFill>
+                <a:schemeClr val="bg1"/>
+              </a:solidFill>
+            </a:endParaRPr>
+          </a:p>
+        </p:txBody>
+      </p:sp>
+      <p:sp>
+        <p:nvSpPr>
+          <p:cNvPr id="77" name="76 Cheurón"/>
+          <p:cNvSpPr/>
+          <p:nvPr/>
+        </p:nvSpPr>
+        <p:spPr>
+          <a:xfrm>
+            <a:off x="1130874" y="3006337"/>
+            <a:ext cx="3699310" cy="428628"/>
+          </a:xfrm>
+          <a:prstGeom prst="chevron">
+            <a:avLst/>
+          </a:prstGeom>
+          <a:ln/>
+        </p:spPr>
+        <p:style>
+          <a:lnRef idx="0">
+            <a:schemeClr val="accent2"/>
+          </a:lnRef>
+          <a:fillRef idx="3">
+            <a:schemeClr val="accent2"/>
+          </a:fillRef>
+          <a:effectRef idx="3">
+            <a:schemeClr val="accent2"/>
+          </a:effectRef>
+          <a:fontRef idx="minor">
+            <a:schemeClr val="lt1"/>
+          </a:fontRef>
+        </p:style>
+        <p:txBody>
+          <a:bodyPr rtlCol="0" anchor="ctr"/>
+          <a:lstStyle/>
+          <a:p>
+            <a:pPr algn="ctr"/>
+            <a:r>
+              <a:rPr lang="es-AR" sz="1100" b="1" dirty="0" smtClean="0">
+                <a:solidFill>
+                  <a:schemeClr val="bg1"/>
+                </a:solidFill>
+              </a:rPr>
+              <a:t>Distintas preferencias por integrante</a:t>
+            </a:r>
+            <a:endParaRPr lang="es-ES" sz="1200" b="1" dirty="0">
+              <a:solidFill>
+                <a:schemeClr val="bg1"/>
+              </a:solidFill>
+            </a:endParaRPr>
+          </a:p>
+        </p:txBody>
+      </p:sp>
+      <p:sp>
+        <p:nvSpPr>
+          <p:cNvPr id="80" name="79 CuadroTexto"/>
+          <p:cNvSpPr txBox="1"/>
+          <p:nvPr/>
+        </p:nvSpPr>
+        <p:spPr>
+          <a:xfrm>
+            <a:off x="684089" y="1412776"/>
+            <a:ext cx="2691763" cy="400110"/>
+          </a:xfrm>
+          <a:prstGeom prst="rect">
+            <a:avLst/>
+          </a:prstGeom>
+          <a:noFill/>
+        </p:spPr>
+        <p:txBody>
+          <a:bodyPr wrap="none" rtlCol="0">
+            <a:spAutoFit/>
+          </a:bodyPr>
+          <a:lstStyle/>
+          <a:p>
+            <a:r>
+              <a:rPr lang="es-ES" sz="2000" b="1" dirty="0" smtClean="0">
+                <a:solidFill>
+                  <a:schemeClr val="accent6">
+                    <a:lumMod val="75000"/>
+                  </a:schemeClr>
+                </a:solidFill>
+                <a:effectLst>
+                  <a:reflection blurRad="12700" stA="48000" endA="300" endPos="55000" dir="5400000" sy="-90000" algn="bl" rotWithShape="0"/>
+                </a:effectLst>
+                <a:latin typeface="+mj-lt"/>
+                <a:ea typeface="+mj-ea"/>
+                <a:cs typeface="+mj-cs"/>
+              </a:rPr>
+              <a:t>Gestión y Organización</a:t>
+            </a:r>
+          </a:p>
+        </p:txBody>
+      </p:sp>
+      <p:sp>
+        <p:nvSpPr>
+          <p:cNvPr id="81" name="80 Cheurón"/>
+          <p:cNvSpPr/>
+          <p:nvPr/>
+        </p:nvSpPr>
+        <p:spPr>
+          <a:xfrm>
+            <a:off x="4699378" y="2503846"/>
+            <a:ext cx="3699310" cy="428628"/>
+          </a:xfrm>
+          <a:prstGeom prst="chevron">
+            <a:avLst/>
+          </a:prstGeom>
+          <a:ln/>
+        </p:spPr>
+        <p:style>
+          <a:lnRef idx="0">
+            <a:schemeClr val="accent3"/>
+          </a:lnRef>
+          <a:fillRef idx="3">
+            <a:schemeClr val="accent3"/>
+          </a:fillRef>
+          <a:effectRef idx="3">
+            <a:schemeClr val="accent3"/>
+          </a:effectRef>
+          <a:fontRef idx="minor">
+            <a:schemeClr val="lt1"/>
+          </a:fontRef>
+        </p:style>
+        <p:txBody>
+          <a:bodyPr rtlCol="0" anchor="ctr"/>
+          <a:lstStyle/>
+          <a:p>
+            <a:pPr algn="ctr"/>
+            <a:r>
+              <a:rPr lang="es-ES" sz="1100" b="1" dirty="0" smtClean="0">
+                <a:solidFill>
+                  <a:schemeClr val="bg1"/>
+                </a:solidFill>
+              </a:rPr>
+              <a:t>Comunicación por internet: </a:t>
+            </a:r>
+            <a:r>
+              <a:rPr lang="es-ES" sz="1100" b="1" dirty="0" err="1" smtClean="0">
+                <a:solidFill>
+                  <a:schemeClr val="bg1"/>
+                </a:solidFill>
+              </a:rPr>
+              <a:t>Skype</a:t>
+            </a:r>
+            <a:r>
+              <a:rPr lang="es-ES" sz="1100" b="1" dirty="0" smtClean="0">
+                <a:solidFill>
+                  <a:schemeClr val="bg1"/>
+                </a:solidFill>
+              </a:rPr>
+              <a:t>, </a:t>
+            </a:r>
+            <a:r>
+              <a:rPr lang="es-ES" sz="1100" b="1" dirty="0" err="1" smtClean="0">
+                <a:solidFill>
+                  <a:schemeClr val="bg1"/>
+                </a:solidFill>
+              </a:rPr>
+              <a:t>GTalk</a:t>
+            </a:r>
+            <a:endParaRPr lang="es-ES" sz="1050" dirty="0">
+              <a:solidFill>
+                <a:schemeClr val="tx1"/>
+              </a:solidFill>
+            </a:endParaRPr>
+          </a:p>
+        </p:txBody>
+      </p:sp>
+      <p:sp>
+        <p:nvSpPr>
+          <p:cNvPr id="82" name="81 Cheurón"/>
+          <p:cNvSpPr/>
+          <p:nvPr/>
+        </p:nvSpPr>
+        <p:spPr>
+          <a:xfrm>
+            <a:off x="4681300" y="2997202"/>
+            <a:ext cx="3699310" cy="428628"/>
+          </a:xfrm>
+          <a:prstGeom prst="chevron">
+            <a:avLst/>
+          </a:prstGeom>
+          <a:ln/>
+        </p:spPr>
+        <p:style>
+          <a:lnRef idx="0">
+            <a:schemeClr val="accent3"/>
+          </a:lnRef>
+          <a:fillRef idx="3">
+            <a:schemeClr val="accent3"/>
+          </a:fillRef>
+          <a:effectRef idx="3">
+            <a:schemeClr val="accent3"/>
+          </a:effectRef>
+          <a:fontRef idx="minor">
+            <a:schemeClr val="lt1"/>
+          </a:fontRef>
+        </p:style>
+        <p:txBody>
+          <a:bodyPr rtlCol="0" anchor="ctr"/>
+          <a:lstStyle/>
+          <a:p>
+            <a:pPr algn="ctr"/>
+            <a:r>
+              <a:rPr lang="es-ES" sz="1100" b="1" dirty="0" smtClean="0">
+                <a:solidFill>
+                  <a:schemeClr val="bg1"/>
+                </a:solidFill>
+              </a:rPr>
+              <a:t>Hacer lo que nos gusta y lo que no tanto</a:t>
+            </a:r>
+            <a:endParaRPr lang="es-ES" sz="1050" dirty="0">
+              <a:solidFill>
+                <a:schemeClr val="tx1"/>
+              </a:solidFill>
+            </a:endParaRPr>
+          </a:p>
+        </p:txBody>
+      </p:sp>
+      <p:sp>
+        <p:nvSpPr>
+          <p:cNvPr id="84" name="83 Cheurón"/>
+          <p:cNvSpPr/>
+          <p:nvPr/>
+        </p:nvSpPr>
+        <p:spPr>
+          <a:xfrm>
+            <a:off x="1128294" y="3499693"/>
+            <a:ext cx="3699310" cy="428628"/>
+          </a:xfrm>
+          <a:prstGeom prst="chevron">
+            <a:avLst/>
+          </a:prstGeom>
+          <a:ln/>
+        </p:spPr>
+        <p:style>
+          <a:lnRef idx="0">
+            <a:schemeClr val="accent2"/>
+          </a:lnRef>
+          <a:fillRef idx="3">
+            <a:schemeClr val="accent2"/>
+          </a:fillRef>
+          <a:effectRef idx="3">
+            <a:schemeClr val="accent2"/>
+          </a:effectRef>
+          <a:fontRef idx="minor">
+            <a:schemeClr val="lt1"/>
+          </a:fontRef>
+        </p:style>
+        <p:txBody>
+          <a:bodyPr rtlCol="0" anchor="ctr"/>
+          <a:lstStyle/>
+          <a:p>
+            <a:pPr algn="ctr"/>
+            <a:r>
+              <a:rPr lang="es-AR" sz="1100" b="1" dirty="0" smtClean="0">
+                <a:solidFill>
+                  <a:schemeClr val="bg1"/>
+                </a:solidFill>
+              </a:rPr>
+              <a:t>Auto-Organización durante el proyecto</a:t>
+            </a:r>
+            <a:endParaRPr lang="es-ES" sz="1200" b="1" dirty="0">
+              <a:solidFill>
+                <a:schemeClr val="bg1"/>
+              </a:solidFill>
+            </a:endParaRPr>
+          </a:p>
+        </p:txBody>
+      </p:sp>
+      <p:sp>
+        <p:nvSpPr>
+          <p:cNvPr id="86" name="85 Cheurón"/>
+          <p:cNvSpPr/>
+          <p:nvPr/>
+        </p:nvSpPr>
+        <p:spPr>
+          <a:xfrm>
+            <a:off x="4678720" y="3490558"/>
+            <a:ext cx="3699310" cy="428628"/>
+          </a:xfrm>
+          <a:prstGeom prst="chevron">
+            <a:avLst/>
+          </a:prstGeom>
+          <a:ln/>
+        </p:spPr>
+        <p:style>
+          <a:lnRef idx="0">
+            <a:schemeClr val="accent3"/>
+          </a:lnRef>
+          <a:fillRef idx="3">
+            <a:schemeClr val="accent3"/>
+          </a:fillRef>
+          <a:effectRef idx="3">
+            <a:schemeClr val="accent3"/>
+          </a:effectRef>
+          <a:fontRef idx="minor">
+            <a:schemeClr val="lt1"/>
+          </a:fontRef>
+        </p:style>
+        <p:txBody>
+          <a:bodyPr rtlCol="0" anchor="ctr"/>
+          <a:lstStyle/>
+          <a:p>
+            <a:pPr algn="ctr"/>
+            <a:r>
+              <a:rPr lang="es-ES" sz="1100" b="1" dirty="0" err="1" smtClean="0">
+                <a:solidFill>
+                  <a:schemeClr val="bg1"/>
+                </a:solidFill>
+              </a:rPr>
+              <a:t>Soncronizar</a:t>
+            </a:r>
+            <a:r>
+              <a:rPr lang="es-ES" sz="1100" b="1" dirty="0" smtClean="0">
+                <a:solidFill>
+                  <a:schemeClr val="bg1"/>
+                </a:solidFill>
+              </a:rPr>
+              <a:t> trabajo entre todos los integrantes</a:t>
+            </a:r>
+            <a:endParaRPr lang="es-ES" sz="1050" dirty="0">
+              <a:solidFill>
+                <a:schemeClr val="tx1"/>
+              </a:solidFill>
+            </a:endParaRPr>
+          </a:p>
+        </p:txBody>
+      </p:sp>
+      <p:pic>
+        <p:nvPicPr>
+          <p:cNvPr id="44" name="43 Imagen" descr="evaluate.png"/>
+          <p:cNvPicPr>
+            <a:picLocks noChangeAspect="1"/>
+          </p:cNvPicPr>
+          <p:nvPr/>
+        </p:nvPicPr>
+        <p:blipFill>
+          <a:blip r:embed="rId4" cstate="print"/>
+          <a:stretch>
+            <a:fillRect/>
+          </a:stretch>
+        </p:blipFill>
+        <p:spPr>
+          <a:xfrm>
+            <a:off x="8462164" y="1933312"/>
+            <a:ext cx="520825" cy="520825"/>
+          </a:xfrm>
+          <a:prstGeom prst="rect">
+            <a:avLst/>
+          </a:prstGeom>
+        </p:spPr>
+      </p:pic>
+      <p:pic>
+        <p:nvPicPr>
+          <p:cNvPr id="45" name="44 Imagen" descr="cancel.png"/>
+          <p:cNvPicPr>
+            <a:picLocks noChangeAspect="1"/>
+          </p:cNvPicPr>
+          <p:nvPr/>
+        </p:nvPicPr>
+        <p:blipFill>
+          <a:blip r:embed="rId5" cstate="print"/>
+          <a:stretch>
+            <a:fillRect/>
+          </a:stretch>
+        </p:blipFill>
+        <p:spPr>
+          <a:xfrm>
+            <a:off x="654072" y="1973982"/>
+            <a:ext cx="540568" cy="540568"/>
+          </a:xfrm>
+          <a:prstGeom prst="rect">
+            <a:avLst/>
+          </a:prstGeom>
+        </p:spPr>
+      </p:pic>
+      <p:pic>
+        <p:nvPicPr>
+          <p:cNvPr id="46" name="45 Imagen" descr="cancel.png"/>
+          <p:cNvPicPr>
+            <a:picLocks noChangeAspect="1"/>
+          </p:cNvPicPr>
+          <p:nvPr/>
+        </p:nvPicPr>
+        <p:blipFill>
+          <a:blip r:embed="rId5" cstate="print"/>
+          <a:stretch>
+            <a:fillRect/>
+          </a:stretch>
+        </p:blipFill>
+        <p:spPr>
+          <a:xfrm>
+            <a:off x="664518" y="2469530"/>
+            <a:ext cx="540568" cy="540568"/>
+          </a:xfrm>
+          <a:prstGeom prst="rect">
+            <a:avLst/>
+          </a:prstGeom>
+        </p:spPr>
+      </p:pic>
+      <p:pic>
+        <p:nvPicPr>
+          <p:cNvPr id="47" name="46 Imagen" descr="cancel.png"/>
+          <p:cNvPicPr>
+            <a:picLocks noChangeAspect="1"/>
+          </p:cNvPicPr>
+          <p:nvPr/>
+        </p:nvPicPr>
+        <p:blipFill>
+          <a:blip r:embed="rId5" cstate="print"/>
+          <a:stretch>
+            <a:fillRect/>
+          </a:stretch>
+        </p:blipFill>
+        <p:spPr>
+          <a:xfrm>
+            <a:off x="664518" y="2964830"/>
+            <a:ext cx="540568" cy="540568"/>
+          </a:xfrm>
+          <a:prstGeom prst="rect">
+            <a:avLst/>
+          </a:prstGeom>
+        </p:spPr>
+      </p:pic>
+      <p:pic>
+        <p:nvPicPr>
+          <p:cNvPr id="48" name="47 Imagen" descr="cancel.png"/>
+          <p:cNvPicPr>
+            <a:picLocks noChangeAspect="1"/>
+          </p:cNvPicPr>
+          <p:nvPr/>
+        </p:nvPicPr>
+        <p:blipFill>
+          <a:blip r:embed="rId5" cstate="print"/>
+          <a:stretch>
+            <a:fillRect/>
+          </a:stretch>
+        </p:blipFill>
+        <p:spPr>
+          <a:xfrm>
+            <a:off x="658168" y="3472830"/>
+            <a:ext cx="540568" cy="540568"/>
+          </a:xfrm>
+          <a:prstGeom prst="rect">
+            <a:avLst/>
+          </a:prstGeom>
+        </p:spPr>
+      </p:pic>
+      <p:pic>
+        <p:nvPicPr>
+          <p:cNvPr id="49" name="48 Imagen" descr="evaluate.png"/>
+          <p:cNvPicPr>
+            <a:picLocks noChangeAspect="1"/>
+          </p:cNvPicPr>
+          <p:nvPr/>
+        </p:nvPicPr>
+        <p:blipFill>
+          <a:blip r:embed="rId4" cstate="print"/>
+          <a:stretch>
+            <a:fillRect/>
+          </a:stretch>
+        </p:blipFill>
+        <p:spPr>
+          <a:xfrm>
+            <a:off x="8468514" y="2454012"/>
+            <a:ext cx="520825" cy="520825"/>
+          </a:xfrm>
+          <a:prstGeom prst="rect">
+            <a:avLst/>
+          </a:prstGeom>
+        </p:spPr>
+      </p:pic>
+      <p:pic>
+        <p:nvPicPr>
+          <p:cNvPr id="50" name="49 Imagen" descr="evaluate.png"/>
+          <p:cNvPicPr>
+            <a:picLocks noChangeAspect="1"/>
+          </p:cNvPicPr>
+          <p:nvPr/>
+        </p:nvPicPr>
+        <p:blipFill>
+          <a:blip r:embed="rId4" cstate="print"/>
+          <a:stretch>
+            <a:fillRect/>
+          </a:stretch>
+        </p:blipFill>
+        <p:spPr>
+          <a:xfrm>
+            <a:off x="8468514" y="2955662"/>
+            <a:ext cx="520825" cy="520825"/>
+          </a:xfrm>
+          <a:prstGeom prst="rect">
+            <a:avLst/>
+          </a:prstGeom>
+        </p:spPr>
+      </p:pic>
+      <p:pic>
+        <p:nvPicPr>
+          <p:cNvPr id="51" name="50 Imagen" descr="evaluate.png"/>
+          <p:cNvPicPr>
+            <a:picLocks noChangeAspect="1"/>
+          </p:cNvPicPr>
+          <p:nvPr/>
+        </p:nvPicPr>
+        <p:blipFill>
+          <a:blip r:embed="rId4" cstate="print"/>
+          <a:stretch>
+            <a:fillRect/>
+          </a:stretch>
+        </p:blipFill>
+        <p:spPr>
+          <a:xfrm>
+            <a:off x="8462164" y="3457312"/>
+            <a:ext cx="520825" cy="520825"/>
+          </a:xfrm>
+          <a:prstGeom prst="rect">
+            <a:avLst/>
+          </a:prstGeom>
+        </p:spPr>
+      </p:pic>
+      <p:pic>
+        <p:nvPicPr>
+          <p:cNvPr id="52" name="51 Imagen" descr="cancel.png"/>
+          <p:cNvPicPr>
+            <a:picLocks noChangeAspect="1"/>
+          </p:cNvPicPr>
+          <p:nvPr/>
+        </p:nvPicPr>
+        <p:blipFill>
+          <a:blip r:embed="rId5" cstate="print"/>
+          <a:stretch>
+            <a:fillRect/>
+          </a:stretch>
+        </p:blipFill>
+        <p:spPr>
+          <a:xfrm>
+            <a:off x="655102" y="4818134"/>
+            <a:ext cx="540568" cy="540568"/>
+          </a:xfrm>
+          <a:prstGeom prst="rect">
+            <a:avLst/>
+          </a:prstGeom>
+        </p:spPr>
+      </p:pic>
+      <p:pic>
+        <p:nvPicPr>
+          <p:cNvPr id="53" name="52 Imagen" descr="evaluate.png"/>
+          <p:cNvPicPr>
+            <a:picLocks noChangeAspect="1"/>
+          </p:cNvPicPr>
+          <p:nvPr/>
+        </p:nvPicPr>
+        <p:blipFill>
+          <a:blip r:embed="rId4" cstate="print"/>
+          <a:stretch>
+            <a:fillRect/>
+          </a:stretch>
+        </p:blipFill>
+        <p:spPr>
+          <a:xfrm>
+            <a:off x="8459098" y="4802616"/>
+            <a:ext cx="520825" cy="520825"/>
+          </a:xfrm>
+          <a:prstGeom prst="rect">
+            <a:avLst/>
+          </a:prstGeom>
+        </p:spPr>
+      </p:pic>
+      <p:pic>
+        <p:nvPicPr>
+          <p:cNvPr id="54" name="53 Imagen" descr="cancel.png"/>
+          <p:cNvPicPr>
+            <a:picLocks noChangeAspect="1"/>
+          </p:cNvPicPr>
+          <p:nvPr/>
+        </p:nvPicPr>
+        <p:blipFill>
+          <a:blip r:embed="rId5" cstate="print"/>
+          <a:stretch>
+            <a:fillRect/>
+          </a:stretch>
+        </p:blipFill>
+        <p:spPr>
+          <a:xfrm>
+            <a:off x="639667" y="5307676"/>
+            <a:ext cx="540568" cy="540568"/>
+          </a:xfrm>
+          <a:prstGeom prst="rect">
+            <a:avLst/>
+          </a:prstGeom>
+        </p:spPr>
+      </p:pic>
+      <p:pic>
+        <p:nvPicPr>
+          <p:cNvPr id="55" name="54 Imagen" descr="evaluate.png"/>
+          <p:cNvPicPr>
+            <a:picLocks noChangeAspect="1"/>
+          </p:cNvPicPr>
+          <p:nvPr/>
+        </p:nvPicPr>
+        <p:blipFill>
+          <a:blip r:embed="rId4" cstate="print"/>
+          <a:stretch>
+            <a:fillRect/>
+          </a:stretch>
+        </p:blipFill>
+        <p:spPr>
+          <a:xfrm>
+            <a:off x="8472691" y="5517232"/>
+            <a:ext cx="520825" cy="520825"/>
+          </a:xfrm>
+          <a:prstGeom prst="rect">
+            <a:avLst/>
+          </a:prstGeom>
+        </p:spPr>
+      </p:pic>
+      <p:pic>
+        <p:nvPicPr>
+          <p:cNvPr id="56" name="55 Imagen" descr="cancel.png"/>
+          <p:cNvPicPr>
+            <a:picLocks noChangeAspect="1"/>
+          </p:cNvPicPr>
+          <p:nvPr/>
+        </p:nvPicPr>
+        <p:blipFill>
+          <a:blip r:embed="rId5" cstate="print"/>
+          <a:stretch>
+            <a:fillRect/>
+          </a:stretch>
+        </p:blipFill>
+        <p:spPr>
+          <a:xfrm>
+            <a:off x="626074" y="5826808"/>
+            <a:ext cx="540568" cy="540568"/>
+          </a:xfrm>
+          <a:prstGeom prst="rect">
+            <a:avLst/>
+          </a:prstGeom>
+        </p:spPr>
+      </p:pic>
+    </p:spTree>
+  </p:cSld>
+  <p:clrMapOvr>
+    <a:masterClrMapping/>
+  </p:clrMapOvr>
+  <p:timing>
+    <p:tnLst>
+      <p:par>
+        <p:cTn id="1" dur="indefinite" restart="never" nodeType="tmRoot">
+          <p:childTnLst>
+            <p:seq concurrent="1" nextAc="seek">
+              <p:cTn id="2" dur="indefinite" nodeType="mainSeq">
+                <p:childTnLst>
+                  <p:par>
+                    <p:cTn id="3" fill="hold">
+                      <p:stCondLst>
+                        <p:cond delay="indefinite"/>
+                        <p:cond evt="onBegin" delay="0">
+                          <p:tn val="2"/>
+                        </p:cond>
+                      </p:stCondLst>
+                      <p:childTnLst>
+                        <p:par>
+                          <p:cTn id="4" fill="hold">
+                            <p:stCondLst>
+                              <p:cond delay="0"/>
+                            </p:stCondLst>
+                            <p:childTnLst>
+                              <p:par>
+                                <p:cTn id="5" presetID="53" presetClass="entr" presetSubtype="0" fill="hold" nodeType="withEffect">
+                                  <p:stCondLst>
+                                    <p:cond delay="0"/>
+                                  </p:stCondLst>
+                                  <p:childTnLst>
+                                    <p:set>
+                                      <p:cBhvr>
+                                        <p:cTn id="6" dur="1" fill="hold">
+                                          <p:stCondLst>
+                                            <p:cond delay="0"/>
+                                          </p:stCondLst>
+                                        </p:cTn>
+                                        <p:tgtEl>
+                                          <p:spTgt spid="45"/>
+                                        </p:tgtEl>
+                                        <p:attrNameLst>
+                                          <p:attrName>style.visibility</p:attrName>
+                                        </p:attrNameLst>
+                                      </p:cBhvr>
+                                      <p:to>
+                                        <p:strVal val="visible"/>
+                                      </p:to>
+                                    </p:set>
+                                    <p:anim calcmode="lin" valueType="num">
+                                      <p:cBhvr>
+                                        <p:cTn id="7" dur="500" fill="hold"/>
+                                        <p:tgtEl>
+                                          <p:spTgt spid="45"/>
+                                        </p:tgtEl>
+                                        <p:attrNameLst>
+                                          <p:attrName>ppt_w</p:attrName>
+                                        </p:attrNameLst>
+                                      </p:cBhvr>
+                                      <p:tavLst>
+                                        <p:tav tm="0">
+                                          <p:val>
+                                            <p:fltVal val="0"/>
+                                          </p:val>
+                                        </p:tav>
+                                        <p:tav tm="100000">
+                                          <p:val>
+                                            <p:strVal val="#ppt_w"/>
+                                          </p:val>
+                                        </p:tav>
+                                      </p:tavLst>
+                                    </p:anim>
+                                    <p:anim calcmode="lin" valueType="num">
+                                      <p:cBhvr>
+                                        <p:cTn id="8" dur="500" fill="hold"/>
+                                        <p:tgtEl>
+                                          <p:spTgt spid="45"/>
+                                        </p:tgtEl>
+                                        <p:attrNameLst>
+                                          <p:attrName>ppt_h</p:attrName>
+                                        </p:attrNameLst>
+                                      </p:cBhvr>
+                                      <p:tavLst>
+                                        <p:tav tm="0">
+                                          <p:val>
+                                            <p:fltVal val="0"/>
+                                          </p:val>
+                                        </p:tav>
+                                        <p:tav tm="100000">
+                                          <p:val>
+                                            <p:strVal val="#ppt_h"/>
+                                          </p:val>
+                                        </p:tav>
+                                      </p:tavLst>
+                                    </p:anim>
+                                    <p:animEffect transition="in" filter="fade">
+                                      <p:cBhvr>
+                                        <p:cTn id="9" dur="500"/>
+                                        <p:tgtEl>
+                                          <p:spTgt spid="45"/>
+                                        </p:tgtEl>
+                                      </p:cBhvr>
+                                    </p:animEffect>
+                                  </p:childTnLst>
+                                </p:cTn>
+                              </p:par>
+                              <p:par>
+                                <p:cTn id="10" presetID="53" presetClass="entr" presetSubtype="0" fill="hold" grpId="0" nodeType="withEffect">
+                                  <p:stCondLst>
+                                    <p:cond delay="0"/>
+                                  </p:stCondLst>
+                                  <p:childTnLst>
+                                    <p:set>
+                                      <p:cBhvr>
+                                        <p:cTn id="11" dur="1" fill="hold">
+                                          <p:stCondLst>
+                                            <p:cond delay="0"/>
+                                          </p:stCondLst>
+                                        </p:cTn>
+                                        <p:tgtEl>
+                                          <p:spTgt spid="71"/>
+                                        </p:tgtEl>
+                                        <p:attrNameLst>
+                                          <p:attrName>style.visibility</p:attrName>
+                                        </p:attrNameLst>
+                                      </p:cBhvr>
+                                      <p:to>
+                                        <p:strVal val="visible"/>
+                                      </p:to>
+                                    </p:set>
+                                    <p:anim calcmode="lin" valueType="num">
+                                      <p:cBhvr>
+                                        <p:cTn id="12" dur="500" fill="hold"/>
+                                        <p:tgtEl>
+                                          <p:spTgt spid="71"/>
+                                        </p:tgtEl>
+                                        <p:attrNameLst>
+                                          <p:attrName>ppt_w</p:attrName>
+                                        </p:attrNameLst>
+                                      </p:cBhvr>
+                                      <p:tavLst>
+                                        <p:tav tm="0">
+                                          <p:val>
+                                            <p:fltVal val="0"/>
+                                          </p:val>
+                                        </p:tav>
+                                        <p:tav tm="100000">
+                                          <p:val>
+                                            <p:strVal val="#ppt_w"/>
+                                          </p:val>
+                                        </p:tav>
+                                      </p:tavLst>
+                                    </p:anim>
+                                    <p:anim calcmode="lin" valueType="num">
+                                      <p:cBhvr>
+                                        <p:cTn id="13" dur="500" fill="hold"/>
+                                        <p:tgtEl>
+                                          <p:spTgt spid="71"/>
+                                        </p:tgtEl>
+                                        <p:attrNameLst>
+                                          <p:attrName>ppt_h</p:attrName>
+                                        </p:attrNameLst>
+                                      </p:cBhvr>
+                                      <p:tavLst>
+                                        <p:tav tm="0">
+                                          <p:val>
+                                            <p:fltVal val="0"/>
+                                          </p:val>
+                                        </p:tav>
+                                        <p:tav tm="100000">
+                                          <p:val>
+                                            <p:strVal val="#ppt_h"/>
+                                          </p:val>
+                                        </p:tav>
+                                      </p:tavLst>
+                                    </p:anim>
+                                    <p:animEffect transition="in" filter="fade">
+                                      <p:cBhvr>
+                                        <p:cTn id="14" dur="500"/>
+                                        <p:tgtEl>
+                                          <p:spTgt spid="71"/>
+                                        </p:tgtEl>
+                                      </p:cBhvr>
+                                    </p:animEffect>
+                                  </p:childTnLst>
+                                </p:cTn>
+                              </p:par>
+                            </p:childTnLst>
+                          </p:cTn>
+                        </p:par>
+                      </p:childTnLst>
+                    </p:cTn>
+                  </p:par>
+                  <p:par>
+                    <p:cTn id="15" fill="hold">
+                      <p:stCondLst>
+                        <p:cond delay="indefinite"/>
+                      </p:stCondLst>
+                      <p:childTnLst>
+                        <p:par>
+                          <p:cTn id="16" fill="hold">
+                            <p:stCondLst>
+                              <p:cond delay="0"/>
+                            </p:stCondLst>
+                            <p:childTnLst>
+                              <p:par>
+                                <p:cTn id="17" presetID="53" presetClass="entr" presetSubtype="0" fill="hold" grpId="0" nodeType="clickEffect">
+                                  <p:stCondLst>
+                                    <p:cond delay="0"/>
+                                  </p:stCondLst>
+                                  <p:childTnLst>
+                                    <p:set>
+                                      <p:cBhvr>
+                                        <p:cTn id="18" dur="1" fill="hold">
+                                          <p:stCondLst>
+                                            <p:cond delay="0"/>
+                                          </p:stCondLst>
+                                        </p:cTn>
+                                        <p:tgtEl>
+                                          <p:spTgt spid="73"/>
+                                        </p:tgtEl>
+                                        <p:attrNameLst>
+                                          <p:attrName>style.visibility</p:attrName>
+                                        </p:attrNameLst>
+                                      </p:cBhvr>
+                                      <p:to>
+                                        <p:strVal val="visible"/>
+                                      </p:to>
+                                    </p:set>
+                                    <p:anim calcmode="lin" valueType="num">
+                                      <p:cBhvr>
+                                        <p:cTn id="19" dur="500" fill="hold"/>
+                                        <p:tgtEl>
+                                          <p:spTgt spid="73"/>
+                                        </p:tgtEl>
+                                        <p:attrNameLst>
+                                          <p:attrName>ppt_w</p:attrName>
+                                        </p:attrNameLst>
+                                      </p:cBhvr>
+                                      <p:tavLst>
+                                        <p:tav tm="0">
+                                          <p:val>
+                                            <p:fltVal val="0"/>
+                                          </p:val>
+                                        </p:tav>
+                                        <p:tav tm="100000">
+                                          <p:val>
+                                            <p:strVal val="#ppt_w"/>
+                                          </p:val>
+                                        </p:tav>
+                                      </p:tavLst>
+                                    </p:anim>
+                                    <p:anim calcmode="lin" valueType="num">
+                                      <p:cBhvr>
+                                        <p:cTn id="20" dur="500" fill="hold"/>
+                                        <p:tgtEl>
+                                          <p:spTgt spid="73"/>
+                                        </p:tgtEl>
+                                        <p:attrNameLst>
+                                          <p:attrName>ppt_h</p:attrName>
+                                        </p:attrNameLst>
+                                      </p:cBhvr>
+                                      <p:tavLst>
+                                        <p:tav tm="0">
+                                          <p:val>
+                                            <p:fltVal val="0"/>
+                                          </p:val>
+                                        </p:tav>
+                                        <p:tav tm="100000">
+                                          <p:val>
+                                            <p:strVal val="#ppt_h"/>
+                                          </p:val>
+                                        </p:tav>
+                                      </p:tavLst>
+                                    </p:anim>
+                                    <p:animEffect transition="in" filter="fade">
+                                      <p:cBhvr>
+                                        <p:cTn id="21" dur="500"/>
+                                        <p:tgtEl>
+                                          <p:spTgt spid="73"/>
+                                        </p:tgtEl>
+                                      </p:cBhvr>
+                                    </p:animEffect>
+                                  </p:childTnLst>
+                                </p:cTn>
+                              </p:par>
+                              <p:par>
+                                <p:cTn id="22" presetID="53" presetClass="entr" presetSubtype="0" fill="hold" nodeType="withEffect">
+                                  <p:stCondLst>
+                                    <p:cond delay="0"/>
+                                  </p:stCondLst>
+                                  <p:childTnLst>
+                                    <p:set>
+                                      <p:cBhvr>
+                                        <p:cTn id="23" dur="1" fill="hold">
+                                          <p:stCondLst>
+                                            <p:cond delay="0"/>
+                                          </p:stCondLst>
+                                        </p:cTn>
+                                        <p:tgtEl>
+                                          <p:spTgt spid="44"/>
+                                        </p:tgtEl>
+                                        <p:attrNameLst>
+                                          <p:attrName>style.visibility</p:attrName>
+                                        </p:attrNameLst>
+                                      </p:cBhvr>
+                                      <p:to>
+                                        <p:strVal val="visible"/>
+                                      </p:to>
+                                    </p:set>
+                                    <p:anim calcmode="lin" valueType="num">
+                                      <p:cBhvr>
+                                        <p:cTn id="24" dur="500" fill="hold"/>
+                                        <p:tgtEl>
+                                          <p:spTgt spid="44"/>
+                                        </p:tgtEl>
+                                        <p:attrNameLst>
+                                          <p:attrName>ppt_w</p:attrName>
+                                        </p:attrNameLst>
+                                      </p:cBhvr>
+                                      <p:tavLst>
+                                        <p:tav tm="0">
+                                          <p:val>
+                                            <p:fltVal val="0"/>
+                                          </p:val>
+                                        </p:tav>
+                                        <p:tav tm="100000">
+                                          <p:val>
+                                            <p:strVal val="#ppt_w"/>
+                                          </p:val>
+                                        </p:tav>
+                                      </p:tavLst>
+                                    </p:anim>
+                                    <p:anim calcmode="lin" valueType="num">
+                                      <p:cBhvr>
+                                        <p:cTn id="25" dur="500" fill="hold"/>
+                                        <p:tgtEl>
+                                          <p:spTgt spid="44"/>
+                                        </p:tgtEl>
+                                        <p:attrNameLst>
+                                          <p:attrName>ppt_h</p:attrName>
+                                        </p:attrNameLst>
+                                      </p:cBhvr>
+                                      <p:tavLst>
+                                        <p:tav tm="0">
+                                          <p:val>
+                                            <p:fltVal val="0"/>
+                                          </p:val>
+                                        </p:tav>
+                                        <p:tav tm="100000">
+                                          <p:val>
+                                            <p:strVal val="#ppt_h"/>
+                                          </p:val>
+                                        </p:tav>
+                                      </p:tavLst>
+                                    </p:anim>
+                                    <p:animEffect transition="in" filter="fade">
+                                      <p:cBhvr>
+                                        <p:cTn id="26" dur="500"/>
+                                        <p:tgtEl>
+                                          <p:spTgt spid="44"/>
+                                        </p:tgtEl>
+                                      </p:cBhvr>
+                                    </p:animEffect>
+                                  </p:childTnLst>
+                                </p:cTn>
+                              </p:par>
+                            </p:childTnLst>
+                          </p:cTn>
+                        </p:par>
+                      </p:childTnLst>
+                    </p:cTn>
+                  </p:par>
+                  <p:par>
+                    <p:cTn id="27" fill="hold">
+                      <p:stCondLst>
+                        <p:cond delay="indefinite"/>
+                      </p:stCondLst>
+                      <p:childTnLst>
+                        <p:par>
+                          <p:cTn id="28" fill="hold">
+                            <p:stCondLst>
+                              <p:cond delay="0"/>
+                            </p:stCondLst>
+                            <p:childTnLst>
+                              <p:par>
+                                <p:cTn id="29" presetID="53" presetClass="entr" presetSubtype="0" fill="hold" nodeType="clickEffect">
+                                  <p:stCondLst>
+                                    <p:cond delay="0"/>
+                                  </p:stCondLst>
+                                  <p:childTnLst>
+                                    <p:set>
+                                      <p:cBhvr>
+                                        <p:cTn id="30" dur="1" fill="hold">
+                                          <p:stCondLst>
+                                            <p:cond delay="0"/>
+                                          </p:stCondLst>
+                                        </p:cTn>
+                                        <p:tgtEl>
+                                          <p:spTgt spid="46"/>
+                                        </p:tgtEl>
+                                        <p:attrNameLst>
+                                          <p:attrName>style.visibility</p:attrName>
+                                        </p:attrNameLst>
+                                      </p:cBhvr>
+                                      <p:to>
+                                        <p:strVal val="visible"/>
+                                      </p:to>
+                                    </p:set>
+                                    <p:anim calcmode="lin" valueType="num">
+                                      <p:cBhvr>
+                                        <p:cTn id="31" dur="500" fill="hold"/>
+                                        <p:tgtEl>
+                                          <p:spTgt spid="46"/>
+                                        </p:tgtEl>
+                                        <p:attrNameLst>
+                                          <p:attrName>ppt_w</p:attrName>
+                                        </p:attrNameLst>
+                                      </p:cBhvr>
+                                      <p:tavLst>
+                                        <p:tav tm="0">
+                                          <p:val>
+                                            <p:fltVal val="0"/>
+                                          </p:val>
+                                        </p:tav>
+                                        <p:tav tm="100000">
+                                          <p:val>
+                                            <p:strVal val="#ppt_w"/>
+                                          </p:val>
+                                        </p:tav>
+                                      </p:tavLst>
+                                    </p:anim>
+                                    <p:anim calcmode="lin" valueType="num">
+                                      <p:cBhvr>
+                                        <p:cTn id="32" dur="500" fill="hold"/>
+                                        <p:tgtEl>
+                                          <p:spTgt spid="46"/>
+                                        </p:tgtEl>
+                                        <p:attrNameLst>
+                                          <p:attrName>ppt_h</p:attrName>
+                                        </p:attrNameLst>
+                                      </p:cBhvr>
+                                      <p:tavLst>
+                                        <p:tav tm="0">
+                                          <p:val>
+                                            <p:fltVal val="0"/>
+                                          </p:val>
+                                        </p:tav>
+                                        <p:tav tm="100000">
+                                          <p:val>
+                                            <p:strVal val="#ppt_h"/>
+                                          </p:val>
+                                        </p:tav>
+                                      </p:tavLst>
+                                    </p:anim>
+                                    <p:animEffect transition="in" filter="fade">
+                                      <p:cBhvr>
+                                        <p:cTn id="33" dur="500"/>
+                                        <p:tgtEl>
+                                          <p:spTgt spid="46"/>
+                                        </p:tgtEl>
+                                      </p:cBhvr>
+                                    </p:animEffect>
+                                  </p:childTnLst>
+                                </p:cTn>
+                              </p:par>
+                              <p:par>
+                                <p:cTn id="34" presetID="53" presetClass="entr" presetSubtype="0" fill="hold" grpId="0" nodeType="withEffect">
+                                  <p:stCondLst>
+                                    <p:cond delay="0"/>
+                                  </p:stCondLst>
+                                  <p:childTnLst>
+                                    <p:set>
+                                      <p:cBhvr>
+                                        <p:cTn id="35" dur="1" fill="hold">
+                                          <p:stCondLst>
+                                            <p:cond delay="0"/>
+                                          </p:stCondLst>
+                                        </p:cTn>
+                                        <p:tgtEl>
+                                          <p:spTgt spid="74"/>
+                                        </p:tgtEl>
+                                        <p:attrNameLst>
+                                          <p:attrName>style.visibility</p:attrName>
+                                        </p:attrNameLst>
+                                      </p:cBhvr>
+                                      <p:to>
+                                        <p:strVal val="visible"/>
+                                      </p:to>
+                                    </p:set>
+                                    <p:anim calcmode="lin" valueType="num">
+                                      <p:cBhvr>
+                                        <p:cTn id="36" dur="500" fill="hold"/>
+                                        <p:tgtEl>
+                                          <p:spTgt spid="74"/>
+                                        </p:tgtEl>
+                                        <p:attrNameLst>
+                                          <p:attrName>ppt_w</p:attrName>
+                                        </p:attrNameLst>
+                                      </p:cBhvr>
+                                      <p:tavLst>
+                                        <p:tav tm="0">
+                                          <p:val>
+                                            <p:fltVal val="0"/>
+                                          </p:val>
+                                        </p:tav>
+                                        <p:tav tm="100000">
+                                          <p:val>
+                                            <p:strVal val="#ppt_w"/>
+                                          </p:val>
+                                        </p:tav>
+                                      </p:tavLst>
+                                    </p:anim>
+                                    <p:anim calcmode="lin" valueType="num">
+                                      <p:cBhvr>
+                                        <p:cTn id="37" dur="500" fill="hold"/>
+                                        <p:tgtEl>
+                                          <p:spTgt spid="74"/>
+                                        </p:tgtEl>
+                                        <p:attrNameLst>
+                                          <p:attrName>ppt_h</p:attrName>
+                                        </p:attrNameLst>
+                                      </p:cBhvr>
+                                      <p:tavLst>
+                                        <p:tav tm="0">
+                                          <p:val>
+                                            <p:fltVal val="0"/>
+                                          </p:val>
+                                        </p:tav>
+                                        <p:tav tm="100000">
+                                          <p:val>
+                                            <p:strVal val="#ppt_h"/>
+                                          </p:val>
+                                        </p:tav>
+                                      </p:tavLst>
+                                    </p:anim>
+                                    <p:animEffect transition="in" filter="fade">
+                                      <p:cBhvr>
+                                        <p:cTn id="38" dur="500"/>
+                                        <p:tgtEl>
+                                          <p:spTgt spid="74"/>
+                                        </p:tgtEl>
+                                      </p:cBhvr>
+                                    </p:animEffect>
+                                  </p:childTnLst>
+                                </p:cTn>
+                              </p:par>
+                            </p:childTnLst>
+                          </p:cTn>
+                        </p:par>
+                      </p:childTnLst>
+                    </p:cTn>
+                  </p:par>
+                  <p:par>
+                    <p:cTn id="39" fill="hold">
+                      <p:stCondLst>
+                        <p:cond delay="indefinite"/>
+                      </p:stCondLst>
+                      <p:childTnLst>
+                        <p:par>
+                          <p:cTn id="40" fill="hold">
+                            <p:stCondLst>
+                              <p:cond delay="0"/>
+                            </p:stCondLst>
+                            <p:childTnLst>
+                              <p:par>
+                                <p:cTn id="41" presetID="53" presetClass="entr" presetSubtype="0" fill="hold" grpId="0" nodeType="clickEffect">
+                                  <p:stCondLst>
+                                    <p:cond delay="0"/>
+                                  </p:stCondLst>
+                                  <p:childTnLst>
+                                    <p:set>
+                                      <p:cBhvr>
+                                        <p:cTn id="42" dur="1" fill="hold">
+                                          <p:stCondLst>
+                                            <p:cond delay="0"/>
+                                          </p:stCondLst>
+                                        </p:cTn>
+                                        <p:tgtEl>
+                                          <p:spTgt spid="81"/>
+                                        </p:tgtEl>
+                                        <p:attrNameLst>
+                                          <p:attrName>style.visibility</p:attrName>
+                                        </p:attrNameLst>
+                                      </p:cBhvr>
+                                      <p:to>
+                                        <p:strVal val="visible"/>
+                                      </p:to>
+                                    </p:set>
+                                    <p:anim calcmode="lin" valueType="num">
+                                      <p:cBhvr>
+                                        <p:cTn id="43" dur="500" fill="hold"/>
+                                        <p:tgtEl>
+                                          <p:spTgt spid="81"/>
+                                        </p:tgtEl>
+                                        <p:attrNameLst>
+                                          <p:attrName>ppt_w</p:attrName>
+                                        </p:attrNameLst>
+                                      </p:cBhvr>
+                                      <p:tavLst>
+                                        <p:tav tm="0">
+                                          <p:val>
+                                            <p:fltVal val="0"/>
+                                          </p:val>
+                                        </p:tav>
+                                        <p:tav tm="100000">
+                                          <p:val>
+                                            <p:strVal val="#ppt_w"/>
+                                          </p:val>
+                                        </p:tav>
+                                      </p:tavLst>
+                                    </p:anim>
+                                    <p:anim calcmode="lin" valueType="num">
+                                      <p:cBhvr>
+                                        <p:cTn id="44" dur="500" fill="hold"/>
+                                        <p:tgtEl>
+                                          <p:spTgt spid="81"/>
+                                        </p:tgtEl>
+                                        <p:attrNameLst>
+                                          <p:attrName>ppt_h</p:attrName>
+                                        </p:attrNameLst>
+                                      </p:cBhvr>
+                                      <p:tavLst>
+                                        <p:tav tm="0">
+                                          <p:val>
+                                            <p:fltVal val="0"/>
+                                          </p:val>
+                                        </p:tav>
+                                        <p:tav tm="100000">
+                                          <p:val>
+                                            <p:strVal val="#ppt_h"/>
+                                          </p:val>
+                                        </p:tav>
+                                      </p:tavLst>
+                                    </p:anim>
+                                    <p:animEffect transition="in" filter="fade">
+                                      <p:cBhvr>
+                                        <p:cTn id="45" dur="500"/>
+                                        <p:tgtEl>
+                                          <p:spTgt spid="81"/>
+                                        </p:tgtEl>
+                                      </p:cBhvr>
+                                    </p:animEffect>
+                                  </p:childTnLst>
+                                </p:cTn>
+                              </p:par>
+                              <p:par>
+                                <p:cTn id="46" presetID="53" presetClass="entr" presetSubtype="0" fill="hold" nodeType="withEffect">
+                                  <p:stCondLst>
+                                    <p:cond delay="0"/>
+                                  </p:stCondLst>
+                                  <p:childTnLst>
+                                    <p:set>
+                                      <p:cBhvr>
+                                        <p:cTn id="47" dur="1" fill="hold">
+                                          <p:stCondLst>
+                                            <p:cond delay="0"/>
+                                          </p:stCondLst>
+                                        </p:cTn>
+                                        <p:tgtEl>
+                                          <p:spTgt spid="49"/>
+                                        </p:tgtEl>
+                                        <p:attrNameLst>
+                                          <p:attrName>style.visibility</p:attrName>
+                                        </p:attrNameLst>
+                                      </p:cBhvr>
+                                      <p:to>
+                                        <p:strVal val="visible"/>
+                                      </p:to>
+                                    </p:set>
+                                    <p:anim calcmode="lin" valueType="num">
+                                      <p:cBhvr>
+                                        <p:cTn id="48" dur="500" fill="hold"/>
+                                        <p:tgtEl>
+                                          <p:spTgt spid="49"/>
+                                        </p:tgtEl>
+                                        <p:attrNameLst>
+                                          <p:attrName>ppt_w</p:attrName>
+                                        </p:attrNameLst>
+                                      </p:cBhvr>
+                                      <p:tavLst>
+                                        <p:tav tm="0">
+                                          <p:val>
+                                            <p:fltVal val="0"/>
+                                          </p:val>
+                                        </p:tav>
+                                        <p:tav tm="100000">
+                                          <p:val>
+                                            <p:strVal val="#ppt_w"/>
+                                          </p:val>
+                                        </p:tav>
+                                      </p:tavLst>
+                                    </p:anim>
+                                    <p:anim calcmode="lin" valueType="num">
+                                      <p:cBhvr>
+                                        <p:cTn id="49" dur="500" fill="hold"/>
+                                        <p:tgtEl>
+                                          <p:spTgt spid="49"/>
+                                        </p:tgtEl>
+                                        <p:attrNameLst>
+                                          <p:attrName>ppt_h</p:attrName>
+                                        </p:attrNameLst>
+                                      </p:cBhvr>
+                                      <p:tavLst>
+                                        <p:tav tm="0">
+                                          <p:val>
+                                            <p:fltVal val="0"/>
+                                          </p:val>
+                                        </p:tav>
+                                        <p:tav tm="100000">
+                                          <p:val>
+                                            <p:strVal val="#ppt_h"/>
+                                          </p:val>
+                                        </p:tav>
+                                      </p:tavLst>
+                                    </p:anim>
+                                    <p:animEffect transition="in" filter="fade">
+                                      <p:cBhvr>
+                                        <p:cTn id="50" dur="500"/>
+                                        <p:tgtEl>
+                                          <p:spTgt spid="49"/>
+                                        </p:tgtEl>
+                                      </p:cBhvr>
+                                    </p:animEffect>
+                                  </p:childTnLst>
+                                </p:cTn>
+                              </p:par>
+                            </p:childTnLst>
+                          </p:cTn>
+                        </p:par>
+                      </p:childTnLst>
+                    </p:cTn>
+                  </p:par>
+                  <p:par>
+                    <p:cTn id="51" fill="hold">
+                      <p:stCondLst>
+                        <p:cond delay="indefinite"/>
+                      </p:stCondLst>
+                      <p:childTnLst>
+                        <p:par>
+                          <p:cTn id="52" fill="hold">
+                            <p:stCondLst>
+                              <p:cond delay="0"/>
+                            </p:stCondLst>
+                            <p:childTnLst>
+                              <p:par>
+                                <p:cTn id="53" presetID="53" presetClass="entr" presetSubtype="0" fill="hold" nodeType="clickEffect">
+                                  <p:stCondLst>
+                                    <p:cond delay="0"/>
+                                  </p:stCondLst>
+                                  <p:childTnLst>
+                                    <p:set>
+                                      <p:cBhvr>
+                                        <p:cTn id="54" dur="1" fill="hold">
+                                          <p:stCondLst>
+                                            <p:cond delay="0"/>
+                                          </p:stCondLst>
+                                        </p:cTn>
+                                        <p:tgtEl>
+                                          <p:spTgt spid="47"/>
+                                        </p:tgtEl>
+                                        <p:attrNameLst>
+                                          <p:attrName>style.visibility</p:attrName>
+                                        </p:attrNameLst>
+                                      </p:cBhvr>
+                                      <p:to>
+                                        <p:strVal val="visible"/>
+                                      </p:to>
+                                    </p:set>
+                                    <p:anim calcmode="lin" valueType="num">
+                                      <p:cBhvr>
+                                        <p:cTn id="55" dur="500" fill="hold"/>
+                                        <p:tgtEl>
+                                          <p:spTgt spid="47"/>
+                                        </p:tgtEl>
+                                        <p:attrNameLst>
+                                          <p:attrName>ppt_w</p:attrName>
+                                        </p:attrNameLst>
+                                      </p:cBhvr>
+                                      <p:tavLst>
+                                        <p:tav tm="0">
+                                          <p:val>
+                                            <p:fltVal val="0"/>
+                                          </p:val>
+                                        </p:tav>
+                                        <p:tav tm="100000">
+                                          <p:val>
+                                            <p:strVal val="#ppt_w"/>
+                                          </p:val>
+                                        </p:tav>
+                                      </p:tavLst>
+                                    </p:anim>
+                                    <p:anim calcmode="lin" valueType="num">
+                                      <p:cBhvr>
+                                        <p:cTn id="56" dur="500" fill="hold"/>
+                                        <p:tgtEl>
+                                          <p:spTgt spid="47"/>
+                                        </p:tgtEl>
+                                        <p:attrNameLst>
+                                          <p:attrName>ppt_h</p:attrName>
+                                        </p:attrNameLst>
+                                      </p:cBhvr>
+                                      <p:tavLst>
+                                        <p:tav tm="0">
+                                          <p:val>
+                                            <p:fltVal val="0"/>
+                                          </p:val>
+                                        </p:tav>
+                                        <p:tav tm="100000">
+                                          <p:val>
+                                            <p:strVal val="#ppt_h"/>
+                                          </p:val>
+                                        </p:tav>
+                                      </p:tavLst>
+                                    </p:anim>
+                                    <p:animEffect transition="in" filter="fade">
+                                      <p:cBhvr>
+                                        <p:cTn id="57" dur="500"/>
+                                        <p:tgtEl>
+                                          <p:spTgt spid="47"/>
+                                        </p:tgtEl>
+                                      </p:cBhvr>
+                                    </p:animEffect>
+                                  </p:childTnLst>
+                                </p:cTn>
+                              </p:par>
+                              <p:par>
+                                <p:cTn id="58" presetID="53" presetClass="entr" presetSubtype="0" fill="hold" grpId="0" nodeType="withEffect">
+                                  <p:stCondLst>
+                                    <p:cond delay="0"/>
+                                  </p:stCondLst>
+                                  <p:childTnLst>
+                                    <p:set>
+                                      <p:cBhvr>
+                                        <p:cTn id="59" dur="1" fill="hold">
+                                          <p:stCondLst>
+                                            <p:cond delay="0"/>
+                                          </p:stCondLst>
+                                        </p:cTn>
+                                        <p:tgtEl>
+                                          <p:spTgt spid="77"/>
+                                        </p:tgtEl>
+                                        <p:attrNameLst>
+                                          <p:attrName>style.visibility</p:attrName>
+                                        </p:attrNameLst>
+                                      </p:cBhvr>
+                                      <p:to>
+                                        <p:strVal val="visible"/>
+                                      </p:to>
+                                    </p:set>
+                                    <p:anim calcmode="lin" valueType="num">
+                                      <p:cBhvr>
+                                        <p:cTn id="60" dur="500" fill="hold"/>
+                                        <p:tgtEl>
+                                          <p:spTgt spid="77"/>
+                                        </p:tgtEl>
+                                        <p:attrNameLst>
+                                          <p:attrName>ppt_w</p:attrName>
+                                        </p:attrNameLst>
+                                      </p:cBhvr>
+                                      <p:tavLst>
+                                        <p:tav tm="0">
+                                          <p:val>
+                                            <p:fltVal val="0"/>
+                                          </p:val>
+                                        </p:tav>
+                                        <p:tav tm="100000">
+                                          <p:val>
+                                            <p:strVal val="#ppt_w"/>
+                                          </p:val>
+                                        </p:tav>
+                                      </p:tavLst>
+                                    </p:anim>
+                                    <p:anim calcmode="lin" valueType="num">
+                                      <p:cBhvr>
+                                        <p:cTn id="61" dur="500" fill="hold"/>
+                                        <p:tgtEl>
+                                          <p:spTgt spid="77"/>
+                                        </p:tgtEl>
+                                        <p:attrNameLst>
+                                          <p:attrName>ppt_h</p:attrName>
+                                        </p:attrNameLst>
+                                      </p:cBhvr>
+                                      <p:tavLst>
+                                        <p:tav tm="0">
+                                          <p:val>
+                                            <p:fltVal val="0"/>
+                                          </p:val>
+                                        </p:tav>
+                                        <p:tav tm="100000">
+                                          <p:val>
+                                            <p:strVal val="#ppt_h"/>
+                                          </p:val>
+                                        </p:tav>
+                                      </p:tavLst>
+                                    </p:anim>
+                                    <p:animEffect transition="in" filter="fade">
+                                      <p:cBhvr>
+                                        <p:cTn id="62" dur="500"/>
+                                        <p:tgtEl>
+                                          <p:spTgt spid="77"/>
+                                        </p:tgtEl>
+                                      </p:cBhvr>
+                                    </p:animEffect>
+                                  </p:childTnLst>
+                                </p:cTn>
+                              </p:par>
+                            </p:childTnLst>
+                          </p:cTn>
+                        </p:par>
+                      </p:childTnLst>
+                    </p:cTn>
+                  </p:par>
+                  <p:par>
+                    <p:cTn id="63" fill="hold">
+                      <p:stCondLst>
+                        <p:cond delay="indefinite"/>
+                      </p:stCondLst>
+                      <p:childTnLst>
+                        <p:par>
+                          <p:cTn id="64" fill="hold">
+                            <p:stCondLst>
+                              <p:cond delay="0"/>
+                            </p:stCondLst>
+                            <p:childTnLst>
+                              <p:par>
+                                <p:cTn id="65" presetID="53" presetClass="entr" presetSubtype="0" fill="hold" grpId="0" nodeType="clickEffect">
+                                  <p:stCondLst>
+                                    <p:cond delay="0"/>
+                                  </p:stCondLst>
+                                  <p:childTnLst>
+                                    <p:set>
+                                      <p:cBhvr>
+                                        <p:cTn id="66" dur="1" fill="hold">
+                                          <p:stCondLst>
+                                            <p:cond delay="0"/>
+                                          </p:stCondLst>
+                                        </p:cTn>
+                                        <p:tgtEl>
+                                          <p:spTgt spid="82"/>
+                                        </p:tgtEl>
+                                        <p:attrNameLst>
+                                          <p:attrName>style.visibility</p:attrName>
+                                        </p:attrNameLst>
+                                      </p:cBhvr>
+                                      <p:to>
+                                        <p:strVal val="visible"/>
+                                      </p:to>
+                                    </p:set>
+                                    <p:anim calcmode="lin" valueType="num">
+                                      <p:cBhvr>
+                                        <p:cTn id="67" dur="500" fill="hold"/>
+                                        <p:tgtEl>
+                                          <p:spTgt spid="82"/>
+                                        </p:tgtEl>
+                                        <p:attrNameLst>
+                                          <p:attrName>ppt_w</p:attrName>
+                                        </p:attrNameLst>
+                                      </p:cBhvr>
+                                      <p:tavLst>
+                                        <p:tav tm="0">
+                                          <p:val>
+                                            <p:fltVal val="0"/>
+                                          </p:val>
+                                        </p:tav>
+                                        <p:tav tm="100000">
+                                          <p:val>
+                                            <p:strVal val="#ppt_w"/>
+                                          </p:val>
+                                        </p:tav>
+                                      </p:tavLst>
+                                    </p:anim>
+                                    <p:anim calcmode="lin" valueType="num">
+                                      <p:cBhvr>
+                                        <p:cTn id="68" dur="500" fill="hold"/>
+                                        <p:tgtEl>
+                                          <p:spTgt spid="82"/>
+                                        </p:tgtEl>
+                                        <p:attrNameLst>
+                                          <p:attrName>ppt_h</p:attrName>
+                                        </p:attrNameLst>
+                                      </p:cBhvr>
+                                      <p:tavLst>
+                                        <p:tav tm="0">
+                                          <p:val>
+                                            <p:fltVal val="0"/>
+                                          </p:val>
+                                        </p:tav>
+                                        <p:tav tm="100000">
+                                          <p:val>
+                                            <p:strVal val="#ppt_h"/>
+                                          </p:val>
+                                        </p:tav>
+                                      </p:tavLst>
+                                    </p:anim>
+                                    <p:animEffect transition="in" filter="fade">
+                                      <p:cBhvr>
+                                        <p:cTn id="69" dur="500"/>
+                                        <p:tgtEl>
+                                          <p:spTgt spid="82"/>
+                                        </p:tgtEl>
+                                      </p:cBhvr>
+                                    </p:animEffect>
+                                  </p:childTnLst>
+                                </p:cTn>
+                              </p:par>
+                              <p:par>
+                                <p:cTn id="70" presetID="53" presetClass="entr" presetSubtype="0" fill="hold" nodeType="withEffect">
+                                  <p:stCondLst>
+                                    <p:cond delay="0"/>
+                                  </p:stCondLst>
+                                  <p:childTnLst>
+                                    <p:set>
+                                      <p:cBhvr>
+                                        <p:cTn id="71" dur="1" fill="hold">
+                                          <p:stCondLst>
+                                            <p:cond delay="0"/>
+                                          </p:stCondLst>
+                                        </p:cTn>
+                                        <p:tgtEl>
+                                          <p:spTgt spid="50"/>
+                                        </p:tgtEl>
+                                        <p:attrNameLst>
+                                          <p:attrName>style.visibility</p:attrName>
+                                        </p:attrNameLst>
+                                      </p:cBhvr>
+                                      <p:to>
+                                        <p:strVal val="visible"/>
+                                      </p:to>
+                                    </p:set>
+                                    <p:anim calcmode="lin" valueType="num">
+                                      <p:cBhvr>
+                                        <p:cTn id="72" dur="500" fill="hold"/>
+                                        <p:tgtEl>
+                                          <p:spTgt spid="50"/>
+                                        </p:tgtEl>
+                                        <p:attrNameLst>
+                                          <p:attrName>ppt_w</p:attrName>
+                                        </p:attrNameLst>
+                                      </p:cBhvr>
+                                      <p:tavLst>
+                                        <p:tav tm="0">
+                                          <p:val>
+                                            <p:fltVal val="0"/>
+                                          </p:val>
+                                        </p:tav>
+                                        <p:tav tm="100000">
+                                          <p:val>
+                                            <p:strVal val="#ppt_w"/>
+                                          </p:val>
+                                        </p:tav>
+                                      </p:tavLst>
+                                    </p:anim>
+                                    <p:anim calcmode="lin" valueType="num">
+                                      <p:cBhvr>
+                                        <p:cTn id="73" dur="500" fill="hold"/>
+                                        <p:tgtEl>
+                                          <p:spTgt spid="50"/>
+                                        </p:tgtEl>
+                                        <p:attrNameLst>
+                                          <p:attrName>ppt_h</p:attrName>
+                                        </p:attrNameLst>
+                                      </p:cBhvr>
+                                      <p:tavLst>
+                                        <p:tav tm="0">
+                                          <p:val>
+                                            <p:fltVal val="0"/>
+                                          </p:val>
+                                        </p:tav>
+                                        <p:tav tm="100000">
+                                          <p:val>
+                                            <p:strVal val="#ppt_h"/>
+                                          </p:val>
+                                        </p:tav>
+                                      </p:tavLst>
+                                    </p:anim>
+                                    <p:animEffect transition="in" filter="fade">
+                                      <p:cBhvr>
+                                        <p:cTn id="74" dur="500"/>
+                                        <p:tgtEl>
+                                          <p:spTgt spid="50"/>
+                                        </p:tgtEl>
+                                      </p:cBhvr>
+                                    </p:animEffect>
+                                  </p:childTnLst>
+                                </p:cTn>
+                              </p:par>
+                            </p:childTnLst>
+                          </p:cTn>
+                        </p:par>
+                      </p:childTnLst>
+                    </p:cTn>
+                  </p:par>
+                  <p:par>
+                    <p:cTn id="75" fill="hold">
+                      <p:stCondLst>
+                        <p:cond delay="indefinite"/>
+                      </p:stCondLst>
+                      <p:childTnLst>
+                        <p:par>
+                          <p:cTn id="76" fill="hold">
+                            <p:stCondLst>
+                              <p:cond delay="0"/>
+                            </p:stCondLst>
+                            <p:childTnLst>
+                              <p:par>
+                                <p:cTn id="77" presetID="53" presetClass="entr" presetSubtype="0" fill="hold" nodeType="clickEffect">
+                                  <p:stCondLst>
+                                    <p:cond delay="0"/>
+                                  </p:stCondLst>
+                                  <p:childTnLst>
+                                    <p:set>
+                                      <p:cBhvr>
+                                        <p:cTn id="78" dur="1" fill="hold">
+                                          <p:stCondLst>
+                                            <p:cond delay="0"/>
+                                          </p:stCondLst>
+                                        </p:cTn>
+                                        <p:tgtEl>
+                                          <p:spTgt spid="48"/>
+                                        </p:tgtEl>
+                                        <p:attrNameLst>
+                                          <p:attrName>style.visibility</p:attrName>
+                                        </p:attrNameLst>
+                                      </p:cBhvr>
+                                      <p:to>
+                                        <p:strVal val="visible"/>
+                                      </p:to>
+                                    </p:set>
+                                    <p:anim calcmode="lin" valueType="num">
+                                      <p:cBhvr>
+                                        <p:cTn id="79" dur="500" fill="hold"/>
+                                        <p:tgtEl>
+                                          <p:spTgt spid="48"/>
+                                        </p:tgtEl>
+                                        <p:attrNameLst>
+                                          <p:attrName>ppt_w</p:attrName>
+                                        </p:attrNameLst>
+                                      </p:cBhvr>
+                                      <p:tavLst>
+                                        <p:tav tm="0">
+                                          <p:val>
+                                            <p:fltVal val="0"/>
+                                          </p:val>
+                                        </p:tav>
+                                        <p:tav tm="100000">
+                                          <p:val>
+                                            <p:strVal val="#ppt_w"/>
+                                          </p:val>
+                                        </p:tav>
+                                      </p:tavLst>
+                                    </p:anim>
+                                    <p:anim calcmode="lin" valueType="num">
+                                      <p:cBhvr>
+                                        <p:cTn id="80" dur="500" fill="hold"/>
+                                        <p:tgtEl>
+                                          <p:spTgt spid="48"/>
+                                        </p:tgtEl>
+                                        <p:attrNameLst>
+                                          <p:attrName>ppt_h</p:attrName>
+                                        </p:attrNameLst>
+                                      </p:cBhvr>
+                                      <p:tavLst>
+                                        <p:tav tm="0">
+                                          <p:val>
+                                            <p:fltVal val="0"/>
+                                          </p:val>
+                                        </p:tav>
+                                        <p:tav tm="100000">
+                                          <p:val>
+                                            <p:strVal val="#ppt_h"/>
+                                          </p:val>
+                                        </p:tav>
+                                      </p:tavLst>
+                                    </p:anim>
+                                    <p:animEffect transition="in" filter="fade">
+                                      <p:cBhvr>
+                                        <p:cTn id="81" dur="500"/>
+                                        <p:tgtEl>
+                                          <p:spTgt spid="48"/>
+                                        </p:tgtEl>
+                                      </p:cBhvr>
+                                    </p:animEffect>
+                                  </p:childTnLst>
+                                </p:cTn>
+                              </p:par>
+                              <p:par>
+                                <p:cTn id="82" presetID="53" presetClass="entr" presetSubtype="0" fill="hold" grpId="0" nodeType="withEffect">
+                                  <p:stCondLst>
+                                    <p:cond delay="0"/>
+                                  </p:stCondLst>
+                                  <p:childTnLst>
+                                    <p:set>
+                                      <p:cBhvr>
+                                        <p:cTn id="83" dur="1" fill="hold">
+                                          <p:stCondLst>
+                                            <p:cond delay="0"/>
+                                          </p:stCondLst>
+                                        </p:cTn>
+                                        <p:tgtEl>
+                                          <p:spTgt spid="84"/>
+                                        </p:tgtEl>
+                                        <p:attrNameLst>
+                                          <p:attrName>style.visibility</p:attrName>
+                                        </p:attrNameLst>
+                                      </p:cBhvr>
+                                      <p:to>
+                                        <p:strVal val="visible"/>
+                                      </p:to>
+                                    </p:set>
+                                    <p:anim calcmode="lin" valueType="num">
+                                      <p:cBhvr>
+                                        <p:cTn id="84" dur="500" fill="hold"/>
+                                        <p:tgtEl>
+                                          <p:spTgt spid="84"/>
+                                        </p:tgtEl>
+                                        <p:attrNameLst>
+                                          <p:attrName>ppt_w</p:attrName>
+                                        </p:attrNameLst>
+                                      </p:cBhvr>
+                                      <p:tavLst>
+                                        <p:tav tm="0">
+                                          <p:val>
+                                            <p:fltVal val="0"/>
+                                          </p:val>
+                                        </p:tav>
+                                        <p:tav tm="100000">
+                                          <p:val>
+                                            <p:strVal val="#ppt_w"/>
+                                          </p:val>
+                                        </p:tav>
+                                      </p:tavLst>
+                                    </p:anim>
+                                    <p:anim calcmode="lin" valueType="num">
+                                      <p:cBhvr>
+                                        <p:cTn id="85" dur="500" fill="hold"/>
+                                        <p:tgtEl>
+                                          <p:spTgt spid="84"/>
+                                        </p:tgtEl>
+                                        <p:attrNameLst>
+                                          <p:attrName>ppt_h</p:attrName>
+                                        </p:attrNameLst>
+                                      </p:cBhvr>
+                                      <p:tavLst>
+                                        <p:tav tm="0">
+                                          <p:val>
+                                            <p:fltVal val="0"/>
+                                          </p:val>
+                                        </p:tav>
+                                        <p:tav tm="100000">
+                                          <p:val>
+                                            <p:strVal val="#ppt_h"/>
+                                          </p:val>
+                                        </p:tav>
+                                      </p:tavLst>
+                                    </p:anim>
+                                    <p:animEffect transition="in" filter="fade">
+                                      <p:cBhvr>
+                                        <p:cTn id="86" dur="500"/>
+                                        <p:tgtEl>
+                                          <p:spTgt spid="84"/>
+                                        </p:tgtEl>
+                                      </p:cBhvr>
+                                    </p:animEffect>
+                                  </p:childTnLst>
+                                </p:cTn>
+                              </p:par>
+                            </p:childTnLst>
+                          </p:cTn>
+                        </p:par>
+                      </p:childTnLst>
+                    </p:cTn>
+                  </p:par>
+                  <p:par>
+                    <p:cTn id="87" fill="hold">
+                      <p:stCondLst>
+                        <p:cond delay="indefinite"/>
+                      </p:stCondLst>
+                      <p:childTnLst>
+                        <p:par>
+                          <p:cTn id="88" fill="hold">
+                            <p:stCondLst>
+                              <p:cond delay="0"/>
+                            </p:stCondLst>
+                            <p:childTnLst>
+                              <p:par>
+                                <p:cTn id="89" presetID="53" presetClass="entr" presetSubtype="0" fill="hold" grpId="0" nodeType="clickEffect">
+                                  <p:stCondLst>
+                                    <p:cond delay="0"/>
+                                  </p:stCondLst>
+                                  <p:childTnLst>
+                                    <p:set>
+                                      <p:cBhvr>
+                                        <p:cTn id="90" dur="1" fill="hold">
+                                          <p:stCondLst>
+                                            <p:cond delay="0"/>
+                                          </p:stCondLst>
+                                        </p:cTn>
+                                        <p:tgtEl>
+                                          <p:spTgt spid="86"/>
+                                        </p:tgtEl>
+                                        <p:attrNameLst>
+                                          <p:attrName>style.visibility</p:attrName>
+                                        </p:attrNameLst>
+                                      </p:cBhvr>
+                                      <p:to>
+                                        <p:strVal val="visible"/>
+                                      </p:to>
+                                    </p:set>
+                                    <p:anim calcmode="lin" valueType="num">
+                                      <p:cBhvr>
+                                        <p:cTn id="91" dur="500" fill="hold"/>
+                                        <p:tgtEl>
+                                          <p:spTgt spid="86"/>
+                                        </p:tgtEl>
+                                        <p:attrNameLst>
+                                          <p:attrName>ppt_w</p:attrName>
+                                        </p:attrNameLst>
+                                      </p:cBhvr>
+                                      <p:tavLst>
+                                        <p:tav tm="0">
+                                          <p:val>
+                                            <p:fltVal val="0"/>
+                                          </p:val>
+                                        </p:tav>
+                                        <p:tav tm="100000">
+                                          <p:val>
+                                            <p:strVal val="#ppt_w"/>
+                                          </p:val>
+                                        </p:tav>
+                                      </p:tavLst>
+                                    </p:anim>
+                                    <p:anim calcmode="lin" valueType="num">
+                                      <p:cBhvr>
+                                        <p:cTn id="92" dur="500" fill="hold"/>
+                                        <p:tgtEl>
+                                          <p:spTgt spid="86"/>
+                                        </p:tgtEl>
+                                        <p:attrNameLst>
+                                          <p:attrName>ppt_h</p:attrName>
+                                        </p:attrNameLst>
+                                      </p:cBhvr>
+                                      <p:tavLst>
+                                        <p:tav tm="0">
+                                          <p:val>
+                                            <p:fltVal val="0"/>
+                                          </p:val>
+                                        </p:tav>
+                                        <p:tav tm="100000">
+                                          <p:val>
+                                            <p:strVal val="#ppt_h"/>
+                                          </p:val>
+                                        </p:tav>
+                                      </p:tavLst>
+                                    </p:anim>
+                                    <p:animEffect transition="in" filter="fade">
+                                      <p:cBhvr>
+                                        <p:cTn id="93" dur="500"/>
+                                        <p:tgtEl>
+                                          <p:spTgt spid="86"/>
+                                        </p:tgtEl>
+                                      </p:cBhvr>
+                                    </p:animEffect>
+                                  </p:childTnLst>
+                                </p:cTn>
+                              </p:par>
+                              <p:par>
+                                <p:cTn id="94" presetID="53" presetClass="entr" presetSubtype="0" fill="hold" nodeType="withEffect">
+                                  <p:stCondLst>
+                                    <p:cond delay="0"/>
+                                  </p:stCondLst>
+                                  <p:childTnLst>
+                                    <p:set>
+                                      <p:cBhvr>
+                                        <p:cTn id="95" dur="1" fill="hold">
+                                          <p:stCondLst>
+                                            <p:cond delay="0"/>
+                                          </p:stCondLst>
+                                        </p:cTn>
+                                        <p:tgtEl>
+                                          <p:spTgt spid="51"/>
+                                        </p:tgtEl>
+                                        <p:attrNameLst>
+                                          <p:attrName>style.visibility</p:attrName>
+                                        </p:attrNameLst>
+                                      </p:cBhvr>
+                                      <p:to>
+                                        <p:strVal val="visible"/>
+                                      </p:to>
+                                    </p:set>
+                                    <p:anim calcmode="lin" valueType="num">
+                                      <p:cBhvr>
+                                        <p:cTn id="96" dur="500" fill="hold"/>
+                                        <p:tgtEl>
+                                          <p:spTgt spid="51"/>
+                                        </p:tgtEl>
+                                        <p:attrNameLst>
+                                          <p:attrName>ppt_w</p:attrName>
+                                        </p:attrNameLst>
+                                      </p:cBhvr>
+                                      <p:tavLst>
+                                        <p:tav tm="0">
+                                          <p:val>
+                                            <p:fltVal val="0"/>
+                                          </p:val>
+                                        </p:tav>
+                                        <p:tav tm="100000">
+                                          <p:val>
+                                            <p:strVal val="#ppt_w"/>
+                                          </p:val>
+                                        </p:tav>
+                                      </p:tavLst>
+                                    </p:anim>
+                                    <p:anim calcmode="lin" valueType="num">
+                                      <p:cBhvr>
+                                        <p:cTn id="97" dur="500" fill="hold"/>
+                                        <p:tgtEl>
+                                          <p:spTgt spid="51"/>
+                                        </p:tgtEl>
+                                        <p:attrNameLst>
+                                          <p:attrName>ppt_h</p:attrName>
+                                        </p:attrNameLst>
+                                      </p:cBhvr>
+                                      <p:tavLst>
+                                        <p:tav tm="0">
+                                          <p:val>
+                                            <p:fltVal val="0"/>
+                                          </p:val>
+                                        </p:tav>
+                                        <p:tav tm="100000">
+                                          <p:val>
+                                            <p:strVal val="#ppt_h"/>
+                                          </p:val>
+                                        </p:tav>
+                                      </p:tavLst>
+                                    </p:anim>
+                                    <p:animEffect transition="in" filter="fade">
+                                      <p:cBhvr>
+                                        <p:cTn id="98" dur="500"/>
+                                        <p:tgtEl>
+                                          <p:spTgt spid="51"/>
+                                        </p:tgtEl>
+                                      </p:cBhvr>
+                                    </p:animEffect>
+                                  </p:childTnLst>
+                                </p:cTn>
+                              </p:par>
+                              <p:par>
+                                <p:cTn id="99" presetID="10" presetClass="entr" presetSubtype="0" fill="hold" grpId="0" nodeType="withEffect">
+                                  <p:stCondLst>
+                                    <p:cond delay="0"/>
+                                  </p:stCondLst>
+                                  <p:childTnLst>
+                                    <p:set>
+                                      <p:cBhvr>
+                                        <p:cTn id="100" dur="1" fill="hold">
+                                          <p:stCondLst>
+                                            <p:cond delay="0"/>
+                                          </p:stCondLst>
+                                        </p:cTn>
+                                        <p:tgtEl>
+                                          <p:spTgt spid="70"/>
+                                        </p:tgtEl>
+                                        <p:attrNameLst>
+                                          <p:attrName>style.visibility</p:attrName>
+                                        </p:attrNameLst>
+                                      </p:cBhvr>
+                                      <p:to>
+                                        <p:strVal val="visible"/>
+                                      </p:to>
+                                    </p:set>
+                                    <p:animEffect transition="in" filter="fade">
+                                      <p:cBhvr>
+                                        <p:cTn id="101" dur="500"/>
+                                        <p:tgtEl>
+                                          <p:spTgt spid="70"/>
+                                        </p:tgtEl>
+                                      </p:cBhvr>
+                                    </p:animEffect>
+                                  </p:childTnLst>
+                                </p:cTn>
+                              </p:par>
+                              <p:par>
+                                <p:cTn id="102" presetID="53" presetClass="entr" presetSubtype="0" fill="hold" nodeType="withEffect">
+                                  <p:stCondLst>
+                                    <p:cond delay="0"/>
+                                  </p:stCondLst>
+                                  <p:childTnLst>
+                                    <p:set>
+                                      <p:cBhvr>
+                                        <p:cTn id="103" dur="1" fill="hold">
+                                          <p:stCondLst>
+                                            <p:cond delay="0"/>
+                                          </p:stCondLst>
+                                        </p:cTn>
+                                        <p:tgtEl>
+                                          <p:spTgt spid="52"/>
+                                        </p:tgtEl>
+                                        <p:attrNameLst>
+                                          <p:attrName>style.visibility</p:attrName>
+                                        </p:attrNameLst>
+                                      </p:cBhvr>
+                                      <p:to>
+                                        <p:strVal val="visible"/>
+                                      </p:to>
+                                    </p:set>
+                                    <p:anim calcmode="lin" valueType="num">
+                                      <p:cBhvr>
+                                        <p:cTn id="104" dur="1000" fill="hold"/>
+                                        <p:tgtEl>
+                                          <p:spTgt spid="52"/>
+                                        </p:tgtEl>
+                                        <p:attrNameLst>
+                                          <p:attrName>ppt_w</p:attrName>
+                                        </p:attrNameLst>
+                                      </p:cBhvr>
+                                      <p:tavLst>
+                                        <p:tav tm="0">
+                                          <p:val>
+                                            <p:fltVal val="0"/>
+                                          </p:val>
+                                        </p:tav>
+                                        <p:tav tm="100000">
+                                          <p:val>
+                                            <p:strVal val="#ppt_w"/>
+                                          </p:val>
+                                        </p:tav>
+                                      </p:tavLst>
+                                    </p:anim>
+                                    <p:anim calcmode="lin" valueType="num">
+                                      <p:cBhvr>
+                                        <p:cTn id="105" dur="1000" fill="hold"/>
+                                        <p:tgtEl>
+                                          <p:spTgt spid="52"/>
+                                        </p:tgtEl>
+                                        <p:attrNameLst>
+                                          <p:attrName>ppt_h</p:attrName>
+                                        </p:attrNameLst>
+                                      </p:cBhvr>
+                                      <p:tavLst>
+                                        <p:tav tm="0">
+                                          <p:val>
+                                            <p:fltVal val="0"/>
+                                          </p:val>
+                                        </p:tav>
+                                        <p:tav tm="100000">
+                                          <p:val>
+                                            <p:strVal val="#ppt_h"/>
+                                          </p:val>
+                                        </p:tav>
+                                      </p:tavLst>
+                                    </p:anim>
+                                    <p:animEffect transition="in" filter="fade">
+                                      <p:cBhvr>
+                                        <p:cTn id="106" dur="1000"/>
+                                        <p:tgtEl>
+                                          <p:spTgt spid="52"/>
+                                        </p:tgtEl>
+                                      </p:cBhvr>
+                                    </p:animEffect>
+                                  </p:childTnLst>
+                                </p:cTn>
+                              </p:par>
+                              <p:par>
+                                <p:cTn id="107" presetID="53" presetClass="entr" presetSubtype="0" fill="hold" grpId="0" nodeType="withEffect">
+                                  <p:stCondLst>
+                                    <p:cond delay="0"/>
+                                  </p:stCondLst>
+                                  <p:childTnLst>
+                                    <p:set>
+                                      <p:cBhvr>
+                                        <p:cTn id="108" dur="1" fill="hold">
+                                          <p:stCondLst>
+                                            <p:cond delay="0"/>
+                                          </p:stCondLst>
+                                        </p:cTn>
+                                        <p:tgtEl>
+                                          <p:spTgt spid="58"/>
+                                        </p:tgtEl>
+                                        <p:attrNameLst>
+                                          <p:attrName>style.visibility</p:attrName>
+                                        </p:attrNameLst>
+                                      </p:cBhvr>
+                                      <p:to>
+                                        <p:strVal val="visible"/>
+                                      </p:to>
+                                    </p:set>
+                                    <p:anim calcmode="lin" valueType="num">
+                                      <p:cBhvr>
+                                        <p:cTn id="109" dur="1000" fill="hold"/>
+                                        <p:tgtEl>
+                                          <p:spTgt spid="58"/>
+                                        </p:tgtEl>
+                                        <p:attrNameLst>
+                                          <p:attrName>ppt_w</p:attrName>
+                                        </p:attrNameLst>
+                                      </p:cBhvr>
+                                      <p:tavLst>
+                                        <p:tav tm="0">
+                                          <p:val>
+                                            <p:fltVal val="0"/>
+                                          </p:val>
+                                        </p:tav>
+                                        <p:tav tm="100000">
+                                          <p:val>
+                                            <p:strVal val="#ppt_w"/>
+                                          </p:val>
+                                        </p:tav>
+                                      </p:tavLst>
+                                    </p:anim>
+                                    <p:anim calcmode="lin" valueType="num">
+                                      <p:cBhvr>
+                                        <p:cTn id="110" dur="1000" fill="hold"/>
+                                        <p:tgtEl>
+                                          <p:spTgt spid="58"/>
+                                        </p:tgtEl>
+                                        <p:attrNameLst>
+                                          <p:attrName>ppt_h</p:attrName>
+                                        </p:attrNameLst>
+                                      </p:cBhvr>
+                                      <p:tavLst>
+                                        <p:tav tm="0">
+                                          <p:val>
+                                            <p:fltVal val="0"/>
+                                          </p:val>
+                                        </p:tav>
+                                        <p:tav tm="100000">
+                                          <p:val>
+                                            <p:strVal val="#ppt_h"/>
+                                          </p:val>
+                                        </p:tav>
+                                      </p:tavLst>
+                                    </p:anim>
+                                    <p:animEffect transition="in" filter="fade">
+                                      <p:cBhvr>
+                                        <p:cTn id="111" dur="1000"/>
+                                        <p:tgtEl>
+                                          <p:spTgt spid="58"/>
+                                        </p:tgtEl>
+                                      </p:cBhvr>
+                                    </p:animEffect>
+                                  </p:childTnLst>
+                                </p:cTn>
+                              </p:par>
+                            </p:childTnLst>
+                          </p:cTn>
+                        </p:par>
+                      </p:childTnLst>
+                    </p:cTn>
+                  </p:par>
+                  <p:par>
+                    <p:cTn id="112" fill="hold">
+                      <p:stCondLst>
+                        <p:cond delay="indefinite"/>
+                      </p:stCondLst>
+                      <p:childTnLst>
+                        <p:par>
+                          <p:cTn id="113" fill="hold">
+                            <p:stCondLst>
+                              <p:cond delay="0"/>
+                            </p:stCondLst>
+                            <p:childTnLst>
+                              <p:par>
+                                <p:cTn id="114" presetID="53" presetClass="entr" presetSubtype="0" fill="hold" grpId="0" nodeType="clickEffect">
+                                  <p:stCondLst>
+                                    <p:cond delay="0"/>
+                                  </p:stCondLst>
+                                  <p:childTnLst>
+                                    <p:set>
+                                      <p:cBhvr>
+                                        <p:cTn id="115" dur="1" fill="hold">
+                                          <p:stCondLst>
+                                            <p:cond delay="0"/>
+                                          </p:stCondLst>
+                                        </p:cTn>
+                                        <p:tgtEl>
+                                          <p:spTgt spid="60"/>
+                                        </p:tgtEl>
+                                        <p:attrNameLst>
+                                          <p:attrName>style.visibility</p:attrName>
+                                        </p:attrNameLst>
+                                      </p:cBhvr>
+                                      <p:to>
+                                        <p:strVal val="visible"/>
+                                      </p:to>
+                                    </p:set>
+                                    <p:anim calcmode="lin" valueType="num">
+                                      <p:cBhvr>
+                                        <p:cTn id="116" dur="500" fill="hold"/>
+                                        <p:tgtEl>
+                                          <p:spTgt spid="60"/>
+                                        </p:tgtEl>
+                                        <p:attrNameLst>
+                                          <p:attrName>ppt_w</p:attrName>
+                                        </p:attrNameLst>
+                                      </p:cBhvr>
+                                      <p:tavLst>
+                                        <p:tav tm="0">
+                                          <p:val>
+                                            <p:fltVal val="0"/>
+                                          </p:val>
+                                        </p:tav>
+                                        <p:tav tm="100000">
+                                          <p:val>
+                                            <p:strVal val="#ppt_w"/>
+                                          </p:val>
+                                        </p:tav>
+                                      </p:tavLst>
+                                    </p:anim>
+                                    <p:anim calcmode="lin" valueType="num">
+                                      <p:cBhvr>
+                                        <p:cTn id="117" dur="500" fill="hold"/>
+                                        <p:tgtEl>
+                                          <p:spTgt spid="60"/>
+                                        </p:tgtEl>
+                                        <p:attrNameLst>
+                                          <p:attrName>ppt_h</p:attrName>
+                                        </p:attrNameLst>
+                                      </p:cBhvr>
+                                      <p:tavLst>
+                                        <p:tav tm="0">
+                                          <p:val>
+                                            <p:fltVal val="0"/>
+                                          </p:val>
+                                        </p:tav>
+                                        <p:tav tm="100000">
+                                          <p:val>
+                                            <p:strVal val="#ppt_h"/>
+                                          </p:val>
+                                        </p:tav>
+                                      </p:tavLst>
+                                    </p:anim>
+                                    <p:animEffect transition="in" filter="fade">
+                                      <p:cBhvr>
+                                        <p:cTn id="118" dur="500"/>
+                                        <p:tgtEl>
+                                          <p:spTgt spid="60"/>
+                                        </p:tgtEl>
+                                      </p:cBhvr>
+                                    </p:animEffect>
+                                  </p:childTnLst>
+                                </p:cTn>
+                              </p:par>
+                              <p:par>
+                                <p:cTn id="119" presetID="53" presetClass="entr" presetSubtype="0" fill="hold" nodeType="withEffect">
+                                  <p:stCondLst>
+                                    <p:cond delay="0"/>
+                                  </p:stCondLst>
+                                  <p:childTnLst>
+                                    <p:set>
+                                      <p:cBhvr>
+                                        <p:cTn id="120" dur="1" fill="hold">
+                                          <p:stCondLst>
+                                            <p:cond delay="0"/>
+                                          </p:stCondLst>
+                                        </p:cTn>
+                                        <p:tgtEl>
+                                          <p:spTgt spid="53"/>
+                                        </p:tgtEl>
+                                        <p:attrNameLst>
+                                          <p:attrName>style.visibility</p:attrName>
+                                        </p:attrNameLst>
+                                      </p:cBhvr>
+                                      <p:to>
+                                        <p:strVal val="visible"/>
+                                      </p:to>
+                                    </p:set>
+                                    <p:anim calcmode="lin" valueType="num">
+                                      <p:cBhvr>
+                                        <p:cTn id="121" dur="500" fill="hold"/>
+                                        <p:tgtEl>
+                                          <p:spTgt spid="53"/>
+                                        </p:tgtEl>
+                                        <p:attrNameLst>
+                                          <p:attrName>ppt_w</p:attrName>
+                                        </p:attrNameLst>
+                                      </p:cBhvr>
+                                      <p:tavLst>
+                                        <p:tav tm="0">
+                                          <p:val>
+                                            <p:fltVal val="0"/>
+                                          </p:val>
+                                        </p:tav>
+                                        <p:tav tm="100000">
+                                          <p:val>
+                                            <p:strVal val="#ppt_w"/>
+                                          </p:val>
+                                        </p:tav>
+                                      </p:tavLst>
+                                    </p:anim>
+                                    <p:anim calcmode="lin" valueType="num">
+                                      <p:cBhvr>
+                                        <p:cTn id="122" dur="500" fill="hold"/>
+                                        <p:tgtEl>
+                                          <p:spTgt spid="53"/>
+                                        </p:tgtEl>
+                                        <p:attrNameLst>
+                                          <p:attrName>ppt_h</p:attrName>
+                                        </p:attrNameLst>
+                                      </p:cBhvr>
+                                      <p:tavLst>
+                                        <p:tav tm="0">
+                                          <p:val>
+                                            <p:fltVal val="0"/>
+                                          </p:val>
+                                        </p:tav>
+                                        <p:tav tm="100000">
+                                          <p:val>
+                                            <p:strVal val="#ppt_h"/>
+                                          </p:val>
+                                        </p:tav>
+                                      </p:tavLst>
+                                    </p:anim>
+                                    <p:animEffect transition="in" filter="fade">
+                                      <p:cBhvr>
+                                        <p:cTn id="123" dur="500"/>
+                                        <p:tgtEl>
+                                          <p:spTgt spid="53"/>
+                                        </p:tgtEl>
+                                      </p:cBhvr>
+                                    </p:animEffect>
+                                  </p:childTnLst>
+                                </p:cTn>
+                              </p:par>
+                            </p:childTnLst>
+                          </p:cTn>
+                        </p:par>
+                      </p:childTnLst>
+                    </p:cTn>
+                  </p:par>
+                  <p:par>
+                    <p:cTn id="124" fill="hold">
+                      <p:stCondLst>
+                        <p:cond delay="indefinite"/>
+                      </p:stCondLst>
+                      <p:childTnLst>
+                        <p:par>
+                          <p:cTn id="125" fill="hold">
+                            <p:stCondLst>
+                              <p:cond delay="0"/>
+                            </p:stCondLst>
+                            <p:childTnLst>
+                              <p:par>
+                                <p:cTn id="126" presetID="53" presetClass="entr" presetSubtype="0" fill="hold" nodeType="clickEffect">
+                                  <p:stCondLst>
+                                    <p:cond delay="0"/>
+                                  </p:stCondLst>
+                                  <p:childTnLst>
+                                    <p:set>
+                                      <p:cBhvr>
+                                        <p:cTn id="127" dur="1" fill="hold">
+                                          <p:stCondLst>
+                                            <p:cond delay="0"/>
+                                          </p:stCondLst>
+                                        </p:cTn>
+                                        <p:tgtEl>
+                                          <p:spTgt spid="54"/>
+                                        </p:tgtEl>
+                                        <p:attrNameLst>
+                                          <p:attrName>style.visibility</p:attrName>
+                                        </p:attrNameLst>
+                                      </p:cBhvr>
+                                      <p:to>
+                                        <p:strVal val="visible"/>
+                                      </p:to>
+                                    </p:set>
+                                    <p:anim calcmode="lin" valueType="num">
+                                      <p:cBhvr>
+                                        <p:cTn id="128" dur="500" fill="hold"/>
+                                        <p:tgtEl>
+                                          <p:spTgt spid="54"/>
+                                        </p:tgtEl>
+                                        <p:attrNameLst>
+                                          <p:attrName>ppt_w</p:attrName>
+                                        </p:attrNameLst>
+                                      </p:cBhvr>
+                                      <p:tavLst>
+                                        <p:tav tm="0">
+                                          <p:val>
+                                            <p:fltVal val="0"/>
+                                          </p:val>
+                                        </p:tav>
+                                        <p:tav tm="100000">
+                                          <p:val>
+                                            <p:strVal val="#ppt_w"/>
+                                          </p:val>
+                                        </p:tav>
+                                      </p:tavLst>
+                                    </p:anim>
+                                    <p:anim calcmode="lin" valueType="num">
+                                      <p:cBhvr>
+                                        <p:cTn id="129" dur="500" fill="hold"/>
+                                        <p:tgtEl>
+                                          <p:spTgt spid="54"/>
+                                        </p:tgtEl>
+                                        <p:attrNameLst>
+                                          <p:attrName>ppt_h</p:attrName>
+                                        </p:attrNameLst>
+                                      </p:cBhvr>
+                                      <p:tavLst>
+                                        <p:tav tm="0">
+                                          <p:val>
+                                            <p:fltVal val="0"/>
+                                          </p:val>
+                                        </p:tav>
+                                        <p:tav tm="100000">
+                                          <p:val>
+                                            <p:strVal val="#ppt_h"/>
+                                          </p:val>
+                                        </p:tav>
+                                      </p:tavLst>
+                                    </p:anim>
+                                    <p:animEffect transition="in" filter="fade">
+                                      <p:cBhvr>
+                                        <p:cTn id="130" dur="500"/>
+                                        <p:tgtEl>
+                                          <p:spTgt spid="54"/>
+                                        </p:tgtEl>
+                                      </p:cBhvr>
+                                    </p:animEffect>
+                                  </p:childTnLst>
+                                </p:cTn>
+                              </p:par>
+                              <p:par>
+                                <p:cTn id="131" presetID="53" presetClass="entr" presetSubtype="0" fill="hold" grpId="0" nodeType="withEffect">
+                                  <p:stCondLst>
+                                    <p:cond delay="0"/>
+                                  </p:stCondLst>
+                                  <p:childTnLst>
+                                    <p:set>
+                                      <p:cBhvr>
+                                        <p:cTn id="132" dur="1" fill="hold">
+                                          <p:stCondLst>
+                                            <p:cond delay="0"/>
+                                          </p:stCondLst>
+                                        </p:cTn>
+                                        <p:tgtEl>
+                                          <p:spTgt spid="61"/>
+                                        </p:tgtEl>
+                                        <p:attrNameLst>
+                                          <p:attrName>style.visibility</p:attrName>
+                                        </p:attrNameLst>
+                                      </p:cBhvr>
+                                      <p:to>
+                                        <p:strVal val="visible"/>
+                                      </p:to>
+                                    </p:set>
+                                    <p:anim calcmode="lin" valueType="num">
+                                      <p:cBhvr>
+                                        <p:cTn id="133" dur="500" fill="hold"/>
+                                        <p:tgtEl>
+                                          <p:spTgt spid="61"/>
+                                        </p:tgtEl>
+                                        <p:attrNameLst>
+                                          <p:attrName>ppt_w</p:attrName>
+                                        </p:attrNameLst>
+                                      </p:cBhvr>
+                                      <p:tavLst>
+                                        <p:tav tm="0">
+                                          <p:val>
+                                            <p:fltVal val="0"/>
+                                          </p:val>
+                                        </p:tav>
+                                        <p:tav tm="100000">
+                                          <p:val>
+                                            <p:strVal val="#ppt_w"/>
+                                          </p:val>
+                                        </p:tav>
+                                      </p:tavLst>
+                                    </p:anim>
+                                    <p:anim calcmode="lin" valueType="num">
+                                      <p:cBhvr>
+                                        <p:cTn id="134" dur="500" fill="hold"/>
+                                        <p:tgtEl>
+                                          <p:spTgt spid="61"/>
+                                        </p:tgtEl>
+                                        <p:attrNameLst>
+                                          <p:attrName>ppt_h</p:attrName>
+                                        </p:attrNameLst>
+                                      </p:cBhvr>
+                                      <p:tavLst>
+                                        <p:tav tm="0">
+                                          <p:val>
+                                            <p:fltVal val="0"/>
+                                          </p:val>
+                                        </p:tav>
+                                        <p:tav tm="100000">
+                                          <p:val>
+                                            <p:strVal val="#ppt_h"/>
+                                          </p:val>
+                                        </p:tav>
+                                      </p:tavLst>
+                                    </p:anim>
+                                    <p:animEffect transition="in" filter="fade">
+                                      <p:cBhvr>
+                                        <p:cTn id="135" dur="500"/>
+                                        <p:tgtEl>
+                                          <p:spTgt spid="61"/>
+                                        </p:tgtEl>
+                                      </p:cBhvr>
+                                    </p:animEffect>
+                                  </p:childTnLst>
+                                </p:cTn>
+                              </p:par>
+                            </p:childTnLst>
+                          </p:cTn>
+                        </p:par>
+                      </p:childTnLst>
+                    </p:cTn>
+                  </p:par>
+                  <p:par>
+                    <p:cTn id="136" fill="hold">
+                      <p:stCondLst>
+                        <p:cond delay="indefinite"/>
+                      </p:stCondLst>
+                      <p:childTnLst>
+                        <p:par>
+                          <p:cTn id="137" fill="hold">
+                            <p:stCondLst>
+                              <p:cond delay="0"/>
+                            </p:stCondLst>
+                            <p:childTnLst>
+                              <p:par>
+                                <p:cTn id="138" presetID="53" presetClass="entr" presetSubtype="0" fill="hold" nodeType="clickEffect">
+                                  <p:stCondLst>
+                                    <p:cond delay="0"/>
+                                  </p:stCondLst>
+                                  <p:childTnLst>
+                                    <p:set>
+                                      <p:cBhvr>
+                                        <p:cTn id="139" dur="1" fill="hold">
+                                          <p:stCondLst>
+                                            <p:cond delay="0"/>
+                                          </p:stCondLst>
+                                        </p:cTn>
+                                        <p:tgtEl>
+                                          <p:spTgt spid="56"/>
+                                        </p:tgtEl>
+                                        <p:attrNameLst>
+                                          <p:attrName>style.visibility</p:attrName>
+                                        </p:attrNameLst>
+                                      </p:cBhvr>
+                                      <p:to>
+                                        <p:strVal val="visible"/>
+                                      </p:to>
+                                    </p:set>
+                                    <p:anim calcmode="lin" valueType="num">
+                                      <p:cBhvr>
+                                        <p:cTn id="140" dur="500" fill="hold"/>
+                                        <p:tgtEl>
+                                          <p:spTgt spid="56"/>
+                                        </p:tgtEl>
+                                        <p:attrNameLst>
+                                          <p:attrName>ppt_w</p:attrName>
+                                        </p:attrNameLst>
+                                      </p:cBhvr>
+                                      <p:tavLst>
+                                        <p:tav tm="0">
+                                          <p:val>
+                                            <p:fltVal val="0"/>
+                                          </p:val>
+                                        </p:tav>
+                                        <p:tav tm="100000">
+                                          <p:val>
+                                            <p:strVal val="#ppt_w"/>
+                                          </p:val>
+                                        </p:tav>
+                                      </p:tavLst>
+                                    </p:anim>
+                                    <p:anim calcmode="lin" valueType="num">
+                                      <p:cBhvr>
+                                        <p:cTn id="141" dur="500" fill="hold"/>
+                                        <p:tgtEl>
+                                          <p:spTgt spid="56"/>
+                                        </p:tgtEl>
+                                        <p:attrNameLst>
+                                          <p:attrName>ppt_h</p:attrName>
+                                        </p:attrNameLst>
+                                      </p:cBhvr>
+                                      <p:tavLst>
+                                        <p:tav tm="0">
+                                          <p:val>
+                                            <p:fltVal val="0"/>
+                                          </p:val>
+                                        </p:tav>
+                                        <p:tav tm="100000">
+                                          <p:val>
+                                            <p:strVal val="#ppt_h"/>
+                                          </p:val>
+                                        </p:tav>
+                                      </p:tavLst>
+                                    </p:anim>
+                                    <p:animEffect transition="in" filter="fade">
+                                      <p:cBhvr>
+                                        <p:cTn id="142" dur="500"/>
+                                        <p:tgtEl>
+                                          <p:spTgt spid="56"/>
+                                        </p:tgtEl>
+                                      </p:cBhvr>
+                                    </p:animEffect>
+                                  </p:childTnLst>
+                                </p:cTn>
+                              </p:par>
+                              <p:par>
+                                <p:cTn id="143" presetID="53" presetClass="entr" presetSubtype="0" fill="hold" grpId="0" nodeType="withEffect">
+                                  <p:stCondLst>
+                                    <p:cond delay="0"/>
+                                  </p:stCondLst>
+                                  <p:childTnLst>
+                                    <p:set>
+                                      <p:cBhvr>
+                                        <p:cTn id="144" dur="1" fill="hold">
+                                          <p:stCondLst>
+                                            <p:cond delay="0"/>
+                                          </p:stCondLst>
+                                        </p:cTn>
+                                        <p:tgtEl>
+                                          <p:spTgt spid="64"/>
+                                        </p:tgtEl>
+                                        <p:attrNameLst>
+                                          <p:attrName>style.visibility</p:attrName>
+                                        </p:attrNameLst>
+                                      </p:cBhvr>
+                                      <p:to>
+                                        <p:strVal val="visible"/>
+                                      </p:to>
+                                    </p:set>
+                                    <p:anim calcmode="lin" valueType="num">
+                                      <p:cBhvr>
+                                        <p:cTn id="145" dur="500" fill="hold"/>
+                                        <p:tgtEl>
+                                          <p:spTgt spid="64"/>
+                                        </p:tgtEl>
+                                        <p:attrNameLst>
+                                          <p:attrName>ppt_w</p:attrName>
+                                        </p:attrNameLst>
+                                      </p:cBhvr>
+                                      <p:tavLst>
+                                        <p:tav tm="0">
+                                          <p:val>
+                                            <p:fltVal val="0"/>
+                                          </p:val>
+                                        </p:tav>
+                                        <p:tav tm="100000">
+                                          <p:val>
+                                            <p:strVal val="#ppt_w"/>
+                                          </p:val>
+                                        </p:tav>
+                                      </p:tavLst>
+                                    </p:anim>
+                                    <p:anim calcmode="lin" valueType="num">
+                                      <p:cBhvr>
+                                        <p:cTn id="146" dur="500" fill="hold"/>
+                                        <p:tgtEl>
+                                          <p:spTgt spid="64"/>
+                                        </p:tgtEl>
+                                        <p:attrNameLst>
+                                          <p:attrName>ppt_h</p:attrName>
+                                        </p:attrNameLst>
+                                      </p:cBhvr>
+                                      <p:tavLst>
+                                        <p:tav tm="0">
+                                          <p:val>
+                                            <p:fltVal val="0"/>
+                                          </p:val>
+                                        </p:tav>
+                                        <p:tav tm="100000">
+                                          <p:val>
+                                            <p:strVal val="#ppt_h"/>
+                                          </p:val>
+                                        </p:tav>
+                                      </p:tavLst>
+                                    </p:anim>
+                                    <p:animEffect transition="in" filter="fade">
+                                      <p:cBhvr>
+                                        <p:cTn id="147" dur="500"/>
+                                        <p:tgtEl>
+                                          <p:spTgt spid="64"/>
+                                        </p:tgtEl>
+                                      </p:cBhvr>
+                                    </p:animEffect>
+                                  </p:childTnLst>
+                                </p:cTn>
+                              </p:par>
+                            </p:childTnLst>
+                          </p:cTn>
+                        </p:par>
+                      </p:childTnLst>
+                    </p:cTn>
+                  </p:par>
+                  <p:par>
+                    <p:cTn id="148" fill="hold">
+                      <p:stCondLst>
+                        <p:cond delay="indefinite"/>
+                      </p:stCondLst>
+                      <p:childTnLst>
+                        <p:par>
+                          <p:cTn id="149" fill="hold">
+                            <p:stCondLst>
+                              <p:cond delay="0"/>
+                            </p:stCondLst>
+                            <p:childTnLst>
+                              <p:par>
+                                <p:cTn id="150" presetID="53" presetClass="entr" presetSubtype="0" fill="hold" grpId="0" nodeType="clickEffect">
+                                  <p:stCondLst>
+                                    <p:cond delay="0"/>
+                                  </p:stCondLst>
+                                  <p:childTnLst>
+                                    <p:set>
+                                      <p:cBhvr>
+                                        <p:cTn id="151" dur="1" fill="hold">
+                                          <p:stCondLst>
+                                            <p:cond delay="0"/>
+                                          </p:stCondLst>
+                                        </p:cTn>
+                                        <p:tgtEl>
+                                          <p:spTgt spid="68"/>
+                                        </p:tgtEl>
+                                        <p:attrNameLst>
+                                          <p:attrName>style.visibility</p:attrName>
+                                        </p:attrNameLst>
+                                      </p:cBhvr>
+                                      <p:to>
+                                        <p:strVal val="visible"/>
+                                      </p:to>
+                                    </p:set>
+                                    <p:anim calcmode="lin" valueType="num">
+                                      <p:cBhvr>
+                                        <p:cTn id="152" dur="500" fill="hold"/>
+                                        <p:tgtEl>
+                                          <p:spTgt spid="68"/>
+                                        </p:tgtEl>
+                                        <p:attrNameLst>
+                                          <p:attrName>ppt_w</p:attrName>
+                                        </p:attrNameLst>
+                                      </p:cBhvr>
+                                      <p:tavLst>
+                                        <p:tav tm="0">
+                                          <p:val>
+                                            <p:fltVal val="0"/>
+                                          </p:val>
+                                        </p:tav>
+                                        <p:tav tm="100000">
+                                          <p:val>
+                                            <p:strVal val="#ppt_w"/>
+                                          </p:val>
+                                        </p:tav>
+                                      </p:tavLst>
+                                    </p:anim>
+                                    <p:anim calcmode="lin" valueType="num">
+                                      <p:cBhvr>
+                                        <p:cTn id="153" dur="500" fill="hold"/>
+                                        <p:tgtEl>
+                                          <p:spTgt spid="68"/>
+                                        </p:tgtEl>
+                                        <p:attrNameLst>
+                                          <p:attrName>ppt_h</p:attrName>
+                                        </p:attrNameLst>
+                                      </p:cBhvr>
+                                      <p:tavLst>
+                                        <p:tav tm="0">
+                                          <p:val>
+                                            <p:fltVal val="0"/>
+                                          </p:val>
+                                        </p:tav>
+                                        <p:tav tm="100000">
+                                          <p:val>
+                                            <p:strVal val="#ppt_h"/>
+                                          </p:val>
+                                        </p:tav>
+                                      </p:tavLst>
+                                    </p:anim>
+                                    <p:animEffect transition="in" filter="fade">
+                                      <p:cBhvr>
+                                        <p:cTn id="154" dur="500"/>
+                                        <p:tgtEl>
+                                          <p:spTgt spid="68"/>
+                                        </p:tgtEl>
+                                      </p:cBhvr>
+                                    </p:animEffect>
+                                  </p:childTnLst>
+                                </p:cTn>
+                              </p:par>
+                              <p:par>
+                                <p:cTn id="155" presetID="53" presetClass="entr" presetSubtype="0" fill="hold" nodeType="withEffect">
+                                  <p:stCondLst>
+                                    <p:cond delay="0"/>
+                                  </p:stCondLst>
+                                  <p:childTnLst>
+                                    <p:set>
+                                      <p:cBhvr>
+                                        <p:cTn id="156" dur="1" fill="hold">
+                                          <p:stCondLst>
+                                            <p:cond delay="0"/>
+                                          </p:stCondLst>
+                                        </p:cTn>
+                                        <p:tgtEl>
+                                          <p:spTgt spid="55"/>
+                                        </p:tgtEl>
+                                        <p:attrNameLst>
+                                          <p:attrName>style.visibility</p:attrName>
+                                        </p:attrNameLst>
+                                      </p:cBhvr>
+                                      <p:to>
+                                        <p:strVal val="visible"/>
+                                      </p:to>
+                                    </p:set>
+                                    <p:anim calcmode="lin" valueType="num">
+                                      <p:cBhvr>
+                                        <p:cTn id="157" dur="500" fill="hold"/>
+                                        <p:tgtEl>
+                                          <p:spTgt spid="55"/>
+                                        </p:tgtEl>
+                                        <p:attrNameLst>
+                                          <p:attrName>ppt_w</p:attrName>
+                                        </p:attrNameLst>
+                                      </p:cBhvr>
+                                      <p:tavLst>
+                                        <p:tav tm="0">
+                                          <p:val>
+                                            <p:fltVal val="0"/>
+                                          </p:val>
+                                        </p:tav>
+                                        <p:tav tm="100000">
+                                          <p:val>
+                                            <p:strVal val="#ppt_w"/>
+                                          </p:val>
+                                        </p:tav>
+                                      </p:tavLst>
+                                    </p:anim>
+                                    <p:anim calcmode="lin" valueType="num">
+                                      <p:cBhvr>
+                                        <p:cTn id="158" dur="500" fill="hold"/>
+                                        <p:tgtEl>
+                                          <p:spTgt spid="55"/>
+                                        </p:tgtEl>
+                                        <p:attrNameLst>
+                                          <p:attrName>ppt_h</p:attrName>
+                                        </p:attrNameLst>
+                                      </p:cBhvr>
+                                      <p:tavLst>
+                                        <p:tav tm="0">
+                                          <p:val>
+                                            <p:fltVal val="0"/>
+                                          </p:val>
+                                        </p:tav>
+                                        <p:tav tm="100000">
+                                          <p:val>
+                                            <p:strVal val="#ppt_h"/>
+                                          </p:val>
+                                        </p:tav>
+                                      </p:tavLst>
+                                    </p:anim>
+                                    <p:animEffect transition="in" filter="fade">
+                                      <p:cBhvr>
+                                        <p:cTn id="159" dur="500"/>
+                                        <p:tgtEl>
+                                          <p:spTgt spid="55"/>
+                                        </p:tgtEl>
+                                      </p:cBhvr>
+                                    </p:animEffect>
+                                  </p:childTnLst>
+                                </p:cTn>
+                              </p:par>
+                            </p:childTnLst>
+                          </p:cTn>
+                        </p:par>
+                      </p:childTnLst>
+                    </p:cTn>
+                  </p:par>
+                </p:childTnLst>
+              </p:cTn>
+              <p:prevCondLst>
+                <p:cond evt="onPrev" delay="0">
+                  <p:tgtEl>
+                    <p:sldTgt/>
+                  </p:tgtEl>
+                </p:cond>
+              </p:prevCondLst>
+              <p:nextCondLst>
+                <p:cond evt="onNext" delay="0">
+                  <p:tgtEl>
+                    <p:sldTgt/>
+                  </p:tgtEl>
+                </p:cond>
+              </p:nextCondLst>
+            </p:seq>
+          </p:childTnLst>
+        </p:cTn>
+      </p:par>
+    </p:tnLst>
+    <p:bldLst>
+      <p:bldP spid="58" grpId="0" animBg="1"/>
+      <p:bldP spid="60" grpId="0" animBg="1"/>
+      <p:bldP spid="61" grpId="0" animBg="1"/>
+      <p:bldP spid="64" grpId="0" animBg="1"/>
+      <p:bldP spid="68" grpId="0" animBg="1"/>
+      <p:bldP spid="70" grpId="0"/>
+      <p:bldP spid="71" grpId="0" animBg="1"/>
+      <p:bldP spid="73" grpId="0" animBg="1"/>
+      <p:bldP spid="74" grpId="0" animBg="1"/>
+      <p:bldP spid="77" grpId="0" animBg="1"/>
+      <p:bldP spid="81" grpId="0" animBg="1"/>
+      <p:bldP spid="82" grpId="0" animBg="1"/>
+      <p:bldP spid="84" grpId="0" animBg="1"/>
+      <p:bldP spid="86" grpId="0" animBg="1"/>
+    </p:bldLst>
+  </p:timing>
+</p:sld>
+</file>
+
+<file path=ppt/slides/slide11.xml><?xml version="1.0" encoding="utf-8"?>
+<p:sld xmlns:a="http://schemas.openxmlformats.org/drawingml/2006/main" xmlns:r="http://schemas.openxmlformats.org/officeDocument/2006/relationships" xmlns:p="http://schemas.openxmlformats.org/presentationml/2006/main">
+  <p:cSld>
+    <p:spTree>
+      <p:nvGrpSpPr>
+        <p:cNvPr id="1" name=""/>
+        <p:cNvGrpSpPr/>
+        <p:nvPr/>
+      </p:nvGrpSpPr>
+      <p:grpSpPr>
+        <a:xfrm>
+          <a:off x="0" y="0"/>
+          <a:ext cx="0" cy="0"/>
+          <a:chOff x="0" y="0"/>
+          <a:chExt cx="0" cy="0"/>
+        </a:xfrm>
+      </p:grpSpPr>
+      <p:grpSp>
+        <p:nvGrpSpPr>
+          <p:cNvPr id="2" name="10 Grupo"/>
+          <p:cNvGrpSpPr/>
+          <p:nvPr/>
+        </p:nvGrpSpPr>
+        <p:grpSpPr>
+          <a:xfrm>
+            <a:off x="0" y="548680"/>
+            <a:ext cx="9144000" cy="72008"/>
+            <a:chOff x="0" y="548680"/>
+            <a:chExt cx="9144000" cy="72008"/>
+          </a:xfrm>
+        </p:grpSpPr>
+        <p:sp>
+          <p:nvSpPr>
+            <p:cNvPr id="5" name="4 Rectángulo"/>
+            <p:cNvSpPr/>
+            <p:nvPr/>
+          </p:nvSpPr>
+          <p:spPr>
+            <a:xfrm>
+              <a:off x="2267744" y="548897"/>
+              <a:ext cx="6876256" cy="71214"/>
+            </a:xfrm>
+            <a:prstGeom prst="rect">
+              <a:avLst/>
+            </a:prstGeom>
+            <a:gradFill>
+              <a:gsLst>
+                <a:gs pos="0">
+                  <a:schemeClr val="bg1"/>
+                </a:gs>
+                <a:gs pos="100000">
+                  <a:schemeClr val="accent1"/>
+                </a:gs>
+                <a:gs pos="34000">
+                  <a:schemeClr val="accent1"/>
+                </a:gs>
+              </a:gsLst>
+              <a:lin ang="10800000" scaled="0"/>
+            </a:gradFill>
+            <a:ln>
+              <a:noFill/>
+            </a:ln>
+          </p:spPr>
+          <p:style>
+            <a:lnRef idx="2">
+              <a:schemeClr val="accent1">
+                <a:shade val="50000"/>
+              </a:schemeClr>
+            </a:lnRef>
+            <a:fillRef idx="1">
+              <a:schemeClr val="accent1"/>
+            </a:fillRef>
+            <a:effectRef idx="0">
+              <a:schemeClr val="accent1"/>
+            </a:effectRef>
+            <a:fontRef idx="minor">
+              <a:schemeClr val="lt1"/>
+            </a:fontRef>
+          </p:style>
+          <p:txBody>
+            <a:bodyPr rtlCol="0" anchor="ctr"/>
+            <a:lstStyle/>
+            <a:p>
+              <a:pPr algn="ctr"/>
+              <a:endParaRPr lang="es-AR"/>
+            </a:p>
+          </p:txBody>
+        </p:sp>
+        <p:sp>
+          <p:nvSpPr>
+            <p:cNvPr id="6" name="5 Rectángulo"/>
+            <p:cNvSpPr/>
+            <p:nvPr/>
+          </p:nvSpPr>
+          <p:spPr>
+            <a:xfrm>
+              <a:off x="0" y="548680"/>
+              <a:ext cx="2195736" cy="72008"/>
+            </a:xfrm>
+            <a:prstGeom prst="rect">
+              <a:avLst/>
+            </a:prstGeom>
+            <a:solidFill>
+              <a:schemeClr val="accent6">
+                <a:lumMod val="75000"/>
+              </a:schemeClr>
+            </a:solidFill>
+            <a:ln>
+              <a:noFill/>
+            </a:ln>
+          </p:spPr>
+          <p:style>
+            <a:lnRef idx="2">
+              <a:schemeClr val="accent1">
+                <a:shade val="50000"/>
+              </a:schemeClr>
+            </a:lnRef>
+            <a:fillRef idx="1">
+              <a:schemeClr val="accent1"/>
+            </a:fillRef>
+            <a:effectRef idx="0">
+              <a:schemeClr val="accent1"/>
+            </a:effectRef>
+            <a:fontRef idx="minor">
+              <a:schemeClr val="lt1"/>
+            </a:fontRef>
+          </p:style>
+          <p:txBody>
+            <a:bodyPr rtlCol="0" anchor="ctr"/>
+            <a:lstStyle/>
+            <a:p>
+              <a:pPr algn="ctr"/>
+              <a:endParaRPr lang="es-AR"/>
+            </a:p>
+          </p:txBody>
+        </p:sp>
+      </p:grpSp>
+      <p:grpSp>
+        <p:nvGrpSpPr>
+          <p:cNvPr id="3" name="9 Grupo"/>
+          <p:cNvGrpSpPr/>
+          <p:nvPr/>
+        </p:nvGrpSpPr>
+        <p:grpSpPr>
+          <a:xfrm>
+            <a:off x="0" y="0"/>
+            <a:ext cx="2287002" cy="572485"/>
+            <a:chOff x="4716016" y="1169851"/>
+            <a:chExt cx="2287002" cy="572485"/>
+          </a:xfrm>
+        </p:grpSpPr>
+        <p:pic>
+          <p:nvPicPr>
+            <p:cNvPr id="8" name="7 Imagen" descr="time.png"/>
+            <p:cNvPicPr>
+              <a:picLocks noChangeAspect="1"/>
+            </p:cNvPicPr>
+            <p:nvPr/>
+          </p:nvPicPr>
+          <p:blipFill>
+            <a:blip r:embed="rId2" cstate="print"/>
+            <a:stretch>
+              <a:fillRect/>
+            </a:stretch>
+          </p:blipFill>
+          <p:spPr>
+            <a:xfrm>
+              <a:off x="4716016" y="1169851"/>
+              <a:ext cx="629104" cy="572485"/>
+            </a:xfrm>
+            <a:prstGeom prst="rect">
+              <a:avLst/>
+            </a:prstGeom>
+          </p:spPr>
+        </p:pic>
+        <p:sp>
+          <p:nvSpPr>
+            <p:cNvPr id="9" name="8 CuadroTexto"/>
+            <p:cNvSpPr txBox="1"/>
+            <p:nvPr/>
+          </p:nvSpPr>
+          <p:spPr>
+            <a:xfrm>
+              <a:off x="5102344" y="1184940"/>
+              <a:ext cx="1900674" cy="523220"/>
+            </a:xfrm>
+            <a:prstGeom prst="rect">
+              <a:avLst/>
+            </a:prstGeom>
+            <a:noFill/>
+          </p:spPr>
+          <p:txBody>
+            <a:bodyPr wrap="square" rtlCol="0">
+              <a:spAutoFit/>
+            </a:bodyPr>
+            <a:lstStyle/>
+            <a:p>
+              <a:pPr algn="r"/>
+              <a:r>
+                <a:rPr lang="es-ES_tradnl" sz="2800" b="1" cap="all" dirty="0" smtClean="0">
+                  <a:solidFill>
+                    <a:srgbClr val="92D050"/>
+                  </a:solidFill>
+                  <a:effectLst>
+                    <a:reflection blurRad="12700" stA="48000" endA="300" endPos="55000" dir="5400000" sy="-90000" algn="bl" rotWithShape="0"/>
+                  </a:effectLst>
+                  <a:latin typeface="+mj-lt"/>
+                  <a:ea typeface="Verdana" pitchFamily="34" charset="0"/>
+                  <a:cs typeface="Verdana" pitchFamily="34" charset="0"/>
+                </a:rPr>
+                <a:t>TEMPORE</a:t>
+              </a:r>
+              <a:endParaRPr lang="es-AR" sz="2800" b="1" cap="all" dirty="0">
+                <a:solidFill>
+                  <a:srgbClr val="92D050"/>
+                </a:solidFill>
+                <a:effectLst>
+                  <a:reflection blurRad="12700" stA="48000" endA="300" endPos="55000" dir="5400000" sy="-90000" algn="bl" rotWithShape="0"/>
+                </a:effectLst>
+                <a:latin typeface="+mj-lt"/>
+                <a:ea typeface="Verdana" pitchFamily="34" charset="0"/>
+                <a:cs typeface="Verdana" pitchFamily="34" charset="0"/>
+              </a:endParaRPr>
+            </a:p>
+          </p:txBody>
+        </p:sp>
+      </p:grpSp>
+      <p:grpSp>
+        <p:nvGrpSpPr>
+          <p:cNvPr id="4" name="14 Grupo"/>
+          <p:cNvGrpSpPr/>
+          <p:nvPr/>
+        </p:nvGrpSpPr>
+        <p:grpSpPr>
+          <a:xfrm flipH="1">
+            <a:off x="0" y="6623079"/>
+            <a:ext cx="9144000" cy="45719"/>
+            <a:chOff x="0" y="548680"/>
+            <a:chExt cx="9144000" cy="72008"/>
+          </a:xfrm>
+        </p:grpSpPr>
+        <p:sp>
+          <p:nvSpPr>
+            <p:cNvPr id="16" name="15 Rectángulo"/>
+            <p:cNvSpPr/>
+            <p:nvPr/>
+          </p:nvSpPr>
+          <p:spPr>
+            <a:xfrm>
+              <a:off x="2267744" y="548897"/>
+              <a:ext cx="6876256" cy="71214"/>
+            </a:xfrm>
+            <a:prstGeom prst="rect">
+              <a:avLst/>
+            </a:prstGeom>
+            <a:gradFill>
+              <a:gsLst>
+                <a:gs pos="0">
+                  <a:schemeClr val="bg1"/>
+                </a:gs>
+                <a:gs pos="100000">
+                  <a:schemeClr val="accent1"/>
+                </a:gs>
+                <a:gs pos="34000">
+                  <a:schemeClr val="accent1"/>
+                </a:gs>
+              </a:gsLst>
+              <a:lin ang="10800000" scaled="0"/>
+            </a:gradFill>
+            <a:ln>
+              <a:noFill/>
+            </a:ln>
+          </p:spPr>
+          <p:style>
+            <a:lnRef idx="2">
+              <a:schemeClr val="accent1">
+                <a:shade val="50000"/>
+              </a:schemeClr>
+            </a:lnRef>
+            <a:fillRef idx="1">
+              <a:schemeClr val="accent1"/>
+            </a:fillRef>
+            <a:effectRef idx="0">
+              <a:schemeClr val="accent1"/>
+            </a:effectRef>
+            <a:fontRef idx="minor">
+              <a:schemeClr val="lt1"/>
+            </a:fontRef>
+          </p:style>
+          <p:txBody>
+            <a:bodyPr rtlCol="0" anchor="ctr"/>
+            <a:lstStyle/>
+            <a:p>
+              <a:pPr algn="ctr"/>
+              <a:endParaRPr lang="es-AR"/>
+            </a:p>
+          </p:txBody>
+        </p:sp>
+        <p:sp>
+          <p:nvSpPr>
+            <p:cNvPr id="17" name="16 Rectángulo"/>
+            <p:cNvSpPr/>
+            <p:nvPr/>
+          </p:nvSpPr>
+          <p:spPr>
+            <a:xfrm>
+              <a:off x="0" y="548680"/>
+              <a:ext cx="2195736" cy="72008"/>
+            </a:xfrm>
+            <a:prstGeom prst="rect">
+              <a:avLst/>
+            </a:prstGeom>
+            <a:solidFill>
+              <a:schemeClr val="accent6">
+                <a:lumMod val="75000"/>
+              </a:schemeClr>
+            </a:solidFill>
+            <a:ln>
+              <a:noFill/>
+            </a:ln>
+          </p:spPr>
+          <p:style>
+            <a:lnRef idx="2">
+              <a:schemeClr val="accent1">
+                <a:shade val="50000"/>
+              </a:schemeClr>
+            </a:lnRef>
+            <a:fillRef idx="1">
+              <a:schemeClr val="accent1"/>
+            </a:fillRef>
+            <a:effectRef idx="0">
+              <a:schemeClr val="accent1"/>
+            </a:effectRef>
+            <a:fontRef idx="minor">
+              <a:schemeClr val="lt1"/>
+            </a:fontRef>
+          </p:style>
+          <p:txBody>
+            <a:bodyPr rtlCol="0" anchor="ctr"/>
+            <a:lstStyle/>
+            <a:p>
+              <a:pPr algn="ctr"/>
+              <a:endParaRPr lang="es-AR"/>
+            </a:p>
+          </p:txBody>
+        </p:sp>
+      </p:grpSp>
+      <p:sp>
+        <p:nvSpPr>
+          <p:cNvPr id="18" name="3 Marcador de pie de página"/>
+          <p:cNvSpPr>
+            <a:spLocks noGrp="1"/>
+          </p:cNvSpPr>
+          <p:nvPr>
+            <p:ph type="ftr" sz="quarter" idx="11"/>
+          </p:nvPr>
+        </p:nvSpPr>
+        <p:spPr>
+          <a:xfrm>
+            <a:off x="4623712" y="6575960"/>
+            <a:ext cx="5276880" cy="352404"/>
+          </a:xfrm>
+        </p:spPr>
+        <p:txBody>
+          <a:bodyPr/>
+          <a:lstStyle/>
+          <a:p>
+            <a:r>
+              <a:rPr lang="es-ES" sz="1000" dirty="0" smtClean="0">
+                <a:solidFill>
+                  <a:schemeClr val="accent1">
+                    <a:lumMod val="75000"/>
+                  </a:schemeClr>
+                </a:solidFill>
+                <a:latin typeface="+mj-lt"/>
+                <a:ea typeface="Verdana" pitchFamily="34" charset="0"/>
+                <a:cs typeface="Verdana" pitchFamily="34" charset="0"/>
+              </a:rPr>
+              <a:t>Facultad de Ingeniería de la Universidad de Buenos Aires – Marzo 2012</a:t>
+            </a:r>
+            <a:endParaRPr lang="es-ES" sz="1000" dirty="0">
+              <a:solidFill>
+                <a:schemeClr val="accent1">
+                  <a:lumMod val="75000"/>
+                </a:schemeClr>
+              </a:solidFill>
+              <a:latin typeface="+mj-lt"/>
+              <a:ea typeface="Verdana" pitchFamily="34" charset="0"/>
+              <a:cs typeface="Verdana" pitchFamily="34" charset="0"/>
+            </a:endParaRPr>
+          </a:p>
+        </p:txBody>
+      </p:sp>
+      <p:sp>
+        <p:nvSpPr>
+          <p:cNvPr id="21" name="20 Rectángulo"/>
+          <p:cNvSpPr/>
+          <p:nvPr/>
+        </p:nvSpPr>
+        <p:spPr>
+          <a:xfrm>
+            <a:off x="702836" y="859659"/>
             <a:ext cx="3583097" cy="461665"/>
           </a:xfrm>
           <a:prstGeom prst="rect">
@@ -25517,23 +29519,7 @@
                 <a:ea typeface="+mj-ea"/>
                 <a:cs typeface="+mj-cs"/>
               </a:rPr>
-              <a:t>Desafíos </a:t>
-            </a:r>
-            <a:r>
-              <a:rPr lang="es-ES" sz="2400" b="1" dirty="0" smtClean="0">
-                <a:solidFill>
-                  <a:schemeClr val="accent1">
-                    <a:lumMod val="75000"/>
-                  </a:schemeClr>
-                </a:solidFill>
-                <a:effectLst>
-                  <a:reflection blurRad="12700" stA="48000" endA="300" endPos="55000" dir="5400000" sy="-90000" algn="bl" rotWithShape="0"/>
-                </a:effectLst>
-                <a:latin typeface="+mj-lt"/>
-                <a:ea typeface="+mj-ea"/>
-                <a:cs typeface="+mj-cs"/>
-              </a:rPr>
-              <a:t>Superados (cont.)</a:t>
+              <a:t>Desafíos Superados (cont.)</a:t>
             </a:r>
             <a:endParaRPr lang="es-ES" sz="2400" b="1" cap="all" dirty="0" smtClean="0">
               <a:solidFill>
@@ -25868,39 +29854,7 @@
                   <a:schemeClr val="bg1"/>
                 </a:solidFill>
               </a:rPr>
-              <a:t>Dificultad </a:t>
-            </a:r>
-            <a:r>
-              <a:rPr lang="es-AR" sz="1050" b="1" dirty="0" smtClean="0">
-                <a:solidFill>
-                  <a:schemeClr val="bg1"/>
-                </a:solidFill>
-              </a:rPr>
-              <a:t>en </a:t>
-            </a:r>
-            <a:r>
-              <a:rPr lang="es-AR" sz="1050" b="1" dirty="0" smtClean="0">
-                <a:solidFill>
-                  <a:schemeClr val="bg1"/>
-                </a:solidFill>
-              </a:rPr>
-              <a:t>separar </a:t>
-            </a:r>
-            <a:r>
-              <a:rPr lang="es-AR" sz="1050" b="1" dirty="0" smtClean="0">
-                <a:solidFill>
-                  <a:schemeClr val="bg1"/>
-                </a:solidFill>
-              </a:rPr>
-              <a:t>la aplicación en diferentes proyectos </a:t>
-            </a:r>
-            <a:r>
-              <a:rPr lang="es-AR" sz="1050" b="1" dirty="0" smtClean="0">
-                <a:solidFill>
-                  <a:schemeClr val="bg1"/>
-                </a:solidFill>
-              </a:rPr>
-              <a:t>GWT</a:t>
+              <a:t>Dificultad en separar la aplicación en diferentes proyectos GWT</a:t>
             </a:r>
             <a:endParaRPr lang="es-ES" sz="1050" b="1" dirty="0" smtClean="0">
               <a:solidFill>
@@ -25951,63 +29905,7 @@
                   <a:schemeClr val="bg1"/>
                 </a:solidFill>
               </a:rPr>
-              <a:t>Eclipse </a:t>
-            </a:r>
-            <a:r>
-              <a:rPr lang="es-AR" sz="900" b="1" dirty="0" smtClean="0">
-                <a:solidFill>
-                  <a:schemeClr val="bg1"/>
-                </a:solidFill>
-              </a:rPr>
-              <a:t>no permite la integración de proyectos GWT </a:t>
-            </a:r>
-            <a:r>
-              <a:rPr lang="es-AR" sz="900" b="1" dirty="0" smtClean="0">
-                <a:solidFill>
-                  <a:schemeClr val="bg1"/>
-                </a:solidFill>
-              </a:rPr>
-              <a:t> como una </a:t>
-            </a:r>
-            <a:r>
-              <a:rPr lang="es-AR" sz="900" b="1" dirty="0" smtClean="0">
-                <a:solidFill>
-                  <a:schemeClr val="bg1"/>
-                </a:solidFill>
-              </a:rPr>
-              <a:t>aplicación </a:t>
-            </a:r>
-            <a:r>
-              <a:rPr lang="es-AR" sz="900" b="1" dirty="0" smtClean="0">
-                <a:solidFill>
-                  <a:schemeClr val="bg1"/>
-                </a:solidFill>
-              </a:rPr>
-              <a:t>JAVA. </a:t>
-            </a:r>
-            <a:r>
-              <a:rPr lang="es-AR" sz="900" b="1" dirty="0" smtClean="0">
-                <a:solidFill>
-                  <a:schemeClr val="bg1"/>
-                </a:solidFill>
-              </a:rPr>
-              <a:t>GWT </a:t>
-            </a:r>
-            <a:r>
-              <a:rPr lang="es-AR" sz="900" b="1" dirty="0" smtClean="0">
-                <a:solidFill>
-                  <a:schemeClr val="bg1"/>
-                </a:solidFill>
-              </a:rPr>
-              <a:t>busca </a:t>
-            </a:r>
-            <a:r>
-              <a:rPr lang="es-AR" sz="900" b="1" dirty="0" smtClean="0">
-                <a:solidFill>
-                  <a:schemeClr val="bg1"/>
-                </a:solidFill>
-              </a:rPr>
-              <a:t>su código en un único proyecto</a:t>
+              <a:t>Eclipse no permite la integración de proyectos GWT  como una aplicación JAVA. GWT busca su código en un único proyecto</a:t>
             </a:r>
             <a:endParaRPr lang="es-ES" sz="900" b="1" dirty="0" smtClean="0">
               <a:solidFill>
@@ -26244,15 +30142,7 @@
                   <a:schemeClr val="bg1"/>
                 </a:solidFill>
               </a:rPr>
-              <a:t> debía pensarse como una aplicación Java de escritorio (</a:t>
-            </a:r>
-            <a:r>
-              <a:rPr lang="es-AR" sz="1000" b="1" dirty="0" smtClean="0">
-                <a:solidFill>
-                  <a:schemeClr val="bg1"/>
-                </a:solidFill>
-              </a:rPr>
-              <a:t>swing)</a:t>
+              <a:t> debía pensarse como una aplicación Java de escritorio (swing)</a:t>
             </a:r>
             <a:endParaRPr lang="es-ES" sz="1050" b="1" dirty="0">
               <a:solidFill>
@@ -30671,7 +34561,7 @@
 </p:sld>
 </file>
 
-<file path=ppt/slides/slide11.xml><?xml version="1.0" encoding="utf-8"?>
+<file path=ppt/slides/slide12.xml><?xml version="1.0" encoding="utf-8"?>
 <p:sld xmlns:a="http://schemas.openxmlformats.org/drawingml/2006/main" xmlns:r="http://schemas.openxmlformats.org/officeDocument/2006/relationships" xmlns:p="http://schemas.openxmlformats.org/presentationml/2006/main">
   <p:cSld>
     <p:spTree>
@@ -31099,23 +34989,7 @@
                 <a:ea typeface="+mj-ea"/>
                 <a:cs typeface="+mj-cs"/>
               </a:rPr>
-              <a:t>Desafíos </a:t>
-            </a:r>
-            <a:r>
-              <a:rPr lang="es-ES" sz="2400" b="1" dirty="0" smtClean="0">
-                <a:solidFill>
-                  <a:schemeClr val="accent1">
-                    <a:lumMod val="75000"/>
-                  </a:schemeClr>
-                </a:solidFill>
-                <a:effectLst>
-                  <a:reflection blurRad="12700" stA="48000" endA="300" endPos="55000" dir="5400000" sy="-90000" algn="bl" rotWithShape="0"/>
-                </a:effectLst>
-                <a:latin typeface="+mj-lt"/>
-                <a:ea typeface="+mj-ea"/>
-                <a:cs typeface="+mj-cs"/>
-              </a:rPr>
-              <a:t>Superados (cont.)</a:t>
+              <a:t>Desafíos Superados (cont.)</a:t>
             </a:r>
             <a:endParaRPr lang="es-ES" sz="2400" b="1" cap="all" dirty="0" smtClean="0">
               <a:solidFill>
@@ -31575,7 +35449,7 @@
 </p:sld>
 </file>
 
-<file path=ppt/slides/slide12.xml><?xml version="1.0" encoding="utf-8"?>
+<file path=ppt/slides/slide13.xml><?xml version="1.0" encoding="utf-8"?>
 <p:sld xmlns:a="http://schemas.openxmlformats.org/drawingml/2006/main" xmlns:r="http://schemas.openxmlformats.org/officeDocument/2006/relationships" xmlns:p="http://schemas.openxmlformats.org/presentationml/2006/main">
   <p:cSld>
     <p:spTree>
@@ -32661,7 +36535,7 @@
 </p:sld>
 </file>
 
-<file path=ppt/slides/slide13.xml><?xml version="1.0" encoding="utf-8"?>
+<file path=ppt/slides/slide14.xml><?xml version="1.0" encoding="utf-8"?>
 <p:sld xmlns:a="http://schemas.openxmlformats.org/drawingml/2006/main" xmlns:r="http://schemas.openxmlformats.org/officeDocument/2006/relationships" xmlns:p="http://schemas.openxmlformats.org/presentationml/2006/main">
   <p:cSld>
     <p:spTree>
@@ -37331,7 +41205,7 @@
           <p:nvPr>
             <p:extLst>
               <p:ext uri="{D42A27DB-BD31-4B8C-83A1-F6EECF244321}">
-                <p14:modId xmlns="" xmlns:p14="http://schemas.microsoft.com/office/powerpoint/2010/main" val="154589695"/>
+                <p14:modId xmlns:p14="http://schemas.microsoft.com/office/powerpoint/2010/main" xmlns="" val="154589695"/>
               </p:ext>
             </p:extLst>
           </p:nvPr>
@@ -40624,6 +44498,645 @@
           <a:chExt cx="0" cy="0"/>
         </a:xfrm>
       </p:grpSpPr>
+      <p:grpSp>
+        <p:nvGrpSpPr>
+          <p:cNvPr id="2" name="10 Grupo"/>
+          <p:cNvGrpSpPr/>
+          <p:nvPr/>
+        </p:nvGrpSpPr>
+        <p:grpSpPr>
+          <a:xfrm>
+            <a:off x="0" y="548680"/>
+            <a:ext cx="9144000" cy="72008"/>
+            <a:chOff x="0" y="548680"/>
+            <a:chExt cx="9144000" cy="72008"/>
+          </a:xfrm>
+        </p:grpSpPr>
+        <p:sp>
+          <p:nvSpPr>
+            <p:cNvPr id="5" name="4 Rectángulo"/>
+            <p:cNvSpPr/>
+            <p:nvPr/>
+          </p:nvSpPr>
+          <p:spPr>
+            <a:xfrm>
+              <a:off x="2267744" y="548897"/>
+              <a:ext cx="6876256" cy="71214"/>
+            </a:xfrm>
+            <a:prstGeom prst="rect">
+              <a:avLst/>
+            </a:prstGeom>
+            <a:gradFill>
+              <a:gsLst>
+                <a:gs pos="0">
+                  <a:schemeClr val="bg1"/>
+                </a:gs>
+                <a:gs pos="100000">
+                  <a:schemeClr val="accent1"/>
+                </a:gs>
+                <a:gs pos="34000">
+                  <a:schemeClr val="accent1"/>
+                </a:gs>
+              </a:gsLst>
+              <a:lin ang="10800000" scaled="0"/>
+            </a:gradFill>
+            <a:ln>
+              <a:noFill/>
+            </a:ln>
+          </p:spPr>
+          <p:style>
+            <a:lnRef idx="2">
+              <a:schemeClr val="accent1">
+                <a:shade val="50000"/>
+              </a:schemeClr>
+            </a:lnRef>
+            <a:fillRef idx="1">
+              <a:schemeClr val="accent1"/>
+            </a:fillRef>
+            <a:effectRef idx="0">
+              <a:schemeClr val="accent1"/>
+            </a:effectRef>
+            <a:fontRef idx="minor">
+              <a:schemeClr val="lt1"/>
+            </a:fontRef>
+          </p:style>
+          <p:txBody>
+            <a:bodyPr rtlCol="0" anchor="ctr"/>
+            <a:lstStyle/>
+            <a:p>
+              <a:pPr algn="ctr"/>
+              <a:endParaRPr lang="es-AR"/>
+            </a:p>
+          </p:txBody>
+        </p:sp>
+        <p:sp>
+          <p:nvSpPr>
+            <p:cNvPr id="6" name="5 Rectángulo"/>
+            <p:cNvSpPr/>
+            <p:nvPr/>
+          </p:nvSpPr>
+          <p:spPr>
+            <a:xfrm>
+              <a:off x="0" y="548680"/>
+              <a:ext cx="2195736" cy="72008"/>
+            </a:xfrm>
+            <a:prstGeom prst="rect">
+              <a:avLst/>
+            </a:prstGeom>
+            <a:solidFill>
+              <a:schemeClr val="accent6">
+                <a:lumMod val="75000"/>
+              </a:schemeClr>
+            </a:solidFill>
+            <a:ln>
+              <a:noFill/>
+            </a:ln>
+          </p:spPr>
+          <p:style>
+            <a:lnRef idx="2">
+              <a:schemeClr val="accent1">
+                <a:shade val="50000"/>
+              </a:schemeClr>
+            </a:lnRef>
+            <a:fillRef idx="1">
+              <a:schemeClr val="accent1"/>
+            </a:fillRef>
+            <a:effectRef idx="0">
+              <a:schemeClr val="accent1"/>
+            </a:effectRef>
+            <a:fontRef idx="minor">
+              <a:schemeClr val="lt1"/>
+            </a:fontRef>
+          </p:style>
+          <p:txBody>
+            <a:bodyPr rtlCol="0" anchor="ctr"/>
+            <a:lstStyle/>
+            <a:p>
+              <a:pPr algn="ctr"/>
+              <a:endParaRPr lang="es-AR"/>
+            </a:p>
+          </p:txBody>
+        </p:sp>
+      </p:grpSp>
+      <p:grpSp>
+        <p:nvGrpSpPr>
+          <p:cNvPr id="3" name="9 Grupo"/>
+          <p:cNvGrpSpPr/>
+          <p:nvPr/>
+        </p:nvGrpSpPr>
+        <p:grpSpPr>
+          <a:xfrm>
+            <a:off x="0" y="0"/>
+            <a:ext cx="2287002" cy="572485"/>
+            <a:chOff x="4716016" y="1169851"/>
+            <a:chExt cx="2287002" cy="572485"/>
+          </a:xfrm>
+        </p:grpSpPr>
+        <p:pic>
+          <p:nvPicPr>
+            <p:cNvPr id="8" name="7 Imagen" descr="time.png"/>
+            <p:cNvPicPr>
+              <a:picLocks noChangeAspect="1"/>
+            </p:cNvPicPr>
+            <p:nvPr/>
+          </p:nvPicPr>
+          <p:blipFill>
+            <a:blip r:embed="rId2" cstate="print"/>
+            <a:stretch>
+              <a:fillRect/>
+            </a:stretch>
+          </p:blipFill>
+          <p:spPr>
+            <a:xfrm>
+              <a:off x="4716016" y="1169851"/>
+              <a:ext cx="629104" cy="572485"/>
+            </a:xfrm>
+            <a:prstGeom prst="rect">
+              <a:avLst/>
+            </a:prstGeom>
+          </p:spPr>
+        </p:pic>
+        <p:sp>
+          <p:nvSpPr>
+            <p:cNvPr id="9" name="8 CuadroTexto"/>
+            <p:cNvSpPr txBox="1"/>
+            <p:nvPr/>
+          </p:nvSpPr>
+          <p:spPr>
+            <a:xfrm>
+              <a:off x="5102344" y="1184940"/>
+              <a:ext cx="1900674" cy="523220"/>
+            </a:xfrm>
+            <a:prstGeom prst="rect">
+              <a:avLst/>
+            </a:prstGeom>
+            <a:noFill/>
+          </p:spPr>
+          <p:txBody>
+            <a:bodyPr wrap="square" rtlCol="0">
+              <a:spAutoFit/>
+            </a:bodyPr>
+            <a:lstStyle/>
+            <a:p>
+              <a:pPr algn="r"/>
+              <a:r>
+                <a:rPr lang="es-ES_tradnl" sz="2800" b="1" cap="all" dirty="0" smtClean="0">
+                  <a:solidFill>
+                    <a:srgbClr val="92D050"/>
+                  </a:solidFill>
+                  <a:effectLst>
+                    <a:reflection blurRad="12700" stA="48000" endA="300" endPos="55000" dir="5400000" sy="-90000" algn="bl" rotWithShape="0"/>
+                  </a:effectLst>
+                  <a:latin typeface="+mj-lt"/>
+                  <a:ea typeface="Verdana" pitchFamily="34" charset="0"/>
+                  <a:cs typeface="Verdana" pitchFamily="34" charset="0"/>
+                </a:rPr>
+                <a:t>TEMPORE</a:t>
+              </a:r>
+              <a:endParaRPr lang="es-AR" sz="2800" b="1" cap="all" dirty="0">
+                <a:solidFill>
+                  <a:srgbClr val="92D050"/>
+                </a:solidFill>
+                <a:effectLst>
+                  <a:reflection blurRad="12700" stA="48000" endA="300" endPos="55000" dir="5400000" sy="-90000" algn="bl" rotWithShape="0"/>
+                </a:effectLst>
+                <a:latin typeface="+mj-lt"/>
+                <a:ea typeface="Verdana" pitchFamily="34" charset="0"/>
+                <a:cs typeface="Verdana" pitchFamily="34" charset="0"/>
+              </a:endParaRPr>
+            </a:p>
+          </p:txBody>
+        </p:sp>
+      </p:grpSp>
+      <p:grpSp>
+        <p:nvGrpSpPr>
+          <p:cNvPr id="4" name="14 Grupo"/>
+          <p:cNvGrpSpPr/>
+          <p:nvPr/>
+        </p:nvGrpSpPr>
+        <p:grpSpPr>
+          <a:xfrm flipH="1">
+            <a:off x="0" y="6623079"/>
+            <a:ext cx="9144000" cy="45719"/>
+            <a:chOff x="0" y="548680"/>
+            <a:chExt cx="9144000" cy="72008"/>
+          </a:xfrm>
+        </p:grpSpPr>
+        <p:sp>
+          <p:nvSpPr>
+            <p:cNvPr id="16" name="15 Rectángulo"/>
+            <p:cNvSpPr/>
+            <p:nvPr/>
+          </p:nvSpPr>
+          <p:spPr>
+            <a:xfrm>
+              <a:off x="2267744" y="548897"/>
+              <a:ext cx="6876256" cy="71214"/>
+            </a:xfrm>
+            <a:prstGeom prst="rect">
+              <a:avLst/>
+            </a:prstGeom>
+            <a:gradFill>
+              <a:gsLst>
+                <a:gs pos="0">
+                  <a:schemeClr val="bg1"/>
+                </a:gs>
+                <a:gs pos="100000">
+                  <a:schemeClr val="accent1"/>
+                </a:gs>
+                <a:gs pos="34000">
+                  <a:schemeClr val="accent1"/>
+                </a:gs>
+              </a:gsLst>
+              <a:lin ang="10800000" scaled="0"/>
+            </a:gradFill>
+            <a:ln>
+              <a:noFill/>
+            </a:ln>
+          </p:spPr>
+          <p:style>
+            <a:lnRef idx="2">
+              <a:schemeClr val="accent1">
+                <a:shade val="50000"/>
+              </a:schemeClr>
+            </a:lnRef>
+            <a:fillRef idx="1">
+              <a:schemeClr val="accent1"/>
+            </a:fillRef>
+            <a:effectRef idx="0">
+              <a:schemeClr val="accent1"/>
+            </a:effectRef>
+            <a:fontRef idx="minor">
+              <a:schemeClr val="lt1"/>
+            </a:fontRef>
+          </p:style>
+          <p:txBody>
+            <a:bodyPr rtlCol="0" anchor="ctr"/>
+            <a:lstStyle/>
+            <a:p>
+              <a:pPr algn="ctr"/>
+              <a:endParaRPr lang="es-AR"/>
+            </a:p>
+          </p:txBody>
+        </p:sp>
+        <p:sp>
+          <p:nvSpPr>
+            <p:cNvPr id="17" name="16 Rectángulo"/>
+            <p:cNvSpPr/>
+            <p:nvPr/>
+          </p:nvSpPr>
+          <p:spPr>
+            <a:xfrm>
+              <a:off x="0" y="548680"/>
+              <a:ext cx="2195736" cy="72008"/>
+            </a:xfrm>
+            <a:prstGeom prst="rect">
+              <a:avLst/>
+            </a:prstGeom>
+            <a:solidFill>
+              <a:schemeClr val="accent6">
+                <a:lumMod val="75000"/>
+              </a:schemeClr>
+            </a:solidFill>
+            <a:ln>
+              <a:noFill/>
+            </a:ln>
+          </p:spPr>
+          <p:style>
+            <a:lnRef idx="2">
+              <a:schemeClr val="accent1">
+                <a:shade val="50000"/>
+              </a:schemeClr>
+            </a:lnRef>
+            <a:fillRef idx="1">
+              <a:schemeClr val="accent1"/>
+            </a:fillRef>
+            <a:effectRef idx="0">
+              <a:schemeClr val="accent1"/>
+            </a:effectRef>
+            <a:fontRef idx="minor">
+              <a:schemeClr val="lt1"/>
+            </a:fontRef>
+          </p:style>
+          <p:txBody>
+            <a:bodyPr rtlCol="0" anchor="ctr"/>
+            <a:lstStyle/>
+            <a:p>
+              <a:pPr algn="ctr"/>
+              <a:endParaRPr lang="es-AR"/>
+            </a:p>
+          </p:txBody>
+        </p:sp>
+      </p:grpSp>
+      <p:sp>
+        <p:nvSpPr>
+          <p:cNvPr id="18" name="3 Marcador de pie de página"/>
+          <p:cNvSpPr>
+            <a:spLocks noGrp="1"/>
+          </p:cNvSpPr>
+          <p:nvPr>
+            <p:ph type="ftr" sz="quarter" idx="11"/>
+          </p:nvPr>
+        </p:nvSpPr>
+        <p:spPr>
+          <a:xfrm>
+            <a:off x="4623712" y="6575960"/>
+            <a:ext cx="5276880" cy="352404"/>
+          </a:xfrm>
+        </p:spPr>
+        <p:txBody>
+          <a:bodyPr/>
+          <a:lstStyle/>
+          <a:p>
+            <a:r>
+              <a:rPr lang="es-ES" sz="1000" dirty="0" smtClean="0">
+                <a:solidFill>
+                  <a:schemeClr val="accent1">
+                    <a:lumMod val="75000"/>
+                  </a:schemeClr>
+                </a:solidFill>
+                <a:latin typeface="+mj-lt"/>
+                <a:ea typeface="Verdana" pitchFamily="34" charset="0"/>
+                <a:cs typeface="Verdana" pitchFamily="34" charset="0"/>
+              </a:rPr>
+              <a:t>Facultad de Ingeniería de la Universidad de Buenos Aires – Marzo 2012</a:t>
+            </a:r>
+            <a:endParaRPr lang="es-ES" sz="1000" dirty="0">
+              <a:solidFill>
+                <a:schemeClr val="accent1">
+                  <a:lumMod val="75000"/>
+                </a:schemeClr>
+              </a:solidFill>
+              <a:latin typeface="+mj-lt"/>
+              <a:ea typeface="Verdana" pitchFamily="34" charset="0"/>
+              <a:cs typeface="Verdana" pitchFamily="34" charset="0"/>
+            </a:endParaRPr>
+          </a:p>
+        </p:txBody>
+      </p:sp>
+      <p:sp>
+        <p:nvSpPr>
+          <p:cNvPr id="24" name="23 Rectángulo"/>
+          <p:cNvSpPr/>
+          <p:nvPr/>
+        </p:nvSpPr>
+        <p:spPr>
+          <a:xfrm>
+            <a:off x="702836" y="859659"/>
+            <a:ext cx="1349216" cy="461665"/>
+          </a:xfrm>
+          <a:prstGeom prst="rect">
+            <a:avLst/>
+          </a:prstGeom>
+        </p:spPr>
+        <p:txBody>
+          <a:bodyPr wrap="none">
+            <a:spAutoFit/>
+          </a:bodyPr>
+          <a:lstStyle/>
+          <a:p>
+            <a:r>
+              <a:rPr lang="es-ES" sz="2400" b="1" smtClean="0">
+                <a:solidFill>
+                  <a:schemeClr val="accent1">
+                    <a:lumMod val="75000"/>
+                  </a:schemeClr>
+                </a:solidFill>
+                <a:effectLst>
+                  <a:reflection blurRad="12700" stA="48000" endA="300" endPos="55000" dir="5400000" sy="-90000" algn="bl" rotWithShape="0"/>
+                </a:effectLst>
+                <a:latin typeface="+mj-lt"/>
+                <a:ea typeface="+mj-ea"/>
+                <a:cs typeface="+mj-cs"/>
+              </a:rPr>
+              <a:t>Ventajas </a:t>
+            </a:r>
+            <a:endParaRPr lang="es-ES" sz="2400" b="1" cap="all" dirty="0" smtClean="0">
+              <a:solidFill>
+                <a:schemeClr val="accent1">
+                  <a:lumMod val="75000"/>
+                </a:schemeClr>
+              </a:solidFill>
+              <a:effectLst>
+                <a:reflection blurRad="12700" stA="48000" endA="300" endPos="55000" dir="5400000" sy="-90000" algn="bl" rotWithShape="0"/>
+              </a:effectLst>
+              <a:latin typeface="+mj-lt"/>
+              <a:ea typeface="+mj-ea"/>
+              <a:cs typeface="+mj-cs"/>
+            </a:endParaRPr>
+          </a:p>
+        </p:txBody>
+      </p:sp>
+      <p:pic>
+        <p:nvPicPr>
+          <p:cNvPr id="26" name="25 Imagen" descr="presentacion.png"/>
+          <p:cNvPicPr>
+            <a:picLocks noChangeAspect="1"/>
+          </p:cNvPicPr>
+          <p:nvPr/>
+        </p:nvPicPr>
+        <p:blipFill>
+          <a:blip r:embed="rId3" cstate="print"/>
+          <a:stretch>
+            <a:fillRect/>
+          </a:stretch>
+        </p:blipFill>
+        <p:spPr>
+          <a:xfrm>
+            <a:off x="129600" y="810424"/>
+            <a:ext cx="590576" cy="590578"/>
+          </a:xfrm>
+          <a:prstGeom prst="rect">
+            <a:avLst/>
+          </a:prstGeom>
+        </p:spPr>
+      </p:pic>
+      <p:pic>
+        <p:nvPicPr>
+          <p:cNvPr id="1026" name="Picture 2"/>
+          <p:cNvPicPr>
+            <a:picLocks noChangeAspect="1" noChangeArrowheads="1"/>
+          </p:cNvPicPr>
+          <p:nvPr/>
+        </p:nvPicPr>
+        <p:blipFill>
+          <a:blip r:embed="rId4" cstate="print"/>
+          <a:srcRect/>
+          <a:stretch>
+            <a:fillRect/>
+          </a:stretch>
+        </p:blipFill>
+        <p:spPr bwMode="auto">
+          <a:xfrm>
+            <a:off x="377920" y="1844824"/>
+            <a:ext cx="8370544" cy="3601194"/>
+          </a:xfrm>
+          <a:prstGeom prst="rect">
+            <a:avLst/>
+          </a:prstGeom>
+          <a:noFill/>
+          <a:ln w="9525">
+            <a:noFill/>
+            <a:miter lim="800000"/>
+            <a:headEnd/>
+            <a:tailEnd/>
+          </a:ln>
+        </p:spPr>
+      </p:pic>
+    </p:spTree>
+  </p:cSld>
+  <p:clrMapOvr>
+    <a:masterClrMapping/>
+  </p:clrMapOvr>
+  <p:timing>
+    <p:tnLst>
+      <p:par>
+        <p:cTn id="1" dur="indefinite" restart="never" nodeType="tmRoot">
+          <p:childTnLst>
+            <p:seq concurrent="1" nextAc="seek">
+              <p:cTn id="2" dur="indefinite" nodeType="mainSeq">
+                <p:childTnLst>
+                  <p:par>
+                    <p:cTn id="3" fill="hold">
+                      <p:stCondLst>
+                        <p:cond delay="indefinite"/>
+                      </p:stCondLst>
+                      <p:childTnLst>
+                        <p:par>
+                          <p:cTn id="4" fill="hold">
+                            <p:stCondLst>
+                              <p:cond delay="0"/>
+                            </p:stCondLst>
+                            <p:childTnLst>
+                              <p:par>
+                                <p:cTn id="5" presetID="53" presetClass="entr" presetSubtype="0" fill="hold" nodeType="clickEffect">
+                                  <p:stCondLst>
+                                    <p:cond delay="0"/>
+                                  </p:stCondLst>
+                                  <p:childTnLst>
+                                    <p:set>
+                                      <p:cBhvr>
+                                        <p:cTn id="6" dur="1" fill="hold">
+                                          <p:stCondLst>
+                                            <p:cond delay="0"/>
+                                          </p:stCondLst>
+                                        </p:cTn>
+                                        <p:tgtEl>
+                                          <p:spTgt spid="1026"/>
+                                        </p:tgtEl>
+                                        <p:attrNameLst>
+                                          <p:attrName>style.visibility</p:attrName>
+                                        </p:attrNameLst>
+                                      </p:cBhvr>
+                                      <p:to>
+                                        <p:strVal val="visible"/>
+                                      </p:to>
+                                    </p:set>
+                                    <p:anim calcmode="lin" valueType="num">
+                                      <p:cBhvr>
+                                        <p:cTn id="7" dur="1000" fill="hold"/>
+                                        <p:tgtEl>
+                                          <p:spTgt spid="1026"/>
+                                        </p:tgtEl>
+                                        <p:attrNameLst>
+                                          <p:attrName>ppt_w</p:attrName>
+                                        </p:attrNameLst>
+                                      </p:cBhvr>
+                                      <p:tavLst>
+                                        <p:tav tm="0">
+                                          <p:val>
+                                            <p:fltVal val="0"/>
+                                          </p:val>
+                                        </p:tav>
+                                        <p:tav tm="100000">
+                                          <p:val>
+                                            <p:strVal val="#ppt_w"/>
+                                          </p:val>
+                                        </p:tav>
+                                      </p:tavLst>
+                                    </p:anim>
+                                    <p:anim calcmode="lin" valueType="num">
+                                      <p:cBhvr>
+                                        <p:cTn id="8" dur="1000" fill="hold"/>
+                                        <p:tgtEl>
+                                          <p:spTgt spid="1026"/>
+                                        </p:tgtEl>
+                                        <p:attrNameLst>
+                                          <p:attrName>ppt_h</p:attrName>
+                                        </p:attrNameLst>
+                                      </p:cBhvr>
+                                      <p:tavLst>
+                                        <p:tav tm="0">
+                                          <p:val>
+                                            <p:fltVal val="0"/>
+                                          </p:val>
+                                        </p:tav>
+                                        <p:tav tm="100000">
+                                          <p:val>
+                                            <p:strVal val="#ppt_h"/>
+                                          </p:val>
+                                        </p:tav>
+                                      </p:tavLst>
+                                    </p:anim>
+                                    <p:animEffect transition="in" filter="fade">
+                                      <p:cBhvr>
+                                        <p:cTn id="9" dur="1000"/>
+                                        <p:tgtEl>
+                                          <p:spTgt spid="1026"/>
+                                        </p:tgtEl>
+                                      </p:cBhvr>
+                                    </p:animEffect>
+                                  </p:childTnLst>
+                                </p:cTn>
+                              </p:par>
+                            </p:childTnLst>
+                          </p:cTn>
+                        </p:par>
+                      </p:childTnLst>
+                    </p:cTn>
+                  </p:par>
+                </p:childTnLst>
+              </p:cTn>
+              <p:prevCondLst>
+                <p:cond evt="onPrev" delay="0">
+                  <p:tgtEl>
+                    <p:sldTgt/>
+                  </p:tgtEl>
+                </p:cond>
+              </p:prevCondLst>
+              <p:nextCondLst>
+                <p:cond evt="onNext" delay="0">
+                  <p:tgtEl>
+                    <p:sldTgt/>
+                  </p:tgtEl>
+                </p:cond>
+              </p:nextCondLst>
+            </p:seq>
+          </p:childTnLst>
+        </p:cTn>
+      </p:par>
+    </p:tnLst>
+  </p:timing>
+</p:sld>
+</file>
+
+<file path=ppt/slides/slide7.xml><?xml version="1.0" encoding="utf-8"?>
+<p:sld xmlns:a="http://schemas.openxmlformats.org/drawingml/2006/main" xmlns:r="http://schemas.openxmlformats.org/officeDocument/2006/relationships" xmlns:p="http://schemas.openxmlformats.org/presentationml/2006/main">
+  <p:cSld>
+    <p:spTree>
+      <p:nvGrpSpPr>
+        <p:cNvPr id="1" name=""/>
+        <p:cNvGrpSpPr/>
+        <p:nvPr/>
+      </p:nvGrpSpPr>
+      <p:grpSpPr>
+        <a:xfrm>
+          <a:off x="0" y="0"/>
+          <a:ext cx="0" cy="0"/>
+          <a:chOff x="0" y="0"/>
+          <a:chExt cx="0" cy="0"/>
+        </a:xfrm>
+      </p:grpSpPr>
       <p:pic>
         <p:nvPicPr>
           <p:cNvPr id="22" name="21 Imagen" descr="reglanegocio.png"/>
@@ -42521,7 +47034,7 @@
 </p:sld>
 </file>
 
-<file path=ppt/slides/slide7.xml><?xml version="1.0" encoding="utf-8"?>
+<file path=ppt/slides/slide8.xml><?xml version="1.0" encoding="utf-8"?>
 <p:sld xmlns:a="http://schemas.openxmlformats.org/drawingml/2006/main" xmlns:r="http://schemas.openxmlformats.org/officeDocument/2006/relationships" xmlns:p="http://schemas.openxmlformats.org/presentationml/2006/main">
   <p:cSld>
     <p:spTree>
@@ -43439,7 +47952,7 @@
           <a:blip r:embed="rId3" cstate="print">
             <a:extLst>
               <a:ext uri="{28A0092B-C50C-407E-A947-70E740481C1C}">
-                <a14:useLocalDpi xmlns="" xmlns:a14="http://schemas.microsoft.com/office/drawing/2010/main" val="0"/>
+                <a14:useLocalDpi xmlns:a14="http://schemas.microsoft.com/office/drawing/2010/main" xmlns="" val="0"/>
               </a:ext>
             </a:extLst>
           </a:blip>
@@ -43469,7 +47982,7 @@
           <a:blip r:embed="rId4" cstate="print">
             <a:extLst>
               <a:ext uri="{28A0092B-C50C-407E-A947-70E740481C1C}">
-                <a14:useLocalDpi xmlns="" xmlns:a14="http://schemas.microsoft.com/office/drawing/2010/main" val="0"/>
+                <a14:useLocalDpi xmlns:a14="http://schemas.microsoft.com/office/drawing/2010/main" xmlns="" val="0"/>
               </a:ext>
             </a:extLst>
           </a:blip>
@@ -43499,7 +48012,7 @@
           <a:blip r:embed="rId5" cstate="print">
             <a:extLst>
               <a:ext uri="{28A0092B-C50C-407E-A947-70E740481C1C}">
-                <a14:useLocalDpi xmlns="" xmlns:a14="http://schemas.microsoft.com/office/drawing/2010/main" val="0"/>
+                <a14:useLocalDpi xmlns:a14="http://schemas.microsoft.com/office/drawing/2010/main" xmlns="" val="0"/>
               </a:ext>
             </a:extLst>
           </a:blip>
@@ -44625,19 +49138,6 @@
               </a:rPr>
               <a:t>¿Por qué GWT?</a:t>
             </a:r>
-            <a:endParaRPr lang="es-ES" sz="2000" b="1" dirty="0" smtClean="0">
-              <a:solidFill>
-                <a:schemeClr val="accent6">
-                  <a:lumMod val="75000"/>
-                </a:schemeClr>
-              </a:solidFill>
-              <a:effectLst>
-                <a:reflection blurRad="12700" stA="48000" endA="300" endPos="55000" dir="5400000" sy="-90000" algn="bl" rotWithShape="0"/>
-              </a:effectLst>
-              <a:latin typeface="+mj-lt"/>
-              <a:ea typeface="+mj-ea"/>
-              <a:cs typeface="+mj-cs"/>
-            </a:endParaRPr>
           </a:p>
         </p:txBody>
       </p:sp>
@@ -45303,7 +49803,7 @@
 </p:sld>
 </file>
 
-<file path=ppt/slides/slide8.xml><?xml version="1.0" encoding="utf-8"?>
+<file path=ppt/slides/slide9.xml><?xml version="1.0" encoding="utf-8"?>
 <p:sld xmlns:a="http://schemas.openxmlformats.org/drawingml/2006/main" xmlns:r="http://schemas.openxmlformats.org/officeDocument/2006/relationships" xmlns:p="http://schemas.openxmlformats.org/presentationml/2006/main">
   <p:cSld>
     <p:spTree>
@@ -45780,7 +50280,7 @@
           <p:nvPr>
             <p:extLst>
               <p:ext uri="{D42A27DB-BD31-4B8C-83A1-F6EECF244321}">
-                <p14:modId xmlns="" xmlns:p14="http://schemas.microsoft.com/office/powerpoint/2010/main" val="3564479324"/>
+                <p14:modId xmlns:p14="http://schemas.microsoft.com/office/powerpoint/2010/main" xmlns="" val="3564479324"/>
               </p:ext>
             </p:extLst>
           </p:nvPr>
@@ -46112,3995 +50612,6 @@
 </p:sld>
 </file>
 
-<file path=ppt/slides/slide9.xml><?xml version="1.0" encoding="utf-8"?>
-<p:sld xmlns:a="http://schemas.openxmlformats.org/drawingml/2006/main" xmlns:r="http://schemas.openxmlformats.org/officeDocument/2006/relationships" xmlns:p="http://schemas.openxmlformats.org/presentationml/2006/main">
-  <p:cSld>
-    <p:spTree>
-      <p:nvGrpSpPr>
-        <p:cNvPr id="1" name=""/>
-        <p:cNvGrpSpPr/>
-        <p:nvPr/>
-      </p:nvGrpSpPr>
-      <p:grpSpPr>
-        <a:xfrm>
-          <a:off x="0" y="0"/>
-          <a:ext cx="0" cy="0"/>
-          <a:chOff x="0" y="0"/>
-          <a:chExt cx="0" cy="0"/>
-        </a:xfrm>
-      </p:grpSpPr>
-      <p:grpSp>
-        <p:nvGrpSpPr>
-          <p:cNvPr id="2" name="10 Grupo"/>
-          <p:cNvGrpSpPr/>
-          <p:nvPr/>
-        </p:nvGrpSpPr>
-        <p:grpSpPr>
-          <a:xfrm>
-            <a:off x="0" y="548680"/>
-            <a:ext cx="9144000" cy="72008"/>
-            <a:chOff x="0" y="548680"/>
-            <a:chExt cx="9144000" cy="72008"/>
-          </a:xfrm>
-        </p:grpSpPr>
-        <p:sp>
-          <p:nvSpPr>
-            <p:cNvPr id="5" name="4 Rectángulo"/>
-            <p:cNvSpPr/>
-            <p:nvPr/>
-          </p:nvSpPr>
-          <p:spPr>
-            <a:xfrm>
-              <a:off x="2267744" y="548897"/>
-              <a:ext cx="6876256" cy="71214"/>
-            </a:xfrm>
-            <a:prstGeom prst="rect">
-              <a:avLst/>
-            </a:prstGeom>
-            <a:gradFill>
-              <a:gsLst>
-                <a:gs pos="0">
-                  <a:schemeClr val="bg1"/>
-                </a:gs>
-                <a:gs pos="100000">
-                  <a:schemeClr val="accent1"/>
-                </a:gs>
-                <a:gs pos="34000">
-                  <a:schemeClr val="accent1"/>
-                </a:gs>
-              </a:gsLst>
-              <a:lin ang="10800000" scaled="0"/>
-            </a:gradFill>
-            <a:ln>
-              <a:noFill/>
-            </a:ln>
-          </p:spPr>
-          <p:style>
-            <a:lnRef idx="2">
-              <a:schemeClr val="accent1">
-                <a:shade val="50000"/>
-              </a:schemeClr>
-            </a:lnRef>
-            <a:fillRef idx="1">
-              <a:schemeClr val="accent1"/>
-            </a:fillRef>
-            <a:effectRef idx="0">
-              <a:schemeClr val="accent1"/>
-            </a:effectRef>
-            <a:fontRef idx="minor">
-              <a:schemeClr val="lt1"/>
-            </a:fontRef>
-          </p:style>
-          <p:txBody>
-            <a:bodyPr rtlCol="0" anchor="ctr"/>
-            <a:lstStyle/>
-            <a:p>
-              <a:pPr algn="ctr"/>
-              <a:endParaRPr lang="es-AR"/>
-            </a:p>
-          </p:txBody>
-        </p:sp>
-        <p:sp>
-          <p:nvSpPr>
-            <p:cNvPr id="6" name="5 Rectángulo"/>
-            <p:cNvSpPr/>
-            <p:nvPr/>
-          </p:nvSpPr>
-          <p:spPr>
-            <a:xfrm>
-              <a:off x="0" y="548680"/>
-              <a:ext cx="2195736" cy="72008"/>
-            </a:xfrm>
-            <a:prstGeom prst="rect">
-              <a:avLst/>
-            </a:prstGeom>
-            <a:solidFill>
-              <a:schemeClr val="accent6">
-                <a:lumMod val="75000"/>
-              </a:schemeClr>
-            </a:solidFill>
-            <a:ln>
-              <a:noFill/>
-            </a:ln>
-          </p:spPr>
-          <p:style>
-            <a:lnRef idx="2">
-              <a:schemeClr val="accent1">
-                <a:shade val="50000"/>
-              </a:schemeClr>
-            </a:lnRef>
-            <a:fillRef idx="1">
-              <a:schemeClr val="accent1"/>
-            </a:fillRef>
-            <a:effectRef idx="0">
-              <a:schemeClr val="accent1"/>
-            </a:effectRef>
-            <a:fontRef idx="minor">
-              <a:schemeClr val="lt1"/>
-            </a:fontRef>
-          </p:style>
-          <p:txBody>
-            <a:bodyPr rtlCol="0" anchor="ctr"/>
-            <a:lstStyle/>
-            <a:p>
-              <a:pPr algn="ctr"/>
-              <a:endParaRPr lang="es-AR"/>
-            </a:p>
-          </p:txBody>
-        </p:sp>
-      </p:grpSp>
-      <p:grpSp>
-        <p:nvGrpSpPr>
-          <p:cNvPr id="3" name="9 Grupo"/>
-          <p:cNvGrpSpPr/>
-          <p:nvPr/>
-        </p:nvGrpSpPr>
-        <p:grpSpPr>
-          <a:xfrm>
-            <a:off x="0" y="0"/>
-            <a:ext cx="2287002" cy="572485"/>
-            <a:chOff x="4716016" y="1169851"/>
-            <a:chExt cx="2287002" cy="572485"/>
-          </a:xfrm>
-        </p:grpSpPr>
-        <p:pic>
-          <p:nvPicPr>
-            <p:cNvPr id="8" name="7 Imagen" descr="time.png"/>
-            <p:cNvPicPr>
-              <a:picLocks noChangeAspect="1"/>
-            </p:cNvPicPr>
-            <p:nvPr/>
-          </p:nvPicPr>
-          <p:blipFill>
-            <a:blip r:embed="rId2" cstate="print"/>
-            <a:stretch>
-              <a:fillRect/>
-            </a:stretch>
-          </p:blipFill>
-          <p:spPr>
-            <a:xfrm>
-              <a:off x="4716016" y="1169851"/>
-              <a:ext cx="629104" cy="572485"/>
-            </a:xfrm>
-            <a:prstGeom prst="rect">
-              <a:avLst/>
-            </a:prstGeom>
-          </p:spPr>
-        </p:pic>
-        <p:sp>
-          <p:nvSpPr>
-            <p:cNvPr id="9" name="8 CuadroTexto"/>
-            <p:cNvSpPr txBox="1"/>
-            <p:nvPr/>
-          </p:nvSpPr>
-          <p:spPr>
-            <a:xfrm>
-              <a:off x="5102344" y="1184940"/>
-              <a:ext cx="1900674" cy="523220"/>
-            </a:xfrm>
-            <a:prstGeom prst="rect">
-              <a:avLst/>
-            </a:prstGeom>
-            <a:noFill/>
-          </p:spPr>
-          <p:txBody>
-            <a:bodyPr wrap="square" rtlCol="0">
-              <a:spAutoFit/>
-            </a:bodyPr>
-            <a:lstStyle/>
-            <a:p>
-              <a:pPr algn="r"/>
-              <a:r>
-                <a:rPr lang="es-ES_tradnl" sz="2800" b="1" cap="all" dirty="0" smtClean="0">
-                  <a:solidFill>
-                    <a:srgbClr val="92D050"/>
-                  </a:solidFill>
-                  <a:effectLst>
-                    <a:reflection blurRad="12700" stA="48000" endA="300" endPos="55000" dir="5400000" sy="-90000" algn="bl" rotWithShape="0"/>
-                  </a:effectLst>
-                  <a:latin typeface="+mj-lt"/>
-                  <a:ea typeface="Verdana" pitchFamily="34" charset="0"/>
-                  <a:cs typeface="Verdana" pitchFamily="34" charset="0"/>
-                </a:rPr>
-                <a:t>TEMPORE</a:t>
-              </a:r>
-              <a:endParaRPr lang="es-AR" sz="2800" b="1" cap="all" dirty="0">
-                <a:solidFill>
-                  <a:srgbClr val="92D050"/>
-                </a:solidFill>
-                <a:effectLst>
-                  <a:reflection blurRad="12700" stA="48000" endA="300" endPos="55000" dir="5400000" sy="-90000" algn="bl" rotWithShape="0"/>
-                </a:effectLst>
-                <a:latin typeface="+mj-lt"/>
-                <a:ea typeface="Verdana" pitchFamily="34" charset="0"/>
-                <a:cs typeface="Verdana" pitchFamily="34" charset="0"/>
-              </a:endParaRPr>
-            </a:p>
-          </p:txBody>
-        </p:sp>
-      </p:grpSp>
-      <p:grpSp>
-        <p:nvGrpSpPr>
-          <p:cNvPr id="4" name="14 Grupo"/>
-          <p:cNvGrpSpPr/>
-          <p:nvPr/>
-        </p:nvGrpSpPr>
-        <p:grpSpPr>
-          <a:xfrm flipH="1">
-            <a:off x="0" y="6623079"/>
-            <a:ext cx="9144000" cy="45719"/>
-            <a:chOff x="0" y="548680"/>
-            <a:chExt cx="9144000" cy="72008"/>
-          </a:xfrm>
-        </p:grpSpPr>
-        <p:sp>
-          <p:nvSpPr>
-            <p:cNvPr id="16" name="15 Rectángulo"/>
-            <p:cNvSpPr/>
-            <p:nvPr/>
-          </p:nvSpPr>
-          <p:spPr>
-            <a:xfrm>
-              <a:off x="2267744" y="548897"/>
-              <a:ext cx="6876256" cy="71214"/>
-            </a:xfrm>
-            <a:prstGeom prst="rect">
-              <a:avLst/>
-            </a:prstGeom>
-            <a:gradFill>
-              <a:gsLst>
-                <a:gs pos="0">
-                  <a:schemeClr val="bg1"/>
-                </a:gs>
-                <a:gs pos="100000">
-                  <a:schemeClr val="accent1"/>
-                </a:gs>
-                <a:gs pos="34000">
-                  <a:schemeClr val="accent1"/>
-                </a:gs>
-              </a:gsLst>
-              <a:lin ang="10800000" scaled="0"/>
-            </a:gradFill>
-            <a:ln>
-              <a:noFill/>
-            </a:ln>
-          </p:spPr>
-          <p:style>
-            <a:lnRef idx="2">
-              <a:schemeClr val="accent1">
-                <a:shade val="50000"/>
-              </a:schemeClr>
-            </a:lnRef>
-            <a:fillRef idx="1">
-              <a:schemeClr val="accent1"/>
-            </a:fillRef>
-            <a:effectRef idx="0">
-              <a:schemeClr val="accent1"/>
-            </a:effectRef>
-            <a:fontRef idx="minor">
-              <a:schemeClr val="lt1"/>
-            </a:fontRef>
-          </p:style>
-          <p:txBody>
-            <a:bodyPr rtlCol="0" anchor="ctr"/>
-            <a:lstStyle/>
-            <a:p>
-              <a:pPr algn="ctr"/>
-              <a:endParaRPr lang="es-AR"/>
-            </a:p>
-          </p:txBody>
-        </p:sp>
-        <p:sp>
-          <p:nvSpPr>
-            <p:cNvPr id="17" name="16 Rectángulo"/>
-            <p:cNvSpPr/>
-            <p:nvPr/>
-          </p:nvSpPr>
-          <p:spPr>
-            <a:xfrm>
-              <a:off x="0" y="548680"/>
-              <a:ext cx="2195736" cy="72008"/>
-            </a:xfrm>
-            <a:prstGeom prst="rect">
-              <a:avLst/>
-            </a:prstGeom>
-            <a:solidFill>
-              <a:schemeClr val="accent6">
-                <a:lumMod val="75000"/>
-              </a:schemeClr>
-            </a:solidFill>
-            <a:ln>
-              <a:noFill/>
-            </a:ln>
-          </p:spPr>
-          <p:style>
-            <a:lnRef idx="2">
-              <a:schemeClr val="accent1">
-                <a:shade val="50000"/>
-              </a:schemeClr>
-            </a:lnRef>
-            <a:fillRef idx="1">
-              <a:schemeClr val="accent1"/>
-            </a:fillRef>
-            <a:effectRef idx="0">
-              <a:schemeClr val="accent1"/>
-            </a:effectRef>
-            <a:fontRef idx="minor">
-              <a:schemeClr val="lt1"/>
-            </a:fontRef>
-          </p:style>
-          <p:txBody>
-            <a:bodyPr rtlCol="0" anchor="ctr"/>
-            <a:lstStyle/>
-            <a:p>
-              <a:pPr algn="ctr"/>
-              <a:endParaRPr lang="es-AR"/>
-            </a:p>
-          </p:txBody>
-        </p:sp>
-      </p:grpSp>
-      <p:sp>
-        <p:nvSpPr>
-          <p:cNvPr id="18" name="3 Marcador de pie de página"/>
-          <p:cNvSpPr>
-            <a:spLocks noGrp="1"/>
-          </p:cNvSpPr>
-          <p:nvPr>
-            <p:ph type="ftr" sz="quarter" idx="11"/>
-          </p:nvPr>
-        </p:nvSpPr>
-        <p:spPr>
-          <a:xfrm>
-            <a:off x="4623712" y="6575960"/>
-            <a:ext cx="5276880" cy="352404"/>
-          </a:xfrm>
-        </p:spPr>
-        <p:txBody>
-          <a:bodyPr/>
-          <a:lstStyle/>
-          <a:p>
-            <a:r>
-              <a:rPr lang="es-ES" sz="1000" dirty="0" smtClean="0">
-                <a:solidFill>
-                  <a:schemeClr val="accent1">
-                    <a:lumMod val="75000"/>
-                  </a:schemeClr>
-                </a:solidFill>
-                <a:latin typeface="+mj-lt"/>
-                <a:ea typeface="Verdana" pitchFamily="34" charset="0"/>
-                <a:cs typeface="Verdana" pitchFamily="34" charset="0"/>
-              </a:rPr>
-              <a:t>Facultad de Ingeniería de la Universidad de Buenos Aires – Marzo 2012</a:t>
-            </a:r>
-            <a:endParaRPr lang="es-ES" sz="1000" dirty="0">
-              <a:solidFill>
-                <a:schemeClr val="accent1">
-                  <a:lumMod val="75000"/>
-                </a:schemeClr>
-              </a:solidFill>
-              <a:latin typeface="+mj-lt"/>
-              <a:ea typeface="Verdana" pitchFamily="34" charset="0"/>
-              <a:cs typeface="Verdana" pitchFamily="34" charset="0"/>
-            </a:endParaRPr>
-          </a:p>
-        </p:txBody>
-      </p:sp>
-      <p:sp>
-        <p:nvSpPr>
-          <p:cNvPr id="21" name="20 Rectángulo"/>
-          <p:cNvSpPr/>
-          <p:nvPr/>
-        </p:nvSpPr>
-        <p:spPr>
-          <a:xfrm>
-            <a:off x="702836" y="859659"/>
-            <a:ext cx="2678554" cy="461665"/>
-          </a:xfrm>
-          <a:prstGeom prst="rect">
-            <a:avLst/>
-          </a:prstGeom>
-        </p:spPr>
-        <p:txBody>
-          <a:bodyPr wrap="none">
-            <a:spAutoFit/>
-          </a:bodyPr>
-          <a:lstStyle/>
-          <a:p>
-            <a:r>
-              <a:rPr lang="es-ES" sz="2400" b="1" dirty="0" smtClean="0">
-                <a:solidFill>
-                  <a:schemeClr val="accent1">
-                    <a:lumMod val="75000"/>
-                  </a:schemeClr>
-                </a:solidFill>
-                <a:effectLst>
-                  <a:reflection blurRad="12700" stA="48000" endA="300" endPos="55000" dir="5400000" sy="-90000" algn="bl" rotWithShape="0"/>
-                </a:effectLst>
-                <a:latin typeface="+mj-lt"/>
-                <a:ea typeface="+mj-ea"/>
-                <a:cs typeface="+mj-cs"/>
-              </a:rPr>
-              <a:t>Desafíos Superados</a:t>
-            </a:r>
-            <a:endParaRPr lang="es-ES" sz="2400" b="1" cap="all" dirty="0" smtClean="0">
-              <a:solidFill>
-                <a:schemeClr val="accent1">
-                  <a:lumMod val="75000"/>
-                </a:schemeClr>
-              </a:solidFill>
-              <a:effectLst>
-                <a:reflection blurRad="12700" stA="48000" endA="300" endPos="55000" dir="5400000" sy="-90000" algn="bl" rotWithShape="0"/>
-              </a:effectLst>
-              <a:latin typeface="+mj-lt"/>
-              <a:ea typeface="+mj-ea"/>
-              <a:cs typeface="+mj-cs"/>
-            </a:endParaRPr>
-          </a:p>
-        </p:txBody>
-      </p:sp>
-      <p:pic>
-        <p:nvPicPr>
-          <p:cNvPr id="57" name="56 Imagen" descr="impedimentos.png"/>
-          <p:cNvPicPr>
-            <a:picLocks noChangeAspect="1"/>
-          </p:cNvPicPr>
-          <p:nvPr/>
-        </p:nvPicPr>
-        <p:blipFill>
-          <a:blip r:embed="rId3" cstate="print"/>
-          <a:stretch>
-            <a:fillRect/>
-          </a:stretch>
-        </p:blipFill>
-        <p:spPr>
-          <a:xfrm>
-            <a:off x="83689" y="840720"/>
-            <a:ext cx="615582" cy="509141"/>
-          </a:xfrm>
-          <a:prstGeom prst="rect">
-            <a:avLst/>
-          </a:prstGeom>
-        </p:spPr>
-      </p:pic>
-      <p:sp>
-        <p:nvSpPr>
-          <p:cNvPr id="58" name="57 Cheurón"/>
-          <p:cNvSpPr/>
-          <p:nvPr/>
-        </p:nvSpPr>
-        <p:spPr>
-          <a:xfrm>
-            <a:off x="1145634" y="4859010"/>
-            <a:ext cx="3699310" cy="428628"/>
-          </a:xfrm>
-          <a:prstGeom prst="chevron">
-            <a:avLst/>
-          </a:prstGeom>
-          <a:ln/>
-        </p:spPr>
-        <p:style>
-          <a:lnRef idx="0">
-            <a:schemeClr val="accent2"/>
-          </a:lnRef>
-          <a:fillRef idx="3">
-            <a:schemeClr val="accent2"/>
-          </a:fillRef>
-          <a:effectRef idx="3">
-            <a:schemeClr val="accent2"/>
-          </a:effectRef>
-          <a:fontRef idx="minor">
-            <a:schemeClr val="lt1"/>
-          </a:fontRef>
-        </p:style>
-        <p:txBody>
-          <a:bodyPr rtlCol="0" anchor="ctr"/>
-          <a:lstStyle/>
-          <a:p>
-            <a:pPr algn="ctr"/>
-            <a:r>
-              <a:rPr lang="es-AR" sz="1100" b="1" dirty="0" smtClean="0">
-                <a:solidFill>
-                  <a:schemeClr val="bg1"/>
-                </a:solidFill>
-              </a:rPr>
-              <a:t>Falta de conocimiento de la tecnología elegida</a:t>
-            </a:r>
-            <a:endParaRPr lang="es-ES" sz="1200" b="1" dirty="0">
-              <a:solidFill>
-                <a:schemeClr val="bg1"/>
-              </a:solidFill>
-            </a:endParaRPr>
-          </a:p>
-        </p:txBody>
-      </p:sp>
-      <p:sp>
-        <p:nvSpPr>
-          <p:cNvPr id="60" name="59 Cheurón"/>
-          <p:cNvSpPr/>
-          <p:nvPr/>
-        </p:nvSpPr>
-        <p:spPr>
-          <a:xfrm>
-            <a:off x="4702036" y="4849564"/>
-            <a:ext cx="3699310" cy="428628"/>
-          </a:xfrm>
-          <a:prstGeom prst="chevron">
-            <a:avLst/>
-          </a:prstGeom>
-          <a:ln/>
-        </p:spPr>
-        <p:style>
-          <a:lnRef idx="0">
-            <a:schemeClr val="accent3"/>
-          </a:lnRef>
-          <a:fillRef idx="3">
-            <a:schemeClr val="accent3"/>
-          </a:fillRef>
-          <a:effectRef idx="3">
-            <a:schemeClr val="accent3"/>
-          </a:effectRef>
-          <a:fontRef idx="minor">
-            <a:schemeClr val="lt1"/>
-          </a:fontRef>
-        </p:style>
-        <p:txBody>
-          <a:bodyPr rtlCol="0" anchor="ctr"/>
-          <a:lstStyle/>
-          <a:p>
-            <a:pPr algn="ctr"/>
-            <a:r>
-              <a:rPr lang="es-ES" sz="1100" b="1" dirty="0" smtClean="0">
-                <a:solidFill>
-                  <a:schemeClr val="bg1"/>
-                </a:solidFill>
-              </a:rPr>
-              <a:t>Previo conocimiento de JAVA y deseo de aprender nuevas cosas</a:t>
-            </a:r>
-            <a:endParaRPr lang="es-ES" sz="1050" dirty="0">
-              <a:solidFill>
-                <a:schemeClr val="tx1"/>
-              </a:solidFill>
-            </a:endParaRPr>
-          </a:p>
-        </p:txBody>
-      </p:sp>
-      <p:sp>
-        <p:nvSpPr>
-          <p:cNvPr id="61" name="60 Cheurón"/>
-          <p:cNvSpPr/>
-          <p:nvPr/>
-        </p:nvSpPr>
-        <p:spPr>
-          <a:xfrm>
-            <a:off x="1136188" y="5360843"/>
-            <a:ext cx="3699310" cy="428628"/>
-          </a:xfrm>
-          <a:prstGeom prst="chevron">
-            <a:avLst/>
-          </a:prstGeom>
-          <a:ln/>
-        </p:spPr>
-        <p:style>
-          <a:lnRef idx="0">
-            <a:schemeClr val="accent2"/>
-          </a:lnRef>
-          <a:fillRef idx="3">
-            <a:schemeClr val="accent2"/>
-          </a:fillRef>
-          <a:effectRef idx="3">
-            <a:schemeClr val="accent2"/>
-          </a:effectRef>
-          <a:fontRef idx="minor">
-            <a:schemeClr val="lt1"/>
-          </a:fontRef>
-        </p:style>
-        <p:txBody>
-          <a:bodyPr rtlCol="0" anchor="ctr"/>
-          <a:lstStyle/>
-          <a:p>
-            <a:pPr algn="ctr"/>
-            <a:r>
-              <a:rPr lang="es-AR" sz="1100" b="1" dirty="0" smtClean="0">
-                <a:solidFill>
-                  <a:schemeClr val="bg1"/>
-                </a:solidFill>
-              </a:rPr>
-              <a:t>Aprender nos llevó más de lo esperado</a:t>
-            </a:r>
-            <a:endParaRPr lang="es-ES" sz="1200" b="1" dirty="0">
-              <a:solidFill>
-                <a:schemeClr val="bg1"/>
-              </a:solidFill>
-            </a:endParaRPr>
-          </a:p>
-        </p:txBody>
-      </p:sp>
-      <p:sp>
-        <p:nvSpPr>
-          <p:cNvPr id="64" name="63 Cheurón"/>
-          <p:cNvSpPr/>
-          <p:nvPr/>
-        </p:nvSpPr>
-        <p:spPr>
-          <a:xfrm>
-            <a:off x="1124085" y="5860909"/>
-            <a:ext cx="3699310" cy="428628"/>
-          </a:xfrm>
-          <a:prstGeom prst="chevron">
-            <a:avLst/>
-          </a:prstGeom>
-          <a:ln/>
-        </p:spPr>
-        <p:style>
-          <a:lnRef idx="0">
-            <a:schemeClr val="accent2"/>
-          </a:lnRef>
-          <a:fillRef idx="3">
-            <a:schemeClr val="accent2"/>
-          </a:fillRef>
-          <a:effectRef idx="3">
-            <a:schemeClr val="accent2"/>
-          </a:effectRef>
-          <a:fontRef idx="minor">
-            <a:schemeClr val="lt1"/>
-          </a:fontRef>
-        </p:style>
-        <p:txBody>
-          <a:bodyPr rtlCol="0" anchor="ctr"/>
-          <a:lstStyle/>
-          <a:p>
-            <a:pPr algn="ctr"/>
-            <a:r>
-              <a:rPr lang="es-AR" sz="1100" b="1" dirty="0" smtClean="0">
-                <a:solidFill>
-                  <a:schemeClr val="bg1"/>
-                </a:solidFill>
-              </a:rPr>
-              <a:t>Aprendizaje adicional de componentes </a:t>
-            </a:r>
-            <a:r>
-              <a:rPr lang="es-AR" sz="1100" b="1" dirty="0" err="1" smtClean="0">
-                <a:solidFill>
-                  <a:schemeClr val="bg1"/>
-                </a:solidFill>
-              </a:rPr>
-              <a:t>Smart</a:t>
-            </a:r>
-            <a:r>
-              <a:rPr lang="es-AR" sz="1100" b="1" dirty="0" smtClean="0">
-                <a:solidFill>
-                  <a:schemeClr val="bg1"/>
-                </a:solidFill>
-              </a:rPr>
-              <a:t> GWT</a:t>
-            </a:r>
-            <a:endParaRPr lang="es-ES" sz="1200" b="1" dirty="0">
-              <a:solidFill>
-                <a:schemeClr val="bg1"/>
-              </a:solidFill>
-            </a:endParaRPr>
-          </a:p>
-        </p:txBody>
-      </p:sp>
-      <p:sp>
-        <p:nvSpPr>
-          <p:cNvPr id="68" name="67 Cheurón"/>
-          <p:cNvSpPr/>
-          <p:nvPr/>
-        </p:nvSpPr>
-        <p:spPr>
-          <a:xfrm>
-            <a:off x="4679987" y="5366895"/>
-            <a:ext cx="3764179" cy="942425"/>
-          </a:xfrm>
-          <a:prstGeom prst="chevron">
-            <a:avLst/>
-          </a:prstGeom>
-          <a:ln/>
-        </p:spPr>
-        <p:style>
-          <a:lnRef idx="0">
-            <a:schemeClr val="accent3"/>
-          </a:lnRef>
-          <a:fillRef idx="3">
-            <a:schemeClr val="accent3"/>
-          </a:fillRef>
-          <a:effectRef idx="3">
-            <a:schemeClr val="accent3"/>
-          </a:effectRef>
-          <a:fontRef idx="minor">
-            <a:schemeClr val="lt1"/>
-          </a:fontRef>
-        </p:style>
-        <p:txBody>
-          <a:bodyPr rtlCol="0" anchor="ctr"/>
-          <a:lstStyle/>
-          <a:p>
-            <a:pPr algn="ctr"/>
-            <a:r>
-              <a:rPr lang="es-ES" sz="1100" b="1" dirty="0" smtClean="0">
-                <a:solidFill>
-                  <a:schemeClr val="bg1"/>
-                </a:solidFill>
-              </a:rPr>
-              <a:t>Esfuerzo y dedicación</a:t>
-            </a:r>
-            <a:endParaRPr lang="es-ES" sz="1050" dirty="0">
-              <a:solidFill>
-                <a:schemeClr val="tx1"/>
-              </a:solidFill>
-            </a:endParaRPr>
-          </a:p>
-        </p:txBody>
-      </p:sp>
-      <p:sp>
-        <p:nvSpPr>
-          <p:cNvPr id="70" name="69 CuadroTexto"/>
-          <p:cNvSpPr txBox="1"/>
-          <p:nvPr/>
-        </p:nvSpPr>
-        <p:spPr>
-          <a:xfrm>
-            <a:off x="677300" y="4283704"/>
-            <a:ext cx="2794419" cy="400110"/>
-          </a:xfrm>
-          <a:prstGeom prst="rect">
-            <a:avLst/>
-          </a:prstGeom>
-          <a:noFill/>
-        </p:spPr>
-        <p:txBody>
-          <a:bodyPr wrap="none" rtlCol="0">
-            <a:spAutoFit/>
-          </a:bodyPr>
-          <a:lstStyle/>
-          <a:p>
-            <a:r>
-              <a:rPr lang="es-ES" sz="2000" b="1" dirty="0" smtClean="0">
-                <a:solidFill>
-                  <a:schemeClr val="accent6">
-                    <a:lumMod val="75000"/>
-                  </a:schemeClr>
-                </a:solidFill>
-                <a:effectLst>
-                  <a:reflection blurRad="12700" stA="48000" endA="300" endPos="55000" dir="5400000" sy="-90000" algn="bl" rotWithShape="0"/>
-                </a:effectLst>
-                <a:latin typeface="+mj-lt"/>
-                <a:ea typeface="+mj-ea"/>
-                <a:cs typeface="+mj-cs"/>
-              </a:rPr>
-              <a:t>Elección de la tecnología</a:t>
-            </a:r>
-          </a:p>
-        </p:txBody>
-      </p:sp>
-      <p:sp>
-        <p:nvSpPr>
-          <p:cNvPr id="71" name="70 Cheurón"/>
-          <p:cNvSpPr/>
-          <p:nvPr/>
-        </p:nvSpPr>
-        <p:spPr>
-          <a:xfrm>
-            <a:off x="1152423" y="2004438"/>
-            <a:ext cx="3699310" cy="428628"/>
-          </a:xfrm>
-          <a:prstGeom prst="chevron">
-            <a:avLst/>
-          </a:prstGeom>
-          <a:ln/>
-        </p:spPr>
-        <p:style>
-          <a:lnRef idx="0">
-            <a:schemeClr val="accent2"/>
-          </a:lnRef>
-          <a:fillRef idx="3">
-            <a:schemeClr val="accent2"/>
-          </a:fillRef>
-          <a:effectRef idx="3">
-            <a:schemeClr val="accent2"/>
-          </a:effectRef>
-          <a:fontRef idx="minor">
-            <a:schemeClr val="lt1"/>
-          </a:fontRef>
-        </p:style>
-        <p:txBody>
-          <a:bodyPr rtlCol="0" anchor="ctr"/>
-          <a:lstStyle/>
-          <a:p>
-            <a:pPr algn="ctr"/>
-            <a:r>
-              <a:rPr lang="es-AR" sz="1100" b="1" dirty="0" smtClean="0">
-                <a:solidFill>
-                  <a:schemeClr val="bg1"/>
-                </a:solidFill>
-              </a:rPr>
-              <a:t>Falta de tiempo por compromisos laborales</a:t>
-            </a:r>
-            <a:endParaRPr lang="es-ES" sz="1200" b="1" dirty="0">
-              <a:solidFill>
-                <a:schemeClr val="bg1"/>
-              </a:solidFill>
-            </a:endParaRPr>
-          </a:p>
-        </p:txBody>
-      </p:sp>
-      <p:sp>
-        <p:nvSpPr>
-          <p:cNvPr id="73" name="72 Cheurón"/>
-          <p:cNvSpPr/>
-          <p:nvPr/>
-        </p:nvSpPr>
-        <p:spPr>
-          <a:xfrm>
-            <a:off x="4708825" y="1994992"/>
-            <a:ext cx="3699310" cy="428628"/>
-          </a:xfrm>
-          <a:prstGeom prst="chevron">
-            <a:avLst/>
-          </a:prstGeom>
-          <a:ln/>
-        </p:spPr>
-        <p:style>
-          <a:lnRef idx="0">
-            <a:schemeClr val="accent3"/>
-          </a:lnRef>
-          <a:fillRef idx="3">
-            <a:schemeClr val="accent3"/>
-          </a:fillRef>
-          <a:effectRef idx="3">
-            <a:schemeClr val="accent3"/>
-          </a:effectRef>
-          <a:fontRef idx="minor">
-            <a:schemeClr val="lt1"/>
-          </a:fontRef>
-        </p:style>
-        <p:txBody>
-          <a:bodyPr rtlCol="0" anchor="ctr"/>
-          <a:lstStyle/>
-          <a:p>
-            <a:pPr algn="ctr"/>
-            <a:r>
-              <a:rPr lang="es-ES" sz="1100" b="1" dirty="0" smtClean="0">
-                <a:solidFill>
-                  <a:schemeClr val="bg1"/>
-                </a:solidFill>
-              </a:rPr>
-              <a:t>Menos horas de sueño y vida personal</a:t>
-            </a:r>
-            <a:endParaRPr lang="es-ES" sz="1050" dirty="0">
-              <a:solidFill>
-                <a:schemeClr val="tx1"/>
-              </a:solidFill>
-            </a:endParaRPr>
-          </a:p>
-        </p:txBody>
-      </p:sp>
-      <p:sp>
-        <p:nvSpPr>
-          <p:cNvPr id="74" name="73 Cheurón"/>
-          <p:cNvSpPr/>
-          <p:nvPr/>
-        </p:nvSpPr>
-        <p:spPr>
-          <a:xfrm>
-            <a:off x="1142977" y="2506271"/>
-            <a:ext cx="3699310" cy="428628"/>
-          </a:xfrm>
-          <a:prstGeom prst="chevron">
-            <a:avLst/>
-          </a:prstGeom>
-          <a:ln/>
-        </p:spPr>
-        <p:style>
-          <a:lnRef idx="0">
-            <a:schemeClr val="accent2"/>
-          </a:lnRef>
-          <a:fillRef idx="3">
-            <a:schemeClr val="accent2"/>
-          </a:fillRef>
-          <a:effectRef idx="3">
-            <a:schemeClr val="accent2"/>
-          </a:effectRef>
-          <a:fontRef idx="minor">
-            <a:schemeClr val="lt1"/>
-          </a:fontRef>
-        </p:style>
-        <p:txBody>
-          <a:bodyPr rtlCol="0" anchor="ctr"/>
-          <a:lstStyle/>
-          <a:p>
-            <a:pPr algn="ctr"/>
-            <a:r>
-              <a:rPr lang="es-AR" sz="1100" b="1" dirty="0" smtClean="0">
-                <a:solidFill>
-                  <a:schemeClr val="bg1"/>
-                </a:solidFill>
-              </a:rPr>
-              <a:t>Poca disponibilidad para reuniones de trabajo</a:t>
-            </a:r>
-            <a:endParaRPr lang="es-ES" sz="1200" b="1" dirty="0">
-              <a:solidFill>
-                <a:schemeClr val="bg1"/>
-              </a:solidFill>
-            </a:endParaRPr>
-          </a:p>
-        </p:txBody>
-      </p:sp>
-      <p:sp>
-        <p:nvSpPr>
-          <p:cNvPr id="77" name="76 Cheurón"/>
-          <p:cNvSpPr/>
-          <p:nvPr/>
-        </p:nvSpPr>
-        <p:spPr>
-          <a:xfrm>
-            <a:off x="1130874" y="3006337"/>
-            <a:ext cx="3699310" cy="428628"/>
-          </a:xfrm>
-          <a:prstGeom prst="chevron">
-            <a:avLst/>
-          </a:prstGeom>
-          <a:ln/>
-        </p:spPr>
-        <p:style>
-          <a:lnRef idx="0">
-            <a:schemeClr val="accent2"/>
-          </a:lnRef>
-          <a:fillRef idx="3">
-            <a:schemeClr val="accent2"/>
-          </a:fillRef>
-          <a:effectRef idx="3">
-            <a:schemeClr val="accent2"/>
-          </a:effectRef>
-          <a:fontRef idx="minor">
-            <a:schemeClr val="lt1"/>
-          </a:fontRef>
-        </p:style>
-        <p:txBody>
-          <a:bodyPr rtlCol="0" anchor="ctr"/>
-          <a:lstStyle/>
-          <a:p>
-            <a:pPr algn="ctr"/>
-            <a:r>
-              <a:rPr lang="es-AR" sz="1100" b="1" dirty="0" smtClean="0">
-                <a:solidFill>
-                  <a:schemeClr val="bg1"/>
-                </a:solidFill>
-              </a:rPr>
-              <a:t>Distintas preferencias por integrante</a:t>
-            </a:r>
-            <a:endParaRPr lang="es-ES" sz="1200" b="1" dirty="0">
-              <a:solidFill>
-                <a:schemeClr val="bg1"/>
-              </a:solidFill>
-            </a:endParaRPr>
-          </a:p>
-        </p:txBody>
-      </p:sp>
-      <p:sp>
-        <p:nvSpPr>
-          <p:cNvPr id="80" name="79 CuadroTexto"/>
-          <p:cNvSpPr txBox="1"/>
-          <p:nvPr/>
-        </p:nvSpPr>
-        <p:spPr>
-          <a:xfrm>
-            <a:off x="684089" y="1412776"/>
-            <a:ext cx="2691763" cy="400110"/>
-          </a:xfrm>
-          <a:prstGeom prst="rect">
-            <a:avLst/>
-          </a:prstGeom>
-          <a:noFill/>
-        </p:spPr>
-        <p:txBody>
-          <a:bodyPr wrap="none" rtlCol="0">
-            <a:spAutoFit/>
-          </a:bodyPr>
-          <a:lstStyle/>
-          <a:p>
-            <a:r>
-              <a:rPr lang="es-ES" sz="2000" b="1" dirty="0" smtClean="0">
-                <a:solidFill>
-                  <a:schemeClr val="accent6">
-                    <a:lumMod val="75000"/>
-                  </a:schemeClr>
-                </a:solidFill>
-                <a:effectLst>
-                  <a:reflection blurRad="12700" stA="48000" endA="300" endPos="55000" dir="5400000" sy="-90000" algn="bl" rotWithShape="0"/>
-                </a:effectLst>
-                <a:latin typeface="+mj-lt"/>
-                <a:ea typeface="+mj-ea"/>
-                <a:cs typeface="+mj-cs"/>
-              </a:rPr>
-              <a:t>Gestión y Organización</a:t>
-            </a:r>
-          </a:p>
-        </p:txBody>
-      </p:sp>
-      <p:sp>
-        <p:nvSpPr>
-          <p:cNvPr id="81" name="80 Cheurón"/>
-          <p:cNvSpPr/>
-          <p:nvPr/>
-        </p:nvSpPr>
-        <p:spPr>
-          <a:xfrm>
-            <a:off x="4699378" y="2503846"/>
-            <a:ext cx="3699310" cy="428628"/>
-          </a:xfrm>
-          <a:prstGeom prst="chevron">
-            <a:avLst/>
-          </a:prstGeom>
-          <a:ln/>
-        </p:spPr>
-        <p:style>
-          <a:lnRef idx="0">
-            <a:schemeClr val="accent3"/>
-          </a:lnRef>
-          <a:fillRef idx="3">
-            <a:schemeClr val="accent3"/>
-          </a:fillRef>
-          <a:effectRef idx="3">
-            <a:schemeClr val="accent3"/>
-          </a:effectRef>
-          <a:fontRef idx="minor">
-            <a:schemeClr val="lt1"/>
-          </a:fontRef>
-        </p:style>
-        <p:txBody>
-          <a:bodyPr rtlCol="0" anchor="ctr"/>
-          <a:lstStyle/>
-          <a:p>
-            <a:pPr algn="ctr"/>
-            <a:r>
-              <a:rPr lang="es-ES" sz="1100" b="1" dirty="0" smtClean="0">
-                <a:solidFill>
-                  <a:schemeClr val="bg1"/>
-                </a:solidFill>
-              </a:rPr>
-              <a:t>Comunicación por internet: </a:t>
-            </a:r>
-            <a:r>
-              <a:rPr lang="es-ES" sz="1100" b="1" dirty="0" err="1" smtClean="0">
-                <a:solidFill>
-                  <a:schemeClr val="bg1"/>
-                </a:solidFill>
-              </a:rPr>
-              <a:t>Skype</a:t>
-            </a:r>
-            <a:r>
-              <a:rPr lang="es-ES" sz="1100" b="1" dirty="0" smtClean="0">
-                <a:solidFill>
-                  <a:schemeClr val="bg1"/>
-                </a:solidFill>
-              </a:rPr>
-              <a:t>, </a:t>
-            </a:r>
-            <a:r>
-              <a:rPr lang="es-ES" sz="1100" b="1" dirty="0" err="1" smtClean="0">
-                <a:solidFill>
-                  <a:schemeClr val="bg1"/>
-                </a:solidFill>
-              </a:rPr>
-              <a:t>GTalk</a:t>
-            </a:r>
-            <a:endParaRPr lang="es-ES" sz="1050" dirty="0">
-              <a:solidFill>
-                <a:schemeClr val="tx1"/>
-              </a:solidFill>
-            </a:endParaRPr>
-          </a:p>
-        </p:txBody>
-      </p:sp>
-      <p:sp>
-        <p:nvSpPr>
-          <p:cNvPr id="82" name="81 Cheurón"/>
-          <p:cNvSpPr/>
-          <p:nvPr/>
-        </p:nvSpPr>
-        <p:spPr>
-          <a:xfrm>
-            <a:off x="4681300" y="2997202"/>
-            <a:ext cx="3699310" cy="428628"/>
-          </a:xfrm>
-          <a:prstGeom prst="chevron">
-            <a:avLst/>
-          </a:prstGeom>
-          <a:ln/>
-        </p:spPr>
-        <p:style>
-          <a:lnRef idx="0">
-            <a:schemeClr val="accent3"/>
-          </a:lnRef>
-          <a:fillRef idx="3">
-            <a:schemeClr val="accent3"/>
-          </a:fillRef>
-          <a:effectRef idx="3">
-            <a:schemeClr val="accent3"/>
-          </a:effectRef>
-          <a:fontRef idx="minor">
-            <a:schemeClr val="lt1"/>
-          </a:fontRef>
-        </p:style>
-        <p:txBody>
-          <a:bodyPr rtlCol="0" anchor="ctr"/>
-          <a:lstStyle/>
-          <a:p>
-            <a:pPr algn="ctr"/>
-            <a:r>
-              <a:rPr lang="es-ES" sz="1100" b="1" dirty="0" smtClean="0">
-                <a:solidFill>
-                  <a:schemeClr val="bg1"/>
-                </a:solidFill>
-              </a:rPr>
-              <a:t>Hacer lo que nos gusta y lo que no tanto</a:t>
-            </a:r>
-            <a:endParaRPr lang="es-ES" sz="1050" dirty="0">
-              <a:solidFill>
-                <a:schemeClr val="tx1"/>
-              </a:solidFill>
-            </a:endParaRPr>
-          </a:p>
-        </p:txBody>
-      </p:sp>
-      <p:sp>
-        <p:nvSpPr>
-          <p:cNvPr id="84" name="83 Cheurón"/>
-          <p:cNvSpPr/>
-          <p:nvPr/>
-        </p:nvSpPr>
-        <p:spPr>
-          <a:xfrm>
-            <a:off x="1128294" y="3499693"/>
-            <a:ext cx="3699310" cy="428628"/>
-          </a:xfrm>
-          <a:prstGeom prst="chevron">
-            <a:avLst/>
-          </a:prstGeom>
-          <a:ln/>
-        </p:spPr>
-        <p:style>
-          <a:lnRef idx="0">
-            <a:schemeClr val="accent2"/>
-          </a:lnRef>
-          <a:fillRef idx="3">
-            <a:schemeClr val="accent2"/>
-          </a:fillRef>
-          <a:effectRef idx="3">
-            <a:schemeClr val="accent2"/>
-          </a:effectRef>
-          <a:fontRef idx="minor">
-            <a:schemeClr val="lt1"/>
-          </a:fontRef>
-        </p:style>
-        <p:txBody>
-          <a:bodyPr rtlCol="0" anchor="ctr"/>
-          <a:lstStyle/>
-          <a:p>
-            <a:pPr algn="ctr"/>
-            <a:r>
-              <a:rPr lang="es-AR" sz="1100" b="1" dirty="0" smtClean="0">
-                <a:solidFill>
-                  <a:schemeClr val="bg1"/>
-                </a:solidFill>
-              </a:rPr>
-              <a:t>Auto-Organización durante el proyecto</a:t>
-            </a:r>
-            <a:endParaRPr lang="es-ES" sz="1200" b="1" dirty="0">
-              <a:solidFill>
-                <a:schemeClr val="bg1"/>
-              </a:solidFill>
-            </a:endParaRPr>
-          </a:p>
-        </p:txBody>
-      </p:sp>
-      <p:sp>
-        <p:nvSpPr>
-          <p:cNvPr id="86" name="85 Cheurón"/>
-          <p:cNvSpPr/>
-          <p:nvPr/>
-        </p:nvSpPr>
-        <p:spPr>
-          <a:xfrm>
-            <a:off x="4678720" y="3490558"/>
-            <a:ext cx="3699310" cy="428628"/>
-          </a:xfrm>
-          <a:prstGeom prst="chevron">
-            <a:avLst/>
-          </a:prstGeom>
-          <a:ln/>
-        </p:spPr>
-        <p:style>
-          <a:lnRef idx="0">
-            <a:schemeClr val="accent3"/>
-          </a:lnRef>
-          <a:fillRef idx="3">
-            <a:schemeClr val="accent3"/>
-          </a:fillRef>
-          <a:effectRef idx="3">
-            <a:schemeClr val="accent3"/>
-          </a:effectRef>
-          <a:fontRef idx="minor">
-            <a:schemeClr val="lt1"/>
-          </a:fontRef>
-        </p:style>
-        <p:txBody>
-          <a:bodyPr rtlCol="0" anchor="ctr"/>
-          <a:lstStyle/>
-          <a:p>
-            <a:pPr algn="ctr"/>
-            <a:r>
-              <a:rPr lang="es-ES" sz="1100" b="1" dirty="0" err="1" smtClean="0">
-                <a:solidFill>
-                  <a:schemeClr val="bg1"/>
-                </a:solidFill>
-              </a:rPr>
-              <a:t>Soncronizar</a:t>
-            </a:r>
-            <a:r>
-              <a:rPr lang="es-ES" sz="1100" b="1" dirty="0" smtClean="0">
-                <a:solidFill>
-                  <a:schemeClr val="bg1"/>
-                </a:solidFill>
-              </a:rPr>
-              <a:t> trabajo entre todos los integrantes</a:t>
-            </a:r>
-            <a:endParaRPr lang="es-ES" sz="1050" dirty="0">
-              <a:solidFill>
-                <a:schemeClr val="tx1"/>
-              </a:solidFill>
-            </a:endParaRPr>
-          </a:p>
-        </p:txBody>
-      </p:sp>
-      <p:pic>
-        <p:nvPicPr>
-          <p:cNvPr id="44" name="43 Imagen" descr="evaluate.png"/>
-          <p:cNvPicPr>
-            <a:picLocks noChangeAspect="1"/>
-          </p:cNvPicPr>
-          <p:nvPr/>
-        </p:nvPicPr>
-        <p:blipFill>
-          <a:blip r:embed="rId4" cstate="print"/>
-          <a:stretch>
-            <a:fillRect/>
-          </a:stretch>
-        </p:blipFill>
-        <p:spPr>
-          <a:xfrm>
-            <a:off x="8462164" y="1933312"/>
-            <a:ext cx="520825" cy="520825"/>
-          </a:xfrm>
-          <a:prstGeom prst="rect">
-            <a:avLst/>
-          </a:prstGeom>
-        </p:spPr>
-      </p:pic>
-      <p:pic>
-        <p:nvPicPr>
-          <p:cNvPr id="45" name="44 Imagen" descr="cancel.png"/>
-          <p:cNvPicPr>
-            <a:picLocks noChangeAspect="1"/>
-          </p:cNvPicPr>
-          <p:nvPr/>
-        </p:nvPicPr>
-        <p:blipFill>
-          <a:blip r:embed="rId5" cstate="print"/>
-          <a:stretch>
-            <a:fillRect/>
-          </a:stretch>
-        </p:blipFill>
-        <p:spPr>
-          <a:xfrm>
-            <a:off x="654072" y="1973982"/>
-            <a:ext cx="540568" cy="540568"/>
-          </a:xfrm>
-          <a:prstGeom prst="rect">
-            <a:avLst/>
-          </a:prstGeom>
-        </p:spPr>
-      </p:pic>
-      <p:pic>
-        <p:nvPicPr>
-          <p:cNvPr id="46" name="45 Imagen" descr="cancel.png"/>
-          <p:cNvPicPr>
-            <a:picLocks noChangeAspect="1"/>
-          </p:cNvPicPr>
-          <p:nvPr/>
-        </p:nvPicPr>
-        <p:blipFill>
-          <a:blip r:embed="rId5" cstate="print"/>
-          <a:stretch>
-            <a:fillRect/>
-          </a:stretch>
-        </p:blipFill>
-        <p:spPr>
-          <a:xfrm>
-            <a:off x="664518" y="2469530"/>
-            <a:ext cx="540568" cy="540568"/>
-          </a:xfrm>
-          <a:prstGeom prst="rect">
-            <a:avLst/>
-          </a:prstGeom>
-        </p:spPr>
-      </p:pic>
-      <p:pic>
-        <p:nvPicPr>
-          <p:cNvPr id="47" name="46 Imagen" descr="cancel.png"/>
-          <p:cNvPicPr>
-            <a:picLocks noChangeAspect="1"/>
-          </p:cNvPicPr>
-          <p:nvPr/>
-        </p:nvPicPr>
-        <p:blipFill>
-          <a:blip r:embed="rId5" cstate="print"/>
-          <a:stretch>
-            <a:fillRect/>
-          </a:stretch>
-        </p:blipFill>
-        <p:spPr>
-          <a:xfrm>
-            <a:off x="664518" y="2964830"/>
-            <a:ext cx="540568" cy="540568"/>
-          </a:xfrm>
-          <a:prstGeom prst="rect">
-            <a:avLst/>
-          </a:prstGeom>
-        </p:spPr>
-      </p:pic>
-      <p:pic>
-        <p:nvPicPr>
-          <p:cNvPr id="48" name="47 Imagen" descr="cancel.png"/>
-          <p:cNvPicPr>
-            <a:picLocks noChangeAspect="1"/>
-          </p:cNvPicPr>
-          <p:nvPr/>
-        </p:nvPicPr>
-        <p:blipFill>
-          <a:blip r:embed="rId5" cstate="print"/>
-          <a:stretch>
-            <a:fillRect/>
-          </a:stretch>
-        </p:blipFill>
-        <p:spPr>
-          <a:xfrm>
-            <a:off x="658168" y="3472830"/>
-            <a:ext cx="540568" cy="540568"/>
-          </a:xfrm>
-          <a:prstGeom prst="rect">
-            <a:avLst/>
-          </a:prstGeom>
-        </p:spPr>
-      </p:pic>
-      <p:pic>
-        <p:nvPicPr>
-          <p:cNvPr id="49" name="48 Imagen" descr="evaluate.png"/>
-          <p:cNvPicPr>
-            <a:picLocks noChangeAspect="1"/>
-          </p:cNvPicPr>
-          <p:nvPr/>
-        </p:nvPicPr>
-        <p:blipFill>
-          <a:blip r:embed="rId4" cstate="print"/>
-          <a:stretch>
-            <a:fillRect/>
-          </a:stretch>
-        </p:blipFill>
-        <p:spPr>
-          <a:xfrm>
-            <a:off x="8468514" y="2454012"/>
-            <a:ext cx="520825" cy="520825"/>
-          </a:xfrm>
-          <a:prstGeom prst="rect">
-            <a:avLst/>
-          </a:prstGeom>
-        </p:spPr>
-      </p:pic>
-      <p:pic>
-        <p:nvPicPr>
-          <p:cNvPr id="50" name="49 Imagen" descr="evaluate.png"/>
-          <p:cNvPicPr>
-            <a:picLocks noChangeAspect="1"/>
-          </p:cNvPicPr>
-          <p:nvPr/>
-        </p:nvPicPr>
-        <p:blipFill>
-          <a:blip r:embed="rId4" cstate="print"/>
-          <a:stretch>
-            <a:fillRect/>
-          </a:stretch>
-        </p:blipFill>
-        <p:spPr>
-          <a:xfrm>
-            <a:off x="8468514" y="2955662"/>
-            <a:ext cx="520825" cy="520825"/>
-          </a:xfrm>
-          <a:prstGeom prst="rect">
-            <a:avLst/>
-          </a:prstGeom>
-        </p:spPr>
-      </p:pic>
-      <p:pic>
-        <p:nvPicPr>
-          <p:cNvPr id="51" name="50 Imagen" descr="evaluate.png"/>
-          <p:cNvPicPr>
-            <a:picLocks noChangeAspect="1"/>
-          </p:cNvPicPr>
-          <p:nvPr/>
-        </p:nvPicPr>
-        <p:blipFill>
-          <a:blip r:embed="rId4" cstate="print"/>
-          <a:stretch>
-            <a:fillRect/>
-          </a:stretch>
-        </p:blipFill>
-        <p:spPr>
-          <a:xfrm>
-            <a:off x="8462164" y="3457312"/>
-            <a:ext cx="520825" cy="520825"/>
-          </a:xfrm>
-          <a:prstGeom prst="rect">
-            <a:avLst/>
-          </a:prstGeom>
-        </p:spPr>
-      </p:pic>
-      <p:pic>
-        <p:nvPicPr>
-          <p:cNvPr id="52" name="51 Imagen" descr="cancel.png"/>
-          <p:cNvPicPr>
-            <a:picLocks noChangeAspect="1"/>
-          </p:cNvPicPr>
-          <p:nvPr/>
-        </p:nvPicPr>
-        <p:blipFill>
-          <a:blip r:embed="rId5" cstate="print"/>
-          <a:stretch>
-            <a:fillRect/>
-          </a:stretch>
-        </p:blipFill>
-        <p:spPr>
-          <a:xfrm>
-            <a:off x="655102" y="4818134"/>
-            <a:ext cx="540568" cy="540568"/>
-          </a:xfrm>
-          <a:prstGeom prst="rect">
-            <a:avLst/>
-          </a:prstGeom>
-        </p:spPr>
-      </p:pic>
-      <p:pic>
-        <p:nvPicPr>
-          <p:cNvPr id="53" name="52 Imagen" descr="evaluate.png"/>
-          <p:cNvPicPr>
-            <a:picLocks noChangeAspect="1"/>
-          </p:cNvPicPr>
-          <p:nvPr/>
-        </p:nvPicPr>
-        <p:blipFill>
-          <a:blip r:embed="rId4" cstate="print"/>
-          <a:stretch>
-            <a:fillRect/>
-          </a:stretch>
-        </p:blipFill>
-        <p:spPr>
-          <a:xfrm>
-            <a:off x="8459098" y="4802616"/>
-            <a:ext cx="520825" cy="520825"/>
-          </a:xfrm>
-          <a:prstGeom prst="rect">
-            <a:avLst/>
-          </a:prstGeom>
-        </p:spPr>
-      </p:pic>
-      <p:pic>
-        <p:nvPicPr>
-          <p:cNvPr id="54" name="53 Imagen" descr="cancel.png"/>
-          <p:cNvPicPr>
-            <a:picLocks noChangeAspect="1"/>
-          </p:cNvPicPr>
-          <p:nvPr/>
-        </p:nvPicPr>
-        <p:blipFill>
-          <a:blip r:embed="rId5" cstate="print"/>
-          <a:stretch>
-            <a:fillRect/>
-          </a:stretch>
-        </p:blipFill>
-        <p:spPr>
-          <a:xfrm>
-            <a:off x="639667" y="5307676"/>
-            <a:ext cx="540568" cy="540568"/>
-          </a:xfrm>
-          <a:prstGeom prst="rect">
-            <a:avLst/>
-          </a:prstGeom>
-        </p:spPr>
-      </p:pic>
-      <p:pic>
-        <p:nvPicPr>
-          <p:cNvPr id="55" name="54 Imagen" descr="evaluate.png"/>
-          <p:cNvPicPr>
-            <a:picLocks noChangeAspect="1"/>
-          </p:cNvPicPr>
-          <p:nvPr/>
-        </p:nvPicPr>
-        <p:blipFill>
-          <a:blip r:embed="rId4" cstate="print"/>
-          <a:stretch>
-            <a:fillRect/>
-          </a:stretch>
-        </p:blipFill>
-        <p:spPr>
-          <a:xfrm>
-            <a:off x="8472691" y="5517232"/>
-            <a:ext cx="520825" cy="520825"/>
-          </a:xfrm>
-          <a:prstGeom prst="rect">
-            <a:avLst/>
-          </a:prstGeom>
-        </p:spPr>
-      </p:pic>
-      <p:pic>
-        <p:nvPicPr>
-          <p:cNvPr id="56" name="55 Imagen" descr="cancel.png"/>
-          <p:cNvPicPr>
-            <a:picLocks noChangeAspect="1"/>
-          </p:cNvPicPr>
-          <p:nvPr/>
-        </p:nvPicPr>
-        <p:blipFill>
-          <a:blip r:embed="rId5" cstate="print"/>
-          <a:stretch>
-            <a:fillRect/>
-          </a:stretch>
-        </p:blipFill>
-        <p:spPr>
-          <a:xfrm>
-            <a:off x="626074" y="5826808"/>
-            <a:ext cx="540568" cy="540568"/>
-          </a:xfrm>
-          <a:prstGeom prst="rect">
-            <a:avLst/>
-          </a:prstGeom>
-        </p:spPr>
-      </p:pic>
-    </p:spTree>
-  </p:cSld>
-  <p:clrMapOvr>
-    <a:masterClrMapping/>
-  </p:clrMapOvr>
-  <p:timing>
-    <p:tnLst>
-      <p:par>
-        <p:cTn id="1" dur="indefinite" restart="never" nodeType="tmRoot">
-          <p:childTnLst>
-            <p:seq concurrent="1" nextAc="seek">
-              <p:cTn id="2" dur="indefinite" nodeType="mainSeq">
-                <p:childTnLst>
-                  <p:par>
-                    <p:cTn id="3" fill="hold">
-                      <p:stCondLst>
-                        <p:cond delay="indefinite"/>
-                        <p:cond evt="onBegin" delay="0">
-                          <p:tn val="2"/>
-                        </p:cond>
-                      </p:stCondLst>
-                      <p:childTnLst>
-                        <p:par>
-                          <p:cTn id="4" fill="hold">
-                            <p:stCondLst>
-                              <p:cond delay="0"/>
-                            </p:stCondLst>
-                            <p:childTnLst>
-                              <p:par>
-                                <p:cTn id="5" presetID="53" presetClass="entr" presetSubtype="0" fill="hold" nodeType="withEffect">
-                                  <p:stCondLst>
-                                    <p:cond delay="0"/>
-                                  </p:stCondLst>
-                                  <p:childTnLst>
-                                    <p:set>
-                                      <p:cBhvr>
-                                        <p:cTn id="6" dur="1" fill="hold">
-                                          <p:stCondLst>
-                                            <p:cond delay="0"/>
-                                          </p:stCondLst>
-                                        </p:cTn>
-                                        <p:tgtEl>
-                                          <p:spTgt spid="45"/>
-                                        </p:tgtEl>
-                                        <p:attrNameLst>
-                                          <p:attrName>style.visibility</p:attrName>
-                                        </p:attrNameLst>
-                                      </p:cBhvr>
-                                      <p:to>
-                                        <p:strVal val="visible"/>
-                                      </p:to>
-                                    </p:set>
-                                    <p:anim calcmode="lin" valueType="num">
-                                      <p:cBhvr>
-                                        <p:cTn id="7" dur="500" fill="hold"/>
-                                        <p:tgtEl>
-                                          <p:spTgt spid="45"/>
-                                        </p:tgtEl>
-                                        <p:attrNameLst>
-                                          <p:attrName>ppt_w</p:attrName>
-                                        </p:attrNameLst>
-                                      </p:cBhvr>
-                                      <p:tavLst>
-                                        <p:tav tm="0">
-                                          <p:val>
-                                            <p:fltVal val="0"/>
-                                          </p:val>
-                                        </p:tav>
-                                        <p:tav tm="100000">
-                                          <p:val>
-                                            <p:strVal val="#ppt_w"/>
-                                          </p:val>
-                                        </p:tav>
-                                      </p:tavLst>
-                                    </p:anim>
-                                    <p:anim calcmode="lin" valueType="num">
-                                      <p:cBhvr>
-                                        <p:cTn id="8" dur="500" fill="hold"/>
-                                        <p:tgtEl>
-                                          <p:spTgt spid="45"/>
-                                        </p:tgtEl>
-                                        <p:attrNameLst>
-                                          <p:attrName>ppt_h</p:attrName>
-                                        </p:attrNameLst>
-                                      </p:cBhvr>
-                                      <p:tavLst>
-                                        <p:tav tm="0">
-                                          <p:val>
-                                            <p:fltVal val="0"/>
-                                          </p:val>
-                                        </p:tav>
-                                        <p:tav tm="100000">
-                                          <p:val>
-                                            <p:strVal val="#ppt_h"/>
-                                          </p:val>
-                                        </p:tav>
-                                      </p:tavLst>
-                                    </p:anim>
-                                    <p:animEffect transition="in" filter="fade">
-                                      <p:cBhvr>
-                                        <p:cTn id="9" dur="500"/>
-                                        <p:tgtEl>
-                                          <p:spTgt spid="45"/>
-                                        </p:tgtEl>
-                                      </p:cBhvr>
-                                    </p:animEffect>
-                                  </p:childTnLst>
-                                </p:cTn>
-                              </p:par>
-                              <p:par>
-                                <p:cTn id="10" presetID="53" presetClass="entr" presetSubtype="0" fill="hold" grpId="0" nodeType="withEffect">
-                                  <p:stCondLst>
-                                    <p:cond delay="0"/>
-                                  </p:stCondLst>
-                                  <p:childTnLst>
-                                    <p:set>
-                                      <p:cBhvr>
-                                        <p:cTn id="11" dur="1" fill="hold">
-                                          <p:stCondLst>
-                                            <p:cond delay="0"/>
-                                          </p:stCondLst>
-                                        </p:cTn>
-                                        <p:tgtEl>
-                                          <p:spTgt spid="71"/>
-                                        </p:tgtEl>
-                                        <p:attrNameLst>
-                                          <p:attrName>style.visibility</p:attrName>
-                                        </p:attrNameLst>
-                                      </p:cBhvr>
-                                      <p:to>
-                                        <p:strVal val="visible"/>
-                                      </p:to>
-                                    </p:set>
-                                    <p:anim calcmode="lin" valueType="num">
-                                      <p:cBhvr>
-                                        <p:cTn id="12" dur="500" fill="hold"/>
-                                        <p:tgtEl>
-                                          <p:spTgt spid="71"/>
-                                        </p:tgtEl>
-                                        <p:attrNameLst>
-                                          <p:attrName>ppt_w</p:attrName>
-                                        </p:attrNameLst>
-                                      </p:cBhvr>
-                                      <p:tavLst>
-                                        <p:tav tm="0">
-                                          <p:val>
-                                            <p:fltVal val="0"/>
-                                          </p:val>
-                                        </p:tav>
-                                        <p:tav tm="100000">
-                                          <p:val>
-                                            <p:strVal val="#ppt_w"/>
-                                          </p:val>
-                                        </p:tav>
-                                      </p:tavLst>
-                                    </p:anim>
-                                    <p:anim calcmode="lin" valueType="num">
-                                      <p:cBhvr>
-                                        <p:cTn id="13" dur="500" fill="hold"/>
-                                        <p:tgtEl>
-                                          <p:spTgt spid="71"/>
-                                        </p:tgtEl>
-                                        <p:attrNameLst>
-                                          <p:attrName>ppt_h</p:attrName>
-                                        </p:attrNameLst>
-                                      </p:cBhvr>
-                                      <p:tavLst>
-                                        <p:tav tm="0">
-                                          <p:val>
-                                            <p:fltVal val="0"/>
-                                          </p:val>
-                                        </p:tav>
-                                        <p:tav tm="100000">
-                                          <p:val>
-                                            <p:strVal val="#ppt_h"/>
-                                          </p:val>
-                                        </p:tav>
-                                      </p:tavLst>
-                                    </p:anim>
-                                    <p:animEffect transition="in" filter="fade">
-                                      <p:cBhvr>
-                                        <p:cTn id="14" dur="500"/>
-                                        <p:tgtEl>
-                                          <p:spTgt spid="71"/>
-                                        </p:tgtEl>
-                                      </p:cBhvr>
-                                    </p:animEffect>
-                                  </p:childTnLst>
-                                </p:cTn>
-                              </p:par>
-                            </p:childTnLst>
-                          </p:cTn>
-                        </p:par>
-                      </p:childTnLst>
-                    </p:cTn>
-                  </p:par>
-                  <p:par>
-                    <p:cTn id="15" fill="hold">
-                      <p:stCondLst>
-                        <p:cond delay="indefinite"/>
-                      </p:stCondLst>
-                      <p:childTnLst>
-                        <p:par>
-                          <p:cTn id="16" fill="hold">
-                            <p:stCondLst>
-                              <p:cond delay="0"/>
-                            </p:stCondLst>
-                            <p:childTnLst>
-                              <p:par>
-                                <p:cTn id="17" presetID="53" presetClass="entr" presetSubtype="0" fill="hold" grpId="0" nodeType="clickEffect">
-                                  <p:stCondLst>
-                                    <p:cond delay="0"/>
-                                  </p:stCondLst>
-                                  <p:childTnLst>
-                                    <p:set>
-                                      <p:cBhvr>
-                                        <p:cTn id="18" dur="1" fill="hold">
-                                          <p:stCondLst>
-                                            <p:cond delay="0"/>
-                                          </p:stCondLst>
-                                        </p:cTn>
-                                        <p:tgtEl>
-                                          <p:spTgt spid="73"/>
-                                        </p:tgtEl>
-                                        <p:attrNameLst>
-                                          <p:attrName>style.visibility</p:attrName>
-                                        </p:attrNameLst>
-                                      </p:cBhvr>
-                                      <p:to>
-                                        <p:strVal val="visible"/>
-                                      </p:to>
-                                    </p:set>
-                                    <p:anim calcmode="lin" valueType="num">
-                                      <p:cBhvr>
-                                        <p:cTn id="19" dur="500" fill="hold"/>
-                                        <p:tgtEl>
-                                          <p:spTgt spid="73"/>
-                                        </p:tgtEl>
-                                        <p:attrNameLst>
-                                          <p:attrName>ppt_w</p:attrName>
-                                        </p:attrNameLst>
-                                      </p:cBhvr>
-                                      <p:tavLst>
-                                        <p:tav tm="0">
-                                          <p:val>
-                                            <p:fltVal val="0"/>
-                                          </p:val>
-                                        </p:tav>
-                                        <p:tav tm="100000">
-                                          <p:val>
-                                            <p:strVal val="#ppt_w"/>
-                                          </p:val>
-                                        </p:tav>
-                                      </p:tavLst>
-                                    </p:anim>
-                                    <p:anim calcmode="lin" valueType="num">
-                                      <p:cBhvr>
-                                        <p:cTn id="20" dur="500" fill="hold"/>
-                                        <p:tgtEl>
-                                          <p:spTgt spid="73"/>
-                                        </p:tgtEl>
-                                        <p:attrNameLst>
-                                          <p:attrName>ppt_h</p:attrName>
-                                        </p:attrNameLst>
-                                      </p:cBhvr>
-                                      <p:tavLst>
-                                        <p:tav tm="0">
-                                          <p:val>
-                                            <p:fltVal val="0"/>
-                                          </p:val>
-                                        </p:tav>
-                                        <p:tav tm="100000">
-                                          <p:val>
-                                            <p:strVal val="#ppt_h"/>
-                                          </p:val>
-                                        </p:tav>
-                                      </p:tavLst>
-                                    </p:anim>
-                                    <p:animEffect transition="in" filter="fade">
-                                      <p:cBhvr>
-                                        <p:cTn id="21" dur="500"/>
-                                        <p:tgtEl>
-                                          <p:spTgt spid="73"/>
-                                        </p:tgtEl>
-                                      </p:cBhvr>
-                                    </p:animEffect>
-                                  </p:childTnLst>
-                                </p:cTn>
-                              </p:par>
-                              <p:par>
-                                <p:cTn id="22" presetID="53" presetClass="entr" presetSubtype="0" fill="hold" nodeType="withEffect">
-                                  <p:stCondLst>
-                                    <p:cond delay="0"/>
-                                  </p:stCondLst>
-                                  <p:childTnLst>
-                                    <p:set>
-                                      <p:cBhvr>
-                                        <p:cTn id="23" dur="1" fill="hold">
-                                          <p:stCondLst>
-                                            <p:cond delay="0"/>
-                                          </p:stCondLst>
-                                        </p:cTn>
-                                        <p:tgtEl>
-                                          <p:spTgt spid="44"/>
-                                        </p:tgtEl>
-                                        <p:attrNameLst>
-                                          <p:attrName>style.visibility</p:attrName>
-                                        </p:attrNameLst>
-                                      </p:cBhvr>
-                                      <p:to>
-                                        <p:strVal val="visible"/>
-                                      </p:to>
-                                    </p:set>
-                                    <p:anim calcmode="lin" valueType="num">
-                                      <p:cBhvr>
-                                        <p:cTn id="24" dur="500" fill="hold"/>
-                                        <p:tgtEl>
-                                          <p:spTgt spid="44"/>
-                                        </p:tgtEl>
-                                        <p:attrNameLst>
-                                          <p:attrName>ppt_w</p:attrName>
-                                        </p:attrNameLst>
-                                      </p:cBhvr>
-                                      <p:tavLst>
-                                        <p:tav tm="0">
-                                          <p:val>
-                                            <p:fltVal val="0"/>
-                                          </p:val>
-                                        </p:tav>
-                                        <p:tav tm="100000">
-                                          <p:val>
-                                            <p:strVal val="#ppt_w"/>
-                                          </p:val>
-                                        </p:tav>
-                                      </p:tavLst>
-                                    </p:anim>
-                                    <p:anim calcmode="lin" valueType="num">
-                                      <p:cBhvr>
-                                        <p:cTn id="25" dur="500" fill="hold"/>
-                                        <p:tgtEl>
-                                          <p:spTgt spid="44"/>
-                                        </p:tgtEl>
-                                        <p:attrNameLst>
-                                          <p:attrName>ppt_h</p:attrName>
-                                        </p:attrNameLst>
-                                      </p:cBhvr>
-                                      <p:tavLst>
-                                        <p:tav tm="0">
-                                          <p:val>
-                                            <p:fltVal val="0"/>
-                                          </p:val>
-                                        </p:tav>
-                                        <p:tav tm="100000">
-                                          <p:val>
-                                            <p:strVal val="#ppt_h"/>
-                                          </p:val>
-                                        </p:tav>
-                                      </p:tavLst>
-                                    </p:anim>
-                                    <p:animEffect transition="in" filter="fade">
-                                      <p:cBhvr>
-                                        <p:cTn id="26" dur="500"/>
-                                        <p:tgtEl>
-                                          <p:spTgt spid="44"/>
-                                        </p:tgtEl>
-                                      </p:cBhvr>
-                                    </p:animEffect>
-                                  </p:childTnLst>
-                                </p:cTn>
-                              </p:par>
-                            </p:childTnLst>
-                          </p:cTn>
-                        </p:par>
-                      </p:childTnLst>
-                    </p:cTn>
-                  </p:par>
-                  <p:par>
-                    <p:cTn id="27" fill="hold">
-                      <p:stCondLst>
-                        <p:cond delay="indefinite"/>
-                      </p:stCondLst>
-                      <p:childTnLst>
-                        <p:par>
-                          <p:cTn id="28" fill="hold">
-                            <p:stCondLst>
-                              <p:cond delay="0"/>
-                            </p:stCondLst>
-                            <p:childTnLst>
-                              <p:par>
-                                <p:cTn id="29" presetID="53" presetClass="entr" presetSubtype="0" fill="hold" nodeType="clickEffect">
-                                  <p:stCondLst>
-                                    <p:cond delay="0"/>
-                                  </p:stCondLst>
-                                  <p:childTnLst>
-                                    <p:set>
-                                      <p:cBhvr>
-                                        <p:cTn id="30" dur="1" fill="hold">
-                                          <p:stCondLst>
-                                            <p:cond delay="0"/>
-                                          </p:stCondLst>
-                                        </p:cTn>
-                                        <p:tgtEl>
-                                          <p:spTgt spid="46"/>
-                                        </p:tgtEl>
-                                        <p:attrNameLst>
-                                          <p:attrName>style.visibility</p:attrName>
-                                        </p:attrNameLst>
-                                      </p:cBhvr>
-                                      <p:to>
-                                        <p:strVal val="visible"/>
-                                      </p:to>
-                                    </p:set>
-                                    <p:anim calcmode="lin" valueType="num">
-                                      <p:cBhvr>
-                                        <p:cTn id="31" dur="500" fill="hold"/>
-                                        <p:tgtEl>
-                                          <p:spTgt spid="46"/>
-                                        </p:tgtEl>
-                                        <p:attrNameLst>
-                                          <p:attrName>ppt_w</p:attrName>
-                                        </p:attrNameLst>
-                                      </p:cBhvr>
-                                      <p:tavLst>
-                                        <p:tav tm="0">
-                                          <p:val>
-                                            <p:fltVal val="0"/>
-                                          </p:val>
-                                        </p:tav>
-                                        <p:tav tm="100000">
-                                          <p:val>
-                                            <p:strVal val="#ppt_w"/>
-                                          </p:val>
-                                        </p:tav>
-                                      </p:tavLst>
-                                    </p:anim>
-                                    <p:anim calcmode="lin" valueType="num">
-                                      <p:cBhvr>
-                                        <p:cTn id="32" dur="500" fill="hold"/>
-                                        <p:tgtEl>
-                                          <p:spTgt spid="46"/>
-                                        </p:tgtEl>
-                                        <p:attrNameLst>
-                                          <p:attrName>ppt_h</p:attrName>
-                                        </p:attrNameLst>
-                                      </p:cBhvr>
-                                      <p:tavLst>
-                                        <p:tav tm="0">
-                                          <p:val>
-                                            <p:fltVal val="0"/>
-                                          </p:val>
-                                        </p:tav>
-                                        <p:tav tm="100000">
-                                          <p:val>
-                                            <p:strVal val="#ppt_h"/>
-                                          </p:val>
-                                        </p:tav>
-                                      </p:tavLst>
-                                    </p:anim>
-                                    <p:animEffect transition="in" filter="fade">
-                                      <p:cBhvr>
-                                        <p:cTn id="33" dur="500"/>
-                                        <p:tgtEl>
-                                          <p:spTgt spid="46"/>
-                                        </p:tgtEl>
-                                      </p:cBhvr>
-                                    </p:animEffect>
-                                  </p:childTnLst>
-                                </p:cTn>
-                              </p:par>
-                              <p:par>
-                                <p:cTn id="34" presetID="53" presetClass="entr" presetSubtype="0" fill="hold" grpId="0" nodeType="withEffect">
-                                  <p:stCondLst>
-                                    <p:cond delay="0"/>
-                                  </p:stCondLst>
-                                  <p:childTnLst>
-                                    <p:set>
-                                      <p:cBhvr>
-                                        <p:cTn id="35" dur="1" fill="hold">
-                                          <p:stCondLst>
-                                            <p:cond delay="0"/>
-                                          </p:stCondLst>
-                                        </p:cTn>
-                                        <p:tgtEl>
-                                          <p:spTgt spid="74"/>
-                                        </p:tgtEl>
-                                        <p:attrNameLst>
-                                          <p:attrName>style.visibility</p:attrName>
-                                        </p:attrNameLst>
-                                      </p:cBhvr>
-                                      <p:to>
-                                        <p:strVal val="visible"/>
-                                      </p:to>
-                                    </p:set>
-                                    <p:anim calcmode="lin" valueType="num">
-                                      <p:cBhvr>
-                                        <p:cTn id="36" dur="500" fill="hold"/>
-                                        <p:tgtEl>
-                                          <p:spTgt spid="74"/>
-                                        </p:tgtEl>
-                                        <p:attrNameLst>
-                                          <p:attrName>ppt_w</p:attrName>
-                                        </p:attrNameLst>
-                                      </p:cBhvr>
-                                      <p:tavLst>
-                                        <p:tav tm="0">
-                                          <p:val>
-                                            <p:fltVal val="0"/>
-                                          </p:val>
-                                        </p:tav>
-                                        <p:tav tm="100000">
-                                          <p:val>
-                                            <p:strVal val="#ppt_w"/>
-                                          </p:val>
-                                        </p:tav>
-                                      </p:tavLst>
-                                    </p:anim>
-                                    <p:anim calcmode="lin" valueType="num">
-                                      <p:cBhvr>
-                                        <p:cTn id="37" dur="500" fill="hold"/>
-                                        <p:tgtEl>
-                                          <p:spTgt spid="74"/>
-                                        </p:tgtEl>
-                                        <p:attrNameLst>
-                                          <p:attrName>ppt_h</p:attrName>
-                                        </p:attrNameLst>
-                                      </p:cBhvr>
-                                      <p:tavLst>
-                                        <p:tav tm="0">
-                                          <p:val>
-                                            <p:fltVal val="0"/>
-                                          </p:val>
-                                        </p:tav>
-                                        <p:tav tm="100000">
-                                          <p:val>
-                                            <p:strVal val="#ppt_h"/>
-                                          </p:val>
-                                        </p:tav>
-                                      </p:tavLst>
-                                    </p:anim>
-                                    <p:animEffect transition="in" filter="fade">
-                                      <p:cBhvr>
-                                        <p:cTn id="38" dur="500"/>
-                                        <p:tgtEl>
-                                          <p:spTgt spid="74"/>
-                                        </p:tgtEl>
-                                      </p:cBhvr>
-                                    </p:animEffect>
-                                  </p:childTnLst>
-                                </p:cTn>
-                              </p:par>
-                            </p:childTnLst>
-                          </p:cTn>
-                        </p:par>
-                      </p:childTnLst>
-                    </p:cTn>
-                  </p:par>
-                  <p:par>
-                    <p:cTn id="39" fill="hold">
-                      <p:stCondLst>
-                        <p:cond delay="indefinite"/>
-                      </p:stCondLst>
-                      <p:childTnLst>
-                        <p:par>
-                          <p:cTn id="40" fill="hold">
-                            <p:stCondLst>
-                              <p:cond delay="0"/>
-                            </p:stCondLst>
-                            <p:childTnLst>
-                              <p:par>
-                                <p:cTn id="41" presetID="53" presetClass="entr" presetSubtype="0" fill="hold" grpId="0" nodeType="clickEffect">
-                                  <p:stCondLst>
-                                    <p:cond delay="0"/>
-                                  </p:stCondLst>
-                                  <p:childTnLst>
-                                    <p:set>
-                                      <p:cBhvr>
-                                        <p:cTn id="42" dur="1" fill="hold">
-                                          <p:stCondLst>
-                                            <p:cond delay="0"/>
-                                          </p:stCondLst>
-                                        </p:cTn>
-                                        <p:tgtEl>
-                                          <p:spTgt spid="81"/>
-                                        </p:tgtEl>
-                                        <p:attrNameLst>
-                                          <p:attrName>style.visibility</p:attrName>
-                                        </p:attrNameLst>
-                                      </p:cBhvr>
-                                      <p:to>
-                                        <p:strVal val="visible"/>
-                                      </p:to>
-                                    </p:set>
-                                    <p:anim calcmode="lin" valueType="num">
-                                      <p:cBhvr>
-                                        <p:cTn id="43" dur="500" fill="hold"/>
-                                        <p:tgtEl>
-                                          <p:spTgt spid="81"/>
-                                        </p:tgtEl>
-                                        <p:attrNameLst>
-                                          <p:attrName>ppt_w</p:attrName>
-                                        </p:attrNameLst>
-                                      </p:cBhvr>
-                                      <p:tavLst>
-                                        <p:tav tm="0">
-                                          <p:val>
-                                            <p:fltVal val="0"/>
-                                          </p:val>
-                                        </p:tav>
-                                        <p:tav tm="100000">
-                                          <p:val>
-                                            <p:strVal val="#ppt_w"/>
-                                          </p:val>
-                                        </p:tav>
-                                      </p:tavLst>
-                                    </p:anim>
-                                    <p:anim calcmode="lin" valueType="num">
-                                      <p:cBhvr>
-                                        <p:cTn id="44" dur="500" fill="hold"/>
-                                        <p:tgtEl>
-                                          <p:spTgt spid="81"/>
-                                        </p:tgtEl>
-                                        <p:attrNameLst>
-                                          <p:attrName>ppt_h</p:attrName>
-                                        </p:attrNameLst>
-                                      </p:cBhvr>
-                                      <p:tavLst>
-                                        <p:tav tm="0">
-                                          <p:val>
-                                            <p:fltVal val="0"/>
-                                          </p:val>
-                                        </p:tav>
-                                        <p:tav tm="100000">
-                                          <p:val>
-                                            <p:strVal val="#ppt_h"/>
-                                          </p:val>
-                                        </p:tav>
-                                      </p:tavLst>
-                                    </p:anim>
-                                    <p:animEffect transition="in" filter="fade">
-                                      <p:cBhvr>
-                                        <p:cTn id="45" dur="500"/>
-                                        <p:tgtEl>
-                                          <p:spTgt spid="81"/>
-                                        </p:tgtEl>
-                                      </p:cBhvr>
-                                    </p:animEffect>
-                                  </p:childTnLst>
-                                </p:cTn>
-                              </p:par>
-                              <p:par>
-                                <p:cTn id="46" presetID="53" presetClass="entr" presetSubtype="0" fill="hold" nodeType="withEffect">
-                                  <p:stCondLst>
-                                    <p:cond delay="0"/>
-                                  </p:stCondLst>
-                                  <p:childTnLst>
-                                    <p:set>
-                                      <p:cBhvr>
-                                        <p:cTn id="47" dur="1" fill="hold">
-                                          <p:stCondLst>
-                                            <p:cond delay="0"/>
-                                          </p:stCondLst>
-                                        </p:cTn>
-                                        <p:tgtEl>
-                                          <p:spTgt spid="49"/>
-                                        </p:tgtEl>
-                                        <p:attrNameLst>
-                                          <p:attrName>style.visibility</p:attrName>
-                                        </p:attrNameLst>
-                                      </p:cBhvr>
-                                      <p:to>
-                                        <p:strVal val="visible"/>
-                                      </p:to>
-                                    </p:set>
-                                    <p:anim calcmode="lin" valueType="num">
-                                      <p:cBhvr>
-                                        <p:cTn id="48" dur="500" fill="hold"/>
-                                        <p:tgtEl>
-                                          <p:spTgt spid="49"/>
-                                        </p:tgtEl>
-                                        <p:attrNameLst>
-                                          <p:attrName>ppt_w</p:attrName>
-                                        </p:attrNameLst>
-                                      </p:cBhvr>
-                                      <p:tavLst>
-                                        <p:tav tm="0">
-                                          <p:val>
-                                            <p:fltVal val="0"/>
-                                          </p:val>
-                                        </p:tav>
-                                        <p:tav tm="100000">
-                                          <p:val>
-                                            <p:strVal val="#ppt_w"/>
-                                          </p:val>
-                                        </p:tav>
-                                      </p:tavLst>
-                                    </p:anim>
-                                    <p:anim calcmode="lin" valueType="num">
-                                      <p:cBhvr>
-                                        <p:cTn id="49" dur="500" fill="hold"/>
-                                        <p:tgtEl>
-                                          <p:spTgt spid="49"/>
-                                        </p:tgtEl>
-                                        <p:attrNameLst>
-                                          <p:attrName>ppt_h</p:attrName>
-                                        </p:attrNameLst>
-                                      </p:cBhvr>
-                                      <p:tavLst>
-                                        <p:tav tm="0">
-                                          <p:val>
-                                            <p:fltVal val="0"/>
-                                          </p:val>
-                                        </p:tav>
-                                        <p:tav tm="100000">
-                                          <p:val>
-                                            <p:strVal val="#ppt_h"/>
-                                          </p:val>
-                                        </p:tav>
-                                      </p:tavLst>
-                                    </p:anim>
-                                    <p:animEffect transition="in" filter="fade">
-                                      <p:cBhvr>
-                                        <p:cTn id="50" dur="500"/>
-                                        <p:tgtEl>
-                                          <p:spTgt spid="49"/>
-                                        </p:tgtEl>
-                                      </p:cBhvr>
-                                    </p:animEffect>
-                                  </p:childTnLst>
-                                </p:cTn>
-                              </p:par>
-                            </p:childTnLst>
-                          </p:cTn>
-                        </p:par>
-                      </p:childTnLst>
-                    </p:cTn>
-                  </p:par>
-                  <p:par>
-                    <p:cTn id="51" fill="hold">
-                      <p:stCondLst>
-                        <p:cond delay="indefinite"/>
-                      </p:stCondLst>
-                      <p:childTnLst>
-                        <p:par>
-                          <p:cTn id="52" fill="hold">
-                            <p:stCondLst>
-                              <p:cond delay="0"/>
-                            </p:stCondLst>
-                            <p:childTnLst>
-                              <p:par>
-                                <p:cTn id="53" presetID="53" presetClass="entr" presetSubtype="0" fill="hold" nodeType="clickEffect">
-                                  <p:stCondLst>
-                                    <p:cond delay="0"/>
-                                  </p:stCondLst>
-                                  <p:childTnLst>
-                                    <p:set>
-                                      <p:cBhvr>
-                                        <p:cTn id="54" dur="1" fill="hold">
-                                          <p:stCondLst>
-                                            <p:cond delay="0"/>
-                                          </p:stCondLst>
-                                        </p:cTn>
-                                        <p:tgtEl>
-                                          <p:spTgt spid="47"/>
-                                        </p:tgtEl>
-                                        <p:attrNameLst>
-                                          <p:attrName>style.visibility</p:attrName>
-                                        </p:attrNameLst>
-                                      </p:cBhvr>
-                                      <p:to>
-                                        <p:strVal val="visible"/>
-                                      </p:to>
-                                    </p:set>
-                                    <p:anim calcmode="lin" valueType="num">
-                                      <p:cBhvr>
-                                        <p:cTn id="55" dur="500" fill="hold"/>
-                                        <p:tgtEl>
-                                          <p:spTgt spid="47"/>
-                                        </p:tgtEl>
-                                        <p:attrNameLst>
-                                          <p:attrName>ppt_w</p:attrName>
-                                        </p:attrNameLst>
-                                      </p:cBhvr>
-                                      <p:tavLst>
-                                        <p:tav tm="0">
-                                          <p:val>
-                                            <p:fltVal val="0"/>
-                                          </p:val>
-                                        </p:tav>
-                                        <p:tav tm="100000">
-                                          <p:val>
-                                            <p:strVal val="#ppt_w"/>
-                                          </p:val>
-                                        </p:tav>
-                                      </p:tavLst>
-                                    </p:anim>
-                                    <p:anim calcmode="lin" valueType="num">
-                                      <p:cBhvr>
-                                        <p:cTn id="56" dur="500" fill="hold"/>
-                                        <p:tgtEl>
-                                          <p:spTgt spid="47"/>
-                                        </p:tgtEl>
-                                        <p:attrNameLst>
-                                          <p:attrName>ppt_h</p:attrName>
-                                        </p:attrNameLst>
-                                      </p:cBhvr>
-                                      <p:tavLst>
-                                        <p:tav tm="0">
-                                          <p:val>
-                                            <p:fltVal val="0"/>
-                                          </p:val>
-                                        </p:tav>
-                                        <p:tav tm="100000">
-                                          <p:val>
-                                            <p:strVal val="#ppt_h"/>
-                                          </p:val>
-                                        </p:tav>
-                                      </p:tavLst>
-                                    </p:anim>
-                                    <p:animEffect transition="in" filter="fade">
-                                      <p:cBhvr>
-                                        <p:cTn id="57" dur="500"/>
-                                        <p:tgtEl>
-                                          <p:spTgt spid="47"/>
-                                        </p:tgtEl>
-                                      </p:cBhvr>
-                                    </p:animEffect>
-                                  </p:childTnLst>
-                                </p:cTn>
-                              </p:par>
-                              <p:par>
-                                <p:cTn id="58" presetID="53" presetClass="entr" presetSubtype="0" fill="hold" grpId="0" nodeType="withEffect">
-                                  <p:stCondLst>
-                                    <p:cond delay="0"/>
-                                  </p:stCondLst>
-                                  <p:childTnLst>
-                                    <p:set>
-                                      <p:cBhvr>
-                                        <p:cTn id="59" dur="1" fill="hold">
-                                          <p:stCondLst>
-                                            <p:cond delay="0"/>
-                                          </p:stCondLst>
-                                        </p:cTn>
-                                        <p:tgtEl>
-                                          <p:spTgt spid="77"/>
-                                        </p:tgtEl>
-                                        <p:attrNameLst>
-                                          <p:attrName>style.visibility</p:attrName>
-                                        </p:attrNameLst>
-                                      </p:cBhvr>
-                                      <p:to>
-                                        <p:strVal val="visible"/>
-                                      </p:to>
-                                    </p:set>
-                                    <p:anim calcmode="lin" valueType="num">
-                                      <p:cBhvr>
-                                        <p:cTn id="60" dur="500" fill="hold"/>
-                                        <p:tgtEl>
-                                          <p:spTgt spid="77"/>
-                                        </p:tgtEl>
-                                        <p:attrNameLst>
-                                          <p:attrName>ppt_w</p:attrName>
-                                        </p:attrNameLst>
-                                      </p:cBhvr>
-                                      <p:tavLst>
-                                        <p:tav tm="0">
-                                          <p:val>
-                                            <p:fltVal val="0"/>
-                                          </p:val>
-                                        </p:tav>
-                                        <p:tav tm="100000">
-                                          <p:val>
-                                            <p:strVal val="#ppt_w"/>
-                                          </p:val>
-                                        </p:tav>
-                                      </p:tavLst>
-                                    </p:anim>
-                                    <p:anim calcmode="lin" valueType="num">
-                                      <p:cBhvr>
-                                        <p:cTn id="61" dur="500" fill="hold"/>
-                                        <p:tgtEl>
-                                          <p:spTgt spid="77"/>
-                                        </p:tgtEl>
-                                        <p:attrNameLst>
-                                          <p:attrName>ppt_h</p:attrName>
-                                        </p:attrNameLst>
-                                      </p:cBhvr>
-                                      <p:tavLst>
-                                        <p:tav tm="0">
-                                          <p:val>
-                                            <p:fltVal val="0"/>
-                                          </p:val>
-                                        </p:tav>
-                                        <p:tav tm="100000">
-                                          <p:val>
-                                            <p:strVal val="#ppt_h"/>
-                                          </p:val>
-                                        </p:tav>
-                                      </p:tavLst>
-                                    </p:anim>
-                                    <p:animEffect transition="in" filter="fade">
-                                      <p:cBhvr>
-                                        <p:cTn id="62" dur="500"/>
-                                        <p:tgtEl>
-                                          <p:spTgt spid="77"/>
-                                        </p:tgtEl>
-                                      </p:cBhvr>
-                                    </p:animEffect>
-                                  </p:childTnLst>
-                                </p:cTn>
-                              </p:par>
-                            </p:childTnLst>
-                          </p:cTn>
-                        </p:par>
-                      </p:childTnLst>
-                    </p:cTn>
-                  </p:par>
-                  <p:par>
-                    <p:cTn id="63" fill="hold">
-                      <p:stCondLst>
-                        <p:cond delay="indefinite"/>
-                      </p:stCondLst>
-                      <p:childTnLst>
-                        <p:par>
-                          <p:cTn id="64" fill="hold">
-                            <p:stCondLst>
-                              <p:cond delay="0"/>
-                            </p:stCondLst>
-                            <p:childTnLst>
-                              <p:par>
-                                <p:cTn id="65" presetID="53" presetClass="entr" presetSubtype="0" fill="hold" grpId="0" nodeType="clickEffect">
-                                  <p:stCondLst>
-                                    <p:cond delay="0"/>
-                                  </p:stCondLst>
-                                  <p:childTnLst>
-                                    <p:set>
-                                      <p:cBhvr>
-                                        <p:cTn id="66" dur="1" fill="hold">
-                                          <p:stCondLst>
-                                            <p:cond delay="0"/>
-                                          </p:stCondLst>
-                                        </p:cTn>
-                                        <p:tgtEl>
-                                          <p:spTgt spid="82"/>
-                                        </p:tgtEl>
-                                        <p:attrNameLst>
-                                          <p:attrName>style.visibility</p:attrName>
-                                        </p:attrNameLst>
-                                      </p:cBhvr>
-                                      <p:to>
-                                        <p:strVal val="visible"/>
-                                      </p:to>
-                                    </p:set>
-                                    <p:anim calcmode="lin" valueType="num">
-                                      <p:cBhvr>
-                                        <p:cTn id="67" dur="500" fill="hold"/>
-                                        <p:tgtEl>
-                                          <p:spTgt spid="82"/>
-                                        </p:tgtEl>
-                                        <p:attrNameLst>
-                                          <p:attrName>ppt_w</p:attrName>
-                                        </p:attrNameLst>
-                                      </p:cBhvr>
-                                      <p:tavLst>
-                                        <p:tav tm="0">
-                                          <p:val>
-                                            <p:fltVal val="0"/>
-                                          </p:val>
-                                        </p:tav>
-                                        <p:tav tm="100000">
-                                          <p:val>
-                                            <p:strVal val="#ppt_w"/>
-                                          </p:val>
-                                        </p:tav>
-                                      </p:tavLst>
-                                    </p:anim>
-                                    <p:anim calcmode="lin" valueType="num">
-                                      <p:cBhvr>
-                                        <p:cTn id="68" dur="500" fill="hold"/>
-                                        <p:tgtEl>
-                                          <p:spTgt spid="82"/>
-                                        </p:tgtEl>
-                                        <p:attrNameLst>
-                                          <p:attrName>ppt_h</p:attrName>
-                                        </p:attrNameLst>
-                                      </p:cBhvr>
-                                      <p:tavLst>
-                                        <p:tav tm="0">
-                                          <p:val>
-                                            <p:fltVal val="0"/>
-                                          </p:val>
-                                        </p:tav>
-                                        <p:tav tm="100000">
-                                          <p:val>
-                                            <p:strVal val="#ppt_h"/>
-                                          </p:val>
-                                        </p:tav>
-                                      </p:tavLst>
-                                    </p:anim>
-                                    <p:animEffect transition="in" filter="fade">
-                                      <p:cBhvr>
-                                        <p:cTn id="69" dur="500"/>
-                                        <p:tgtEl>
-                                          <p:spTgt spid="82"/>
-                                        </p:tgtEl>
-                                      </p:cBhvr>
-                                    </p:animEffect>
-                                  </p:childTnLst>
-                                </p:cTn>
-                              </p:par>
-                              <p:par>
-                                <p:cTn id="70" presetID="53" presetClass="entr" presetSubtype="0" fill="hold" nodeType="withEffect">
-                                  <p:stCondLst>
-                                    <p:cond delay="0"/>
-                                  </p:stCondLst>
-                                  <p:childTnLst>
-                                    <p:set>
-                                      <p:cBhvr>
-                                        <p:cTn id="71" dur="1" fill="hold">
-                                          <p:stCondLst>
-                                            <p:cond delay="0"/>
-                                          </p:stCondLst>
-                                        </p:cTn>
-                                        <p:tgtEl>
-                                          <p:spTgt spid="50"/>
-                                        </p:tgtEl>
-                                        <p:attrNameLst>
-                                          <p:attrName>style.visibility</p:attrName>
-                                        </p:attrNameLst>
-                                      </p:cBhvr>
-                                      <p:to>
-                                        <p:strVal val="visible"/>
-                                      </p:to>
-                                    </p:set>
-                                    <p:anim calcmode="lin" valueType="num">
-                                      <p:cBhvr>
-                                        <p:cTn id="72" dur="500" fill="hold"/>
-                                        <p:tgtEl>
-                                          <p:spTgt spid="50"/>
-                                        </p:tgtEl>
-                                        <p:attrNameLst>
-                                          <p:attrName>ppt_w</p:attrName>
-                                        </p:attrNameLst>
-                                      </p:cBhvr>
-                                      <p:tavLst>
-                                        <p:tav tm="0">
-                                          <p:val>
-                                            <p:fltVal val="0"/>
-                                          </p:val>
-                                        </p:tav>
-                                        <p:tav tm="100000">
-                                          <p:val>
-                                            <p:strVal val="#ppt_w"/>
-                                          </p:val>
-                                        </p:tav>
-                                      </p:tavLst>
-                                    </p:anim>
-                                    <p:anim calcmode="lin" valueType="num">
-                                      <p:cBhvr>
-                                        <p:cTn id="73" dur="500" fill="hold"/>
-                                        <p:tgtEl>
-                                          <p:spTgt spid="50"/>
-                                        </p:tgtEl>
-                                        <p:attrNameLst>
-                                          <p:attrName>ppt_h</p:attrName>
-                                        </p:attrNameLst>
-                                      </p:cBhvr>
-                                      <p:tavLst>
-                                        <p:tav tm="0">
-                                          <p:val>
-                                            <p:fltVal val="0"/>
-                                          </p:val>
-                                        </p:tav>
-                                        <p:tav tm="100000">
-                                          <p:val>
-                                            <p:strVal val="#ppt_h"/>
-                                          </p:val>
-                                        </p:tav>
-                                      </p:tavLst>
-                                    </p:anim>
-                                    <p:animEffect transition="in" filter="fade">
-                                      <p:cBhvr>
-                                        <p:cTn id="74" dur="500"/>
-                                        <p:tgtEl>
-                                          <p:spTgt spid="50"/>
-                                        </p:tgtEl>
-                                      </p:cBhvr>
-                                    </p:animEffect>
-                                  </p:childTnLst>
-                                </p:cTn>
-                              </p:par>
-                            </p:childTnLst>
-                          </p:cTn>
-                        </p:par>
-                      </p:childTnLst>
-                    </p:cTn>
-                  </p:par>
-                  <p:par>
-                    <p:cTn id="75" fill="hold">
-                      <p:stCondLst>
-                        <p:cond delay="indefinite"/>
-                      </p:stCondLst>
-                      <p:childTnLst>
-                        <p:par>
-                          <p:cTn id="76" fill="hold">
-                            <p:stCondLst>
-                              <p:cond delay="0"/>
-                            </p:stCondLst>
-                            <p:childTnLst>
-                              <p:par>
-                                <p:cTn id="77" presetID="53" presetClass="entr" presetSubtype="0" fill="hold" nodeType="clickEffect">
-                                  <p:stCondLst>
-                                    <p:cond delay="0"/>
-                                  </p:stCondLst>
-                                  <p:childTnLst>
-                                    <p:set>
-                                      <p:cBhvr>
-                                        <p:cTn id="78" dur="1" fill="hold">
-                                          <p:stCondLst>
-                                            <p:cond delay="0"/>
-                                          </p:stCondLst>
-                                        </p:cTn>
-                                        <p:tgtEl>
-                                          <p:spTgt spid="48"/>
-                                        </p:tgtEl>
-                                        <p:attrNameLst>
-                                          <p:attrName>style.visibility</p:attrName>
-                                        </p:attrNameLst>
-                                      </p:cBhvr>
-                                      <p:to>
-                                        <p:strVal val="visible"/>
-                                      </p:to>
-                                    </p:set>
-                                    <p:anim calcmode="lin" valueType="num">
-                                      <p:cBhvr>
-                                        <p:cTn id="79" dur="500" fill="hold"/>
-                                        <p:tgtEl>
-                                          <p:spTgt spid="48"/>
-                                        </p:tgtEl>
-                                        <p:attrNameLst>
-                                          <p:attrName>ppt_w</p:attrName>
-                                        </p:attrNameLst>
-                                      </p:cBhvr>
-                                      <p:tavLst>
-                                        <p:tav tm="0">
-                                          <p:val>
-                                            <p:fltVal val="0"/>
-                                          </p:val>
-                                        </p:tav>
-                                        <p:tav tm="100000">
-                                          <p:val>
-                                            <p:strVal val="#ppt_w"/>
-                                          </p:val>
-                                        </p:tav>
-                                      </p:tavLst>
-                                    </p:anim>
-                                    <p:anim calcmode="lin" valueType="num">
-                                      <p:cBhvr>
-                                        <p:cTn id="80" dur="500" fill="hold"/>
-                                        <p:tgtEl>
-                                          <p:spTgt spid="48"/>
-                                        </p:tgtEl>
-                                        <p:attrNameLst>
-                                          <p:attrName>ppt_h</p:attrName>
-                                        </p:attrNameLst>
-                                      </p:cBhvr>
-                                      <p:tavLst>
-                                        <p:tav tm="0">
-                                          <p:val>
-                                            <p:fltVal val="0"/>
-                                          </p:val>
-                                        </p:tav>
-                                        <p:tav tm="100000">
-                                          <p:val>
-                                            <p:strVal val="#ppt_h"/>
-                                          </p:val>
-                                        </p:tav>
-                                      </p:tavLst>
-                                    </p:anim>
-                                    <p:animEffect transition="in" filter="fade">
-                                      <p:cBhvr>
-                                        <p:cTn id="81" dur="500"/>
-                                        <p:tgtEl>
-                                          <p:spTgt spid="48"/>
-                                        </p:tgtEl>
-                                      </p:cBhvr>
-                                    </p:animEffect>
-                                  </p:childTnLst>
-                                </p:cTn>
-                              </p:par>
-                              <p:par>
-                                <p:cTn id="82" presetID="53" presetClass="entr" presetSubtype="0" fill="hold" grpId="0" nodeType="withEffect">
-                                  <p:stCondLst>
-                                    <p:cond delay="0"/>
-                                  </p:stCondLst>
-                                  <p:childTnLst>
-                                    <p:set>
-                                      <p:cBhvr>
-                                        <p:cTn id="83" dur="1" fill="hold">
-                                          <p:stCondLst>
-                                            <p:cond delay="0"/>
-                                          </p:stCondLst>
-                                        </p:cTn>
-                                        <p:tgtEl>
-                                          <p:spTgt spid="84"/>
-                                        </p:tgtEl>
-                                        <p:attrNameLst>
-                                          <p:attrName>style.visibility</p:attrName>
-                                        </p:attrNameLst>
-                                      </p:cBhvr>
-                                      <p:to>
-                                        <p:strVal val="visible"/>
-                                      </p:to>
-                                    </p:set>
-                                    <p:anim calcmode="lin" valueType="num">
-                                      <p:cBhvr>
-                                        <p:cTn id="84" dur="500" fill="hold"/>
-                                        <p:tgtEl>
-                                          <p:spTgt spid="84"/>
-                                        </p:tgtEl>
-                                        <p:attrNameLst>
-                                          <p:attrName>ppt_w</p:attrName>
-                                        </p:attrNameLst>
-                                      </p:cBhvr>
-                                      <p:tavLst>
-                                        <p:tav tm="0">
-                                          <p:val>
-                                            <p:fltVal val="0"/>
-                                          </p:val>
-                                        </p:tav>
-                                        <p:tav tm="100000">
-                                          <p:val>
-                                            <p:strVal val="#ppt_w"/>
-                                          </p:val>
-                                        </p:tav>
-                                      </p:tavLst>
-                                    </p:anim>
-                                    <p:anim calcmode="lin" valueType="num">
-                                      <p:cBhvr>
-                                        <p:cTn id="85" dur="500" fill="hold"/>
-                                        <p:tgtEl>
-                                          <p:spTgt spid="84"/>
-                                        </p:tgtEl>
-                                        <p:attrNameLst>
-                                          <p:attrName>ppt_h</p:attrName>
-                                        </p:attrNameLst>
-                                      </p:cBhvr>
-                                      <p:tavLst>
-                                        <p:tav tm="0">
-                                          <p:val>
-                                            <p:fltVal val="0"/>
-                                          </p:val>
-                                        </p:tav>
-                                        <p:tav tm="100000">
-                                          <p:val>
-                                            <p:strVal val="#ppt_h"/>
-                                          </p:val>
-                                        </p:tav>
-                                      </p:tavLst>
-                                    </p:anim>
-                                    <p:animEffect transition="in" filter="fade">
-                                      <p:cBhvr>
-                                        <p:cTn id="86" dur="500"/>
-                                        <p:tgtEl>
-                                          <p:spTgt spid="84"/>
-                                        </p:tgtEl>
-                                      </p:cBhvr>
-                                    </p:animEffect>
-                                  </p:childTnLst>
-                                </p:cTn>
-                              </p:par>
-                            </p:childTnLst>
-                          </p:cTn>
-                        </p:par>
-                      </p:childTnLst>
-                    </p:cTn>
-                  </p:par>
-                  <p:par>
-                    <p:cTn id="87" fill="hold">
-                      <p:stCondLst>
-                        <p:cond delay="indefinite"/>
-                      </p:stCondLst>
-                      <p:childTnLst>
-                        <p:par>
-                          <p:cTn id="88" fill="hold">
-                            <p:stCondLst>
-                              <p:cond delay="0"/>
-                            </p:stCondLst>
-                            <p:childTnLst>
-                              <p:par>
-                                <p:cTn id="89" presetID="53" presetClass="entr" presetSubtype="0" fill="hold" grpId="0" nodeType="clickEffect">
-                                  <p:stCondLst>
-                                    <p:cond delay="0"/>
-                                  </p:stCondLst>
-                                  <p:childTnLst>
-                                    <p:set>
-                                      <p:cBhvr>
-                                        <p:cTn id="90" dur="1" fill="hold">
-                                          <p:stCondLst>
-                                            <p:cond delay="0"/>
-                                          </p:stCondLst>
-                                        </p:cTn>
-                                        <p:tgtEl>
-                                          <p:spTgt spid="86"/>
-                                        </p:tgtEl>
-                                        <p:attrNameLst>
-                                          <p:attrName>style.visibility</p:attrName>
-                                        </p:attrNameLst>
-                                      </p:cBhvr>
-                                      <p:to>
-                                        <p:strVal val="visible"/>
-                                      </p:to>
-                                    </p:set>
-                                    <p:anim calcmode="lin" valueType="num">
-                                      <p:cBhvr>
-                                        <p:cTn id="91" dur="500" fill="hold"/>
-                                        <p:tgtEl>
-                                          <p:spTgt spid="86"/>
-                                        </p:tgtEl>
-                                        <p:attrNameLst>
-                                          <p:attrName>ppt_w</p:attrName>
-                                        </p:attrNameLst>
-                                      </p:cBhvr>
-                                      <p:tavLst>
-                                        <p:tav tm="0">
-                                          <p:val>
-                                            <p:fltVal val="0"/>
-                                          </p:val>
-                                        </p:tav>
-                                        <p:tav tm="100000">
-                                          <p:val>
-                                            <p:strVal val="#ppt_w"/>
-                                          </p:val>
-                                        </p:tav>
-                                      </p:tavLst>
-                                    </p:anim>
-                                    <p:anim calcmode="lin" valueType="num">
-                                      <p:cBhvr>
-                                        <p:cTn id="92" dur="500" fill="hold"/>
-                                        <p:tgtEl>
-                                          <p:spTgt spid="86"/>
-                                        </p:tgtEl>
-                                        <p:attrNameLst>
-                                          <p:attrName>ppt_h</p:attrName>
-                                        </p:attrNameLst>
-                                      </p:cBhvr>
-                                      <p:tavLst>
-                                        <p:tav tm="0">
-                                          <p:val>
-                                            <p:fltVal val="0"/>
-                                          </p:val>
-                                        </p:tav>
-                                        <p:tav tm="100000">
-                                          <p:val>
-                                            <p:strVal val="#ppt_h"/>
-                                          </p:val>
-                                        </p:tav>
-                                      </p:tavLst>
-                                    </p:anim>
-                                    <p:animEffect transition="in" filter="fade">
-                                      <p:cBhvr>
-                                        <p:cTn id="93" dur="500"/>
-                                        <p:tgtEl>
-                                          <p:spTgt spid="86"/>
-                                        </p:tgtEl>
-                                      </p:cBhvr>
-                                    </p:animEffect>
-                                  </p:childTnLst>
-                                </p:cTn>
-                              </p:par>
-                              <p:par>
-                                <p:cTn id="94" presetID="53" presetClass="entr" presetSubtype="0" fill="hold" nodeType="withEffect">
-                                  <p:stCondLst>
-                                    <p:cond delay="0"/>
-                                  </p:stCondLst>
-                                  <p:childTnLst>
-                                    <p:set>
-                                      <p:cBhvr>
-                                        <p:cTn id="95" dur="1" fill="hold">
-                                          <p:stCondLst>
-                                            <p:cond delay="0"/>
-                                          </p:stCondLst>
-                                        </p:cTn>
-                                        <p:tgtEl>
-                                          <p:spTgt spid="51"/>
-                                        </p:tgtEl>
-                                        <p:attrNameLst>
-                                          <p:attrName>style.visibility</p:attrName>
-                                        </p:attrNameLst>
-                                      </p:cBhvr>
-                                      <p:to>
-                                        <p:strVal val="visible"/>
-                                      </p:to>
-                                    </p:set>
-                                    <p:anim calcmode="lin" valueType="num">
-                                      <p:cBhvr>
-                                        <p:cTn id="96" dur="500" fill="hold"/>
-                                        <p:tgtEl>
-                                          <p:spTgt spid="51"/>
-                                        </p:tgtEl>
-                                        <p:attrNameLst>
-                                          <p:attrName>ppt_w</p:attrName>
-                                        </p:attrNameLst>
-                                      </p:cBhvr>
-                                      <p:tavLst>
-                                        <p:tav tm="0">
-                                          <p:val>
-                                            <p:fltVal val="0"/>
-                                          </p:val>
-                                        </p:tav>
-                                        <p:tav tm="100000">
-                                          <p:val>
-                                            <p:strVal val="#ppt_w"/>
-                                          </p:val>
-                                        </p:tav>
-                                      </p:tavLst>
-                                    </p:anim>
-                                    <p:anim calcmode="lin" valueType="num">
-                                      <p:cBhvr>
-                                        <p:cTn id="97" dur="500" fill="hold"/>
-                                        <p:tgtEl>
-                                          <p:spTgt spid="51"/>
-                                        </p:tgtEl>
-                                        <p:attrNameLst>
-                                          <p:attrName>ppt_h</p:attrName>
-                                        </p:attrNameLst>
-                                      </p:cBhvr>
-                                      <p:tavLst>
-                                        <p:tav tm="0">
-                                          <p:val>
-                                            <p:fltVal val="0"/>
-                                          </p:val>
-                                        </p:tav>
-                                        <p:tav tm="100000">
-                                          <p:val>
-                                            <p:strVal val="#ppt_h"/>
-                                          </p:val>
-                                        </p:tav>
-                                      </p:tavLst>
-                                    </p:anim>
-                                    <p:animEffect transition="in" filter="fade">
-                                      <p:cBhvr>
-                                        <p:cTn id="98" dur="500"/>
-                                        <p:tgtEl>
-                                          <p:spTgt spid="51"/>
-                                        </p:tgtEl>
-                                      </p:cBhvr>
-                                    </p:animEffect>
-                                  </p:childTnLst>
-                                </p:cTn>
-                              </p:par>
-                              <p:par>
-                                <p:cTn id="99" presetID="10" presetClass="entr" presetSubtype="0" fill="hold" grpId="0" nodeType="withEffect">
-                                  <p:stCondLst>
-                                    <p:cond delay="0"/>
-                                  </p:stCondLst>
-                                  <p:childTnLst>
-                                    <p:set>
-                                      <p:cBhvr>
-                                        <p:cTn id="100" dur="1" fill="hold">
-                                          <p:stCondLst>
-                                            <p:cond delay="0"/>
-                                          </p:stCondLst>
-                                        </p:cTn>
-                                        <p:tgtEl>
-                                          <p:spTgt spid="70"/>
-                                        </p:tgtEl>
-                                        <p:attrNameLst>
-                                          <p:attrName>style.visibility</p:attrName>
-                                        </p:attrNameLst>
-                                      </p:cBhvr>
-                                      <p:to>
-                                        <p:strVal val="visible"/>
-                                      </p:to>
-                                    </p:set>
-                                    <p:animEffect transition="in" filter="fade">
-                                      <p:cBhvr>
-                                        <p:cTn id="101" dur="500"/>
-                                        <p:tgtEl>
-                                          <p:spTgt spid="70"/>
-                                        </p:tgtEl>
-                                      </p:cBhvr>
-                                    </p:animEffect>
-                                  </p:childTnLst>
-                                </p:cTn>
-                              </p:par>
-                              <p:par>
-                                <p:cTn id="102" presetID="53" presetClass="entr" presetSubtype="0" fill="hold" nodeType="withEffect">
-                                  <p:stCondLst>
-                                    <p:cond delay="0"/>
-                                  </p:stCondLst>
-                                  <p:childTnLst>
-                                    <p:set>
-                                      <p:cBhvr>
-                                        <p:cTn id="103" dur="1" fill="hold">
-                                          <p:stCondLst>
-                                            <p:cond delay="0"/>
-                                          </p:stCondLst>
-                                        </p:cTn>
-                                        <p:tgtEl>
-                                          <p:spTgt spid="52"/>
-                                        </p:tgtEl>
-                                        <p:attrNameLst>
-                                          <p:attrName>style.visibility</p:attrName>
-                                        </p:attrNameLst>
-                                      </p:cBhvr>
-                                      <p:to>
-                                        <p:strVal val="visible"/>
-                                      </p:to>
-                                    </p:set>
-                                    <p:anim calcmode="lin" valueType="num">
-                                      <p:cBhvr>
-                                        <p:cTn id="104" dur="1000" fill="hold"/>
-                                        <p:tgtEl>
-                                          <p:spTgt spid="52"/>
-                                        </p:tgtEl>
-                                        <p:attrNameLst>
-                                          <p:attrName>ppt_w</p:attrName>
-                                        </p:attrNameLst>
-                                      </p:cBhvr>
-                                      <p:tavLst>
-                                        <p:tav tm="0">
-                                          <p:val>
-                                            <p:fltVal val="0"/>
-                                          </p:val>
-                                        </p:tav>
-                                        <p:tav tm="100000">
-                                          <p:val>
-                                            <p:strVal val="#ppt_w"/>
-                                          </p:val>
-                                        </p:tav>
-                                      </p:tavLst>
-                                    </p:anim>
-                                    <p:anim calcmode="lin" valueType="num">
-                                      <p:cBhvr>
-                                        <p:cTn id="105" dur="1000" fill="hold"/>
-                                        <p:tgtEl>
-                                          <p:spTgt spid="52"/>
-                                        </p:tgtEl>
-                                        <p:attrNameLst>
-                                          <p:attrName>ppt_h</p:attrName>
-                                        </p:attrNameLst>
-                                      </p:cBhvr>
-                                      <p:tavLst>
-                                        <p:tav tm="0">
-                                          <p:val>
-                                            <p:fltVal val="0"/>
-                                          </p:val>
-                                        </p:tav>
-                                        <p:tav tm="100000">
-                                          <p:val>
-                                            <p:strVal val="#ppt_h"/>
-                                          </p:val>
-                                        </p:tav>
-                                      </p:tavLst>
-                                    </p:anim>
-                                    <p:animEffect transition="in" filter="fade">
-                                      <p:cBhvr>
-                                        <p:cTn id="106" dur="1000"/>
-                                        <p:tgtEl>
-                                          <p:spTgt spid="52"/>
-                                        </p:tgtEl>
-                                      </p:cBhvr>
-                                    </p:animEffect>
-                                  </p:childTnLst>
-                                </p:cTn>
-                              </p:par>
-                              <p:par>
-                                <p:cTn id="107" presetID="53" presetClass="entr" presetSubtype="0" fill="hold" grpId="0" nodeType="withEffect">
-                                  <p:stCondLst>
-                                    <p:cond delay="0"/>
-                                  </p:stCondLst>
-                                  <p:childTnLst>
-                                    <p:set>
-                                      <p:cBhvr>
-                                        <p:cTn id="108" dur="1" fill="hold">
-                                          <p:stCondLst>
-                                            <p:cond delay="0"/>
-                                          </p:stCondLst>
-                                        </p:cTn>
-                                        <p:tgtEl>
-                                          <p:spTgt spid="58"/>
-                                        </p:tgtEl>
-                                        <p:attrNameLst>
-                                          <p:attrName>style.visibility</p:attrName>
-                                        </p:attrNameLst>
-                                      </p:cBhvr>
-                                      <p:to>
-                                        <p:strVal val="visible"/>
-                                      </p:to>
-                                    </p:set>
-                                    <p:anim calcmode="lin" valueType="num">
-                                      <p:cBhvr>
-                                        <p:cTn id="109" dur="1000" fill="hold"/>
-                                        <p:tgtEl>
-                                          <p:spTgt spid="58"/>
-                                        </p:tgtEl>
-                                        <p:attrNameLst>
-                                          <p:attrName>ppt_w</p:attrName>
-                                        </p:attrNameLst>
-                                      </p:cBhvr>
-                                      <p:tavLst>
-                                        <p:tav tm="0">
-                                          <p:val>
-                                            <p:fltVal val="0"/>
-                                          </p:val>
-                                        </p:tav>
-                                        <p:tav tm="100000">
-                                          <p:val>
-                                            <p:strVal val="#ppt_w"/>
-                                          </p:val>
-                                        </p:tav>
-                                      </p:tavLst>
-                                    </p:anim>
-                                    <p:anim calcmode="lin" valueType="num">
-                                      <p:cBhvr>
-                                        <p:cTn id="110" dur="1000" fill="hold"/>
-                                        <p:tgtEl>
-                                          <p:spTgt spid="58"/>
-                                        </p:tgtEl>
-                                        <p:attrNameLst>
-                                          <p:attrName>ppt_h</p:attrName>
-                                        </p:attrNameLst>
-                                      </p:cBhvr>
-                                      <p:tavLst>
-                                        <p:tav tm="0">
-                                          <p:val>
-                                            <p:fltVal val="0"/>
-                                          </p:val>
-                                        </p:tav>
-                                        <p:tav tm="100000">
-                                          <p:val>
-                                            <p:strVal val="#ppt_h"/>
-                                          </p:val>
-                                        </p:tav>
-                                      </p:tavLst>
-                                    </p:anim>
-                                    <p:animEffect transition="in" filter="fade">
-                                      <p:cBhvr>
-                                        <p:cTn id="111" dur="1000"/>
-                                        <p:tgtEl>
-                                          <p:spTgt spid="58"/>
-                                        </p:tgtEl>
-                                      </p:cBhvr>
-                                    </p:animEffect>
-                                  </p:childTnLst>
-                                </p:cTn>
-                              </p:par>
-                            </p:childTnLst>
-                          </p:cTn>
-                        </p:par>
-                      </p:childTnLst>
-                    </p:cTn>
-                  </p:par>
-                  <p:par>
-                    <p:cTn id="112" fill="hold">
-                      <p:stCondLst>
-                        <p:cond delay="indefinite"/>
-                      </p:stCondLst>
-                      <p:childTnLst>
-                        <p:par>
-                          <p:cTn id="113" fill="hold">
-                            <p:stCondLst>
-                              <p:cond delay="0"/>
-                            </p:stCondLst>
-                            <p:childTnLst>
-                              <p:par>
-                                <p:cTn id="114" presetID="53" presetClass="entr" presetSubtype="0" fill="hold" grpId="0" nodeType="clickEffect">
-                                  <p:stCondLst>
-                                    <p:cond delay="0"/>
-                                  </p:stCondLst>
-                                  <p:childTnLst>
-                                    <p:set>
-                                      <p:cBhvr>
-                                        <p:cTn id="115" dur="1" fill="hold">
-                                          <p:stCondLst>
-                                            <p:cond delay="0"/>
-                                          </p:stCondLst>
-                                        </p:cTn>
-                                        <p:tgtEl>
-                                          <p:spTgt spid="60"/>
-                                        </p:tgtEl>
-                                        <p:attrNameLst>
-                                          <p:attrName>style.visibility</p:attrName>
-                                        </p:attrNameLst>
-                                      </p:cBhvr>
-                                      <p:to>
-                                        <p:strVal val="visible"/>
-                                      </p:to>
-                                    </p:set>
-                                    <p:anim calcmode="lin" valueType="num">
-                                      <p:cBhvr>
-                                        <p:cTn id="116" dur="500" fill="hold"/>
-                                        <p:tgtEl>
-                                          <p:spTgt spid="60"/>
-                                        </p:tgtEl>
-                                        <p:attrNameLst>
-                                          <p:attrName>ppt_w</p:attrName>
-                                        </p:attrNameLst>
-                                      </p:cBhvr>
-                                      <p:tavLst>
-                                        <p:tav tm="0">
-                                          <p:val>
-                                            <p:fltVal val="0"/>
-                                          </p:val>
-                                        </p:tav>
-                                        <p:tav tm="100000">
-                                          <p:val>
-                                            <p:strVal val="#ppt_w"/>
-                                          </p:val>
-                                        </p:tav>
-                                      </p:tavLst>
-                                    </p:anim>
-                                    <p:anim calcmode="lin" valueType="num">
-                                      <p:cBhvr>
-                                        <p:cTn id="117" dur="500" fill="hold"/>
-                                        <p:tgtEl>
-                                          <p:spTgt spid="60"/>
-                                        </p:tgtEl>
-                                        <p:attrNameLst>
-                                          <p:attrName>ppt_h</p:attrName>
-                                        </p:attrNameLst>
-                                      </p:cBhvr>
-                                      <p:tavLst>
-                                        <p:tav tm="0">
-                                          <p:val>
-                                            <p:fltVal val="0"/>
-                                          </p:val>
-                                        </p:tav>
-                                        <p:tav tm="100000">
-                                          <p:val>
-                                            <p:strVal val="#ppt_h"/>
-                                          </p:val>
-                                        </p:tav>
-                                      </p:tavLst>
-                                    </p:anim>
-                                    <p:animEffect transition="in" filter="fade">
-                                      <p:cBhvr>
-                                        <p:cTn id="118" dur="500"/>
-                                        <p:tgtEl>
-                                          <p:spTgt spid="60"/>
-                                        </p:tgtEl>
-                                      </p:cBhvr>
-                                    </p:animEffect>
-                                  </p:childTnLst>
-                                </p:cTn>
-                              </p:par>
-                              <p:par>
-                                <p:cTn id="119" presetID="53" presetClass="entr" presetSubtype="0" fill="hold" nodeType="withEffect">
-                                  <p:stCondLst>
-                                    <p:cond delay="0"/>
-                                  </p:stCondLst>
-                                  <p:childTnLst>
-                                    <p:set>
-                                      <p:cBhvr>
-                                        <p:cTn id="120" dur="1" fill="hold">
-                                          <p:stCondLst>
-                                            <p:cond delay="0"/>
-                                          </p:stCondLst>
-                                        </p:cTn>
-                                        <p:tgtEl>
-                                          <p:spTgt spid="53"/>
-                                        </p:tgtEl>
-                                        <p:attrNameLst>
-                                          <p:attrName>style.visibility</p:attrName>
-                                        </p:attrNameLst>
-                                      </p:cBhvr>
-                                      <p:to>
-                                        <p:strVal val="visible"/>
-                                      </p:to>
-                                    </p:set>
-                                    <p:anim calcmode="lin" valueType="num">
-                                      <p:cBhvr>
-                                        <p:cTn id="121" dur="500" fill="hold"/>
-                                        <p:tgtEl>
-                                          <p:spTgt spid="53"/>
-                                        </p:tgtEl>
-                                        <p:attrNameLst>
-                                          <p:attrName>ppt_w</p:attrName>
-                                        </p:attrNameLst>
-                                      </p:cBhvr>
-                                      <p:tavLst>
-                                        <p:tav tm="0">
-                                          <p:val>
-                                            <p:fltVal val="0"/>
-                                          </p:val>
-                                        </p:tav>
-                                        <p:tav tm="100000">
-                                          <p:val>
-                                            <p:strVal val="#ppt_w"/>
-                                          </p:val>
-                                        </p:tav>
-                                      </p:tavLst>
-                                    </p:anim>
-                                    <p:anim calcmode="lin" valueType="num">
-                                      <p:cBhvr>
-                                        <p:cTn id="122" dur="500" fill="hold"/>
-                                        <p:tgtEl>
-                                          <p:spTgt spid="53"/>
-                                        </p:tgtEl>
-                                        <p:attrNameLst>
-                                          <p:attrName>ppt_h</p:attrName>
-                                        </p:attrNameLst>
-                                      </p:cBhvr>
-                                      <p:tavLst>
-                                        <p:tav tm="0">
-                                          <p:val>
-                                            <p:fltVal val="0"/>
-                                          </p:val>
-                                        </p:tav>
-                                        <p:tav tm="100000">
-                                          <p:val>
-                                            <p:strVal val="#ppt_h"/>
-                                          </p:val>
-                                        </p:tav>
-                                      </p:tavLst>
-                                    </p:anim>
-                                    <p:animEffect transition="in" filter="fade">
-                                      <p:cBhvr>
-                                        <p:cTn id="123" dur="500"/>
-                                        <p:tgtEl>
-                                          <p:spTgt spid="53"/>
-                                        </p:tgtEl>
-                                      </p:cBhvr>
-                                    </p:animEffect>
-                                  </p:childTnLst>
-                                </p:cTn>
-                              </p:par>
-                            </p:childTnLst>
-                          </p:cTn>
-                        </p:par>
-                      </p:childTnLst>
-                    </p:cTn>
-                  </p:par>
-                  <p:par>
-                    <p:cTn id="124" fill="hold">
-                      <p:stCondLst>
-                        <p:cond delay="indefinite"/>
-                      </p:stCondLst>
-                      <p:childTnLst>
-                        <p:par>
-                          <p:cTn id="125" fill="hold">
-                            <p:stCondLst>
-                              <p:cond delay="0"/>
-                            </p:stCondLst>
-                            <p:childTnLst>
-                              <p:par>
-                                <p:cTn id="126" presetID="53" presetClass="entr" presetSubtype="0" fill="hold" nodeType="clickEffect">
-                                  <p:stCondLst>
-                                    <p:cond delay="0"/>
-                                  </p:stCondLst>
-                                  <p:childTnLst>
-                                    <p:set>
-                                      <p:cBhvr>
-                                        <p:cTn id="127" dur="1" fill="hold">
-                                          <p:stCondLst>
-                                            <p:cond delay="0"/>
-                                          </p:stCondLst>
-                                        </p:cTn>
-                                        <p:tgtEl>
-                                          <p:spTgt spid="54"/>
-                                        </p:tgtEl>
-                                        <p:attrNameLst>
-                                          <p:attrName>style.visibility</p:attrName>
-                                        </p:attrNameLst>
-                                      </p:cBhvr>
-                                      <p:to>
-                                        <p:strVal val="visible"/>
-                                      </p:to>
-                                    </p:set>
-                                    <p:anim calcmode="lin" valueType="num">
-                                      <p:cBhvr>
-                                        <p:cTn id="128" dur="500" fill="hold"/>
-                                        <p:tgtEl>
-                                          <p:spTgt spid="54"/>
-                                        </p:tgtEl>
-                                        <p:attrNameLst>
-                                          <p:attrName>ppt_w</p:attrName>
-                                        </p:attrNameLst>
-                                      </p:cBhvr>
-                                      <p:tavLst>
-                                        <p:tav tm="0">
-                                          <p:val>
-                                            <p:fltVal val="0"/>
-                                          </p:val>
-                                        </p:tav>
-                                        <p:tav tm="100000">
-                                          <p:val>
-                                            <p:strVal val="#ppt_w"/>
-                                          </p:val>
-                                        </p:tav>
-                                      </p:tavLst>
-                                    </p:anim>
-                                    <p:anim calcmode="lin" valueType="num">
-                                      <p:cBhvr>
-                                        <p:cTn id="129" dur="500" fill="hold"/>
-                                        <p:tgtEl>
-                                          <p:spTgt spid="54"/>
-                                        </p:tgtEl>
-                                        <p:attrNameLst>
-                                          <p:attrName>ppt_h</p:attrName>
-                                        </p:attrNameLst>
-                                      </p:cBhvr>
-                                      <p:tavLst>
-                                        <p:tav tm="0">
-                                          <p:val>
-                                            <p:fltVal val="0"/>
-                                          </p:val>
-                                        </p:tav>
-                                        <p:tav tm="100000">
-                                          <p:val>
-                                            <p:strVal val="#ppt_h"/>
-                                          </p:val>
-                                        </p:tav>
-                                      </p:tavLst>
-                                    </p:anim>
-                                    <p:animEffect transition="in" filter="fade">
-                                      <p:cBhvr>
-                                        <p:cTn id="130" dur="500"/>
-                                        <p:tgtEl>
-                                          <p:spTgt spid="54"/>
-                                        </p:tgtEl>
-                                      </p:cBhvr>
-                                    </p:animEffect>
-                                  </p:childTnLst>
-                                </p:cTn>
-                              </p:par>
-                              <p:par>
-                                <p:cTn id="131" presetID="53" presetClass="entr" presetSubtype="0" fill="hold" grpId="0" nodeType="withEffect">
-                                  <p:stCondLst>
-                                    <p:cond delay="0"/>
-                                  </p:stCondLst>
-                                  <p:childTnLst>
-                                    <p:set>
-                                      <p:cBhvr>
-                                        <p:cTn id="132" dur="1" fill="hold">
-                                          <p:stCondLst>
-                                            <p:cond delay="0"/>
-                                          </p:stCondLst>
-                                        </p:cTn>
-                                        <p:tgtEl>
-                                          <p:spTgt spid="61"/>
-                                        </p:tgtEl>
-                                        <p:attrNameLst>
-                                          <p:attrName>style.visibility</p:attrName>
-                                        </p:attrNameLst>
-                                      </p:cBhvr>
-                                      <p:to>
-                                        <p:strVal val="visible"/>
-                                      </p:to>
-                                    </p:set>
-                                    <p:anim calcmode="lin" valueType="num">
-                                      <p:cBhvr>
-                                        <p:cTn id="133" dur="500" fill="hold"/>
-                                        <p:tgtEl>
-                                          <p:spTgt spid="61"/>
-                                        </p:tgtEl>
-                                        <p:attrNameLst>
-                                          <p:attrName>ppt_w</p:attrName>
-                                        </p:attrNameLst>
-                                      </p:cBhvr>
-                                      <p:tavLst>
-                                        <p:tav tm="0">
-                                          <p:val>
-                                            <p:fltVal val="0"/>
-                                          </p:val>
-                                        </p:tav>
-                                        <p:tav tm="100000">
-                                          <p:val>
-                                            <p:strVal val="#ppt_w"/>
-                                          </p:val>
-                                        </p:tav>
-                                      </p:tavLst>
-                                    </p:anim>
-                                    <p:anim calcmode="lin" valueType="num">
-                                      <p:cBhvr>
-                                        <p:cTn id="134" dur="500" fill="hold"/>
-                                        <p:tgtEl>
-                                          <p:spTgt spid="61"/>
-                                        </p:tgtEl>
-                                        <p:attrNameLst>
-                                          <p:attrName>ppt_h</p:attrName>
-                                        </p:attrNameLst>
-                                      </p:cBhvr>
-                                      <p:tavLst>
-                                        <p:tav tm="0">
-                                          <p:val>
-                                            <p:fltVal val="0"/>
-                                          </p:val>
-                                        </p:tav>
-                                        <p:tav tm="100000">
-                                          <p:val>
-                                            <p:strVal val="#ppt_h"/>
-                                          </p:val>
-                                        </p:tav>
-                                      </p:tavLst>
-                                    </p:anim>
-                                    <p:animEffect transition="in" filter="fade">
-                                      <p:cBhvr>
-                                        <p:cTn id="135" dur="500"/>
-                                        <p:tgtEl>
-                                          <p:spTgt spid="61"/>
-                                        </p:tgtEl>
-                                      </p:cBhvr>
-                                    </p:animEffect>
-                                  </p:childTnLst>
-                                </p:cTn>
-                              </p:par>
-                            </p:childTnLst>
-                          </p:cTn>
-                        </p:par>
-                      </p:childTnLst>
-                    </p:cTn>
-                  </p:par>
-                  <p:par>
-                    <p:cTn id="136" fill="hold">
-                      <p:stCondLst>
-                        <p:cond delay="indefinite"/>
-                      </p:stCondLst>
-                      <p:childTnLst>
-                        <p:par>
-                          <p:cTn id="137" fill="hold">
-                            <p:stCondLst>
-                              <p:cond delay="0"/>
-                            </p:stCondLst>
-                            <p:childTnLst>
-                              <p:par>
-                                <p:cTn id="138" presetID="53" presetClass="entr" presetSubtype="0" fill="hold" nodeType="clickEffect">
-                                  <p:stCondLst>
-                                    <p:cond delay="0"/>
-                                  </p:stCondLst>
-                                  <p:childTnLst>
-                                    <p:set>
-                                      <p:cBhvr>
-                                        <p:cTn id="139" dur="1" fill="hold">
-                                          <p:stCondLst>
-                                            <p:cond delay="0"/>
-                                          </p:stCondLst>
-                                        </p:cTn>
-                                        <p:tgtEl>
-                                          <p:spTgt spid="56"/>
-                                        </p:tgtEl>
-                                        <p:attrNameLst>
-                                          <p:attrName>style.visibility</p:attrName>
-                                        </p:attrNameLst>
-                                      </p:cBhvr>
-                                      <p:to>
-                                        <p:strVal val="visible"/>
-                                      </p:to>
-                                    </p:set>
-                                    <p:anim calcmode="lin" valueType="num">
-                                      <p:cBhvr>
-                                        <p:cTn id="140" dur="500" fill="hold"/>
-                                        <p:tgtEl>
-                                          <p:spTgt spid="56"/>
-                                        </p:tgtEl>
-                                        <p:attrNameLst>
-                                          <p:attrName>ppt_w</p:attrName>
-                                        </p:attrNameLst>
-                                      </p:cBhvr>
-                                      <p:tavLst>
-                                        <p:tav tm="0">
-                                          <p:val>
-                                            <p:fltVal val="0"/>
-                                          </p:val>
-                                        </p:tav>
-                                        <p:tav tm="100000">
-                                          <p:val>
-                                            <p:strVal val="#ppt_w"/>
-                                          </p:val>
-                                        </p:tav>
-                                      </p:tavLst>
-                                    </p:anim>
-                                    <p:anim calcmode="lin" valueType="num">
-                                      <p:cBhvr>
-                                        <p:cTn id="141" dur="500" fill="hold"/>
-                                        <p:tgtEl>
-                                          <p:spTgt spid="56"/>
-                                        </p:tgtEl>
-                                        <p:attrNameLst>
-                                          <p:attrName>ppt_h</p:attrName>
-                                        </p:attrNameLst>
-                                      </p:cBhvr>
-                                      <p:tavLst>
-                                        <p:tav tm="0">
-                                          <p:val>
-                                            <p:fltVal val="0"/>
-                                          </p:val>
-                                        </p:tav>
-                                        <p:tav tm="100000">
-                                          <p:val>
-                                            <p:strVal val="#ppt_h"/>
-                                          </p:val>
-                                        </p:tav>
-                                      </p:tavLst>
-                                    </p:anim>
-                                    <p:animEffect transition="in" filter="fade">
-                                      <p:cBhvr>
-                                        <p:cTn id="142" dur="500"/>
-                                        <p:tgtEl>
-                                          <p:spTgt spid="56"/>
-                                        </p:tgtEl>
-                                      </p:cBhvr>
-                                    </p:animEffect>
-                                  </p:childTnLst>
-                                </p:cTn>
-                              </p:par>
-                              <p:par>
-                                <p:cTn id="143" presetID="53" presetClass="entr" presetSubtype="0" fill="hold" grpId="0" nodeType="withEffect">
-                                  <p:stCondLst>
-                                    <p:cond delay="0"/>
-                                  </p:stCondLst>
-                                  <p:childTnLst>
-                                    <p:set>
-                                      <p:cBhvr>
-                                        <p:cTn id="144" dur="1" fill="hold">
-                                          <p:stCondLst>
-                                            <p:cond delay="0"/>
-                                          </p:stCondLst>
-                                        </p:cTn>
-                                        <p:tgtEl>
-                                          <p:spTgt spid="64"/>
-                                        </p:tgtEl>
-                                        <p:attrNameLst>
-                                          <p:attrName>style.visibility</p:attrName>
-                                        </p:attrNameLst>
-                                      </p:cBhvr>
-                                      <p:to>
-                                        <p:strVal val="visible"/>
-                                      </p:to>
-                                    </p:set>
-                                    <p:anim calcmode="lin" valueType="num">
-                                      <p:cBhvr>
-                                        <p:cTn id="145" dur="500" fill="hold"/>
-                                        <p:tgtEl>
-                                          <p:spTgt spid="64"/>
-                                        </p:tgtEl>
-                                        <p:attrNameLst>
-                                          <p:attrName>ppt_w</p:attrName>
-                                        </p:attrNameLst>
-                                      </p:cBhvr>
-                                      <p:tavLst>
-                                        <p:tav tm="0">
-                                          <p:val>
-                                            <p:fltVal val="0"/>
-                                          </p:val>
-                                        </p:tav>
-                                        <p:tav tm="100000">
-                                          <p:val>
-                                            <p:strVal val="#ppt_w"/>
-                                          </p:val>
-                                        </p:tav>
-                                      </p:tavLst>
-                                    </p:anim>
-                                    <p:anim calcmode="lin" valueType="num">
-                                      <p:cBhvr>
-                                        <p:cTn id="146" dur="500" fill="hold"/>
-                                        <p:tgtEl>
-                                          <p:spTgt spid="64"/>
-                                        </p:tgtEl>
-                                        <p:attrNameLst>
-                                          <p:attrName>ppt_h</p:attrName>
-                                        </p:attrNameLst>
-                                      </p:cBhvr>
-                                      <p:tavLst>
-                                        <p:tav tm="0">
-                                          <p:val>
-                                            <p:fltVal val="0"/>
-                                          </p:val>
-                                        </p:tav>
-                                        <p:tav tm="100000">
-                                          <p:val>
-                                            <p:strVal val="#ppt_h"/>
-                                          </p:val>
-                                        </p:tav>
-                                      </p:tavLst>
-                                    </p:anim>
-                                    <p:animEffect transition="in" filter="fade">
-                                      <p:cBhvr>
-                                        <p:cTn id="147" dur="500"/>
-                                        <p:tgtEl>
-                                          <p:spTgt spid="64"/>
-                                        </p:tgtEl>
-                                      </p:cBhvr>
-                                    </p:animEffect>
-                                  </p:childTnLst>
-                                </p:cTn>
-                              </p:par>
-                            </p:childTnLst>
-                          </p:cTn>
-                        </p:par>
-                      </p:childTnLst>
-                    </p:cTn>
-                  </p:par>
-                  <p:par>
-                    <p:cTn id="148" fill="hold">
-                      <p:stCondLst>
-                        <p:cond delay="indefinite"/>
-                      </p:stCondLst>
-                      <p:childTnLst>
-                        <p:par>
-                          <p:cTn id="149" fill="hold">
-                            <p:stCondLst>
-                              <p:cond delay="0"/>
-                            </p:stCondLst>
-                            <p:childTnLst>
-                              <p:par>
-                                <p:cTn id="150" presetID="53" presetClass="entr" presetSubtype="0" fill="hold" grpId="0" nodeType="clickEffect">
-                                  <p:stCondLst>
-                                    <p:cond delay="0"/>
-                                  </p:stCondLst>
-                                  <p:childTnLst>
-                                    <p:set>
-                                      <p:cBhvr>
-                                        <p:cTn id="151" dur="1" fill="hold">
-                                          <p:stCondLst>
-                                            <p:cond delay="0"/>
-                                          </p:stCondLst>
-                                        </p:cTn>
-                                        <p:tgtEl>
-                                          <p:spTgt spid="68"/>
-                                        </p:tgtEl>
-                                        <p:attrNameLst>
-                                          <p:attrName>style.visibility</p:attrName>
-                                        </p:attrNameLst>
-                                      </p:cBhvr>
-                                      <p:to>
-                                        <p:strVal val="visible"/>
-                                      </p:to>
-                                    </p:set>
-                                    <p:anim calcmode="lin" valueType="num">
-                                      <p:cBhvr>
-                                        <p:cTn id="152" dur="500" fill="hold"/>
-                                        <p:tgtEl>
-                                          <p:spTgt spid="68"/>
-                                        </p:tgtEl>
-                                        <p:attrNameLst>
-                                          <p:attrName>ppt_w</p:attrName>
-                                        </p:attrNameLst>
-                                      </p:cBhvr>
-                                      <p:tavLst>
-                                        <p:tav tm="0">
-                                          <p:val>
-                                            <p:fltVal val="0"/>
-                                          </p:val>
-                                        </p:tav>
-                                        <p:tav tm="100000">
-                                          <p:val>
-                                            <p:strVal val="#ppt_w"/>
-                                          </p:val>
-                                        </p:tav>
-                                      </p:tavLst>
-                                    </p:anim>
-                                    <p:anim calcmode="lin" valueType="num">
-                                      <p:cBhvr>
-                                        <p:cTn id="153" dur="500" fill="hold"/>
-                                        <p:tgtEl>
-                                          <p:spTgt spid="68"/>
-                                        </p:tgtEl>
-                                        <p:attrNameLst>
-                                          <p:attrName>ppt_h</p:attrName>
-                                        </p:attrNameLst>
-                                      </p:cBhvr>
-                                      <p:tavLst>
-                                        <p:tav tm="0">
-                                          <p:val>
-                                            <p:fltVal val="0"/>
-                                          </p:val>
-                                        </p:tav>
-                                        <p:tav tm="100000">
-                                          <p:val>
-                                            <p:strVal val="#ppt_h"/>
-                                          </p:val>
-                                        </p:tav>
-                                      </p:tavLst>
-                                    </p:anim>
-                                    <p:animEffect transition="in" filter="fade">
-                                      <p:cBhvr>
-                                        <p:cTn id="154" dur="500"/>
-                                        <p:tgtEl>
-                                          <p:spTgt spid="68"/>
-                                        </p:tgtEl>
-                                      </p:cBhvr>
-                                    </p:animEffect>
-                                  </p:childTnLst>
-                                </p:cTn>
-                              </p:par>
-                              <p:par>
-                                <p:cTn id="155" presetID="53" presetClass="entr" presetSubtype="0" fill="hold" nodeType="withEffect">
-                                  <p:stCondLst>
-                                    <p:cond delay="0"/>
-                                  </p:stCondLst>
-                                  <p:childTnLst>
-                                    <p:set>
-                                      <p:cBhvr>
-                                        <p:cTn id="156" dur="1" fill="hold">
-                                          <p:stCondLst>
-                                            <p:cond delay="0"/>
-                                          </p:stCondLst>
-                                        </p:cTn>
-                                        <p:tgtEl>
-                                          <p:spTgt spid="55"/>
-                                        </p:tgtEl>
-                                        <p:attrNameLst>
-                                          <p:attrName>style.visibility</p:attrName>
-                                        </p:attrNameLst>
-                                      </p:cBhvr>
-                                      <p:to>
-                                        <p:strVal val="visible"/>
-                                      </p:to>
-                                    </p:set>
-                                    <p:anim calcmode="lin" valueType="num">
-                                      <p:cBhvr>
-                                        <p:cTn id="157" dur="500" fill="hold"/>
-                                        <p:tgtEl>
-                                          <p:spTgt spid="55"/>
-                                        </p:tgtEl>
-                                        <p:attrNameLst>
-                                          <p:attrName>ppt_w</p:attrName>
-                                        </p:attrNameLst>
-                                      </p:cBhvr>
-                                      <p:tavLst>
-                                        <p:tav tm="0">
-                                          <p:val>
-                                            <p:fltVal val="0"/>
-                                          </p:val>
-                                        </p:tav>
-                                        <p:tav tm="100000">
-                                          <p:val>
-                                            <p:strVal val="#ppt_w"/>
-                                          </p:val>
-                                        </p:tav>
-                                      </p:tavLst>
-                                    </p:anim>
-                                    <p:anim calcmode="lin" valueType="num">
-                                      <p:cBhvr>
-                                        <p:cTn id="158" dur="500" fill="hold"/>
-                                        <p:tgtEl>
-                                          <p:spTgt spid="55"/>
-                                        </p:tgtEl>
-                                        <p:attrNameLst>
-                                          <p:attrName>ppt_h</p:attrName>
-                                        </p:attrNameLst>
-                                      </p:cBhvr>
-                                      <p:tavLst>
-                                        <p:tav tm="0">
-                                          <p:val>
-                                            <p:fltVal val="0"/>
-                                          </p:val>
-                                        </p:tav>
-                                        <p:tav tm="100000">
-                                          <p:val>
-                                            <p:strVal val="#ppt_h"/>
-                                          </p:val>
-                                        </p:tav>
-                                      </p:tavLst>
-                                    </p:anim>
-                                    <p:animEffect transition="in" filter="fade">
-                                      <p:cBhvr>
-                                        <p:cTn id="159" dur="500"/>
-                                        <p:tgtEl>
-                                          <p:spTgt spid="55"/>
-                                        </p:tgtEl>
-                                      </p:cBhvr>
-                                    </p:animEffect>
-                                  </p:childTnLst>
-                                </p:cTn>
-                              </p:par>
-                            </p:childTnLst>
-                          </p:cTn>
-                        </p:par>
-                      </p:childTnLst>
-                    </p:cTn>
-                  </p:par>
-                </p:childTnLst>
-              </p:cTn>
-              <p:prevCondLst>
-                <p:cond evt="onPrev" delay="0">
-                  <p:tgtEl>
-                    <p:sldTgt/>
-                  </p:tgtEl>
-                </p:cond>
-              </p:prevCondLst>
-              <p:nextCondLst>
-                <p:cond evt="onNext" delay="0">
-                  <p:tgtEl>
-                    <p:sldTgt/>
-                  </p:tgtEl>
-                </p:cond>
-              </p:nextCondLst>
-            </p:seq>
-          </p:childTnLst>
-        </p:cTn>
-      </p:par>
-    </p:tnLst>
-    <p:bldLst>
-      <p:bldP spid="58" grpId="0" animBg="1"/>
-      <p:bldP spid="60" grpId="0" animBg="1"/>
-      <p:bldP spid="61" grpId="0" animBg="1"/>
-      <p:bldP spid="64" grpId="0" animBg="1"/>
-      <p:bldP spid="68" grpId="0" animBg="1"/>
-      <p:bldP spid="70" grpId="0"/>
-      <p:bldP spid="71" grpId="0" animBg="1"/>
-      <p:bldP spid="73" grpId="0" animBg="1"/>
-      <p:bldP spid="74" grpId="0" animBg="1"/>
-      <p:bldP spid="77" grpId="0" animBg="1"/>
-      <p:bldP spid="81" grpId="0" animBg="1"/>
-      <p:bldP spid="82" grpId="0" animBg="1"/>
-      <p:bldP spid="84" grpId="0" animBg="1"/>
-      <p:bldP spid="86" grpId="0" animBg="1"/>
-    </p:bldLst>
-  </p:timing>
-</p:sld>
-</file>
-
 <file path=ppt/theme/theme1.xml><?xml version="1.0" encoding="utf-8"?>
 <a:theme xmlns:a="http://schemas.openxmlformats.org/drawingml/2006/main" name="Tema de Office">
   <a:themeElements>
